--- a/Solar Panels for homes.pptx
+++ b/Solar Panels for homes.pptx
@@ -5,14 +5,19 @@
     <p:sldMasterId id="2147483672" r:id="rId4"/>
   </p:sldMasterIdLst>
   <p:notesMasterIdLst>
-    <p:notesMasterId r:id="rId7"/>
+    <p:notesMasterId r:id="rId12"/>
   </p:notesMasterIdLst>
   <p:handoutMasterIdLst>
-    <p:handoutMasterId r:id="rId8"/>
+    <p:handoutMasterId r:id="rId13"/>
   </p:handoutMasterIdLst>
   <p:sldIdLst>
     <p:sldId id="256" r:id="rId5"/>
-    <p:sldId id="257" r:id="rId6"/>
+    <p:sldId id="258" r:id="rId6"/>
+    <p:sldId id="259" r:id="rId7"/>
+    <p:sldId id="261" r:id="rId8"/>
+    <p:sldId id="262" r:id="rId9"/>
+    <p:sldId id="257" r:id="rId10"/>
+    <p:sldId id="260" r:id="rId11"/>
   </p:sldIdLst>
   <p:sldSz cx="12192000" cy="6858000"/>
   <p:notesSz cx="6858000" cy="9144000"/>
@@ -122,6 +127,140 @@
 </p:presentation>
 </file>
 
+<file path=ppt/revisionInfo.xml><?xml version="1.0" encoding="utf-8"?>
+<p1510:revInfo xmlns:a="http://schemas.openxmlformats.org/drawingml/2006/main" xmlns:r="http://schemas.openxmlformats.org/officeDocument/2006/relationships" xmlns:p1510="http://schemas.microsoft.com/office/powerpoint/2015/10/main">
+  <p1510:revLst>
+    <p1510:client id="{16183937-D2FC-4507-A4FB-6C155EB271C9}" v="5" dt="2022-01-09T21:12:31.215"/>
+  </p1510:revLst>
+</p1510:revInfo>
+</file>
+
+<file path=ppt/changesInfos/changesInfo1.xml><?xml version="1.0" encoding="utf-8"?>
+<pc:chgInfo xmlns:a="http://schemas.openxmlformats.org/drawingml/2006/main" xmlns:r="http://schemas.openxmlformats.org/officeDocument/2006/relationships" xmlns:ac="http://schemas.microsoft.com/office/drawing/2013/main/command" xmlns:pc="http://schemas.microsoft.com/office/powerpoint/2013/main/command">
+  <pc:docChgLst>
+    <pc:chgData name="Claudia L" userId="d651ccd468905d1c" providerId="LiveId" clId="{16183937-D2FC-4507-A4FB-6C155EB271C9}"/>
+    <pc:docChg chg="undo custSel addSld delSld modSld">
+      <pc:chgData name="Claudia L" userId="d651ccd468905d1c" providerId="LiveId" clId="{16183937-D2FC-4507-A4FB-6C155EB271C9}" dt="2022-01-09T21:14:00.278" v="1486" actId="20577"/>
+      <pc:docMkLst>
+        <pc:docMk/>
+      </pc:docMkLst>
+      <pc:sldChg chg="modSp mod">
+        <pc:chgData name="Claudia L" userId="d651ccd468905d1c" providerId="LiveId" clId="{16183937-D2FC-4507-A4FB-6C155EB271C9}" dt="2022-01-09T20:38:17.300" v="49" actId="20577"/>
+        <pc:sldMkLst>
+          <pc:docMk/>
+          <pc:sldMk cId="1487700712" sldId="256"/>
+        </pc:sldMkLst>
+        <pc:spChg chg="mod">
+          <ac:chgData name="Claudia L" userId="d651ccd468905d1c" providerId="LiveId" clId="{16183937-D2FC-4507-A4FB-6C155EB271C9}" dt="2022-01-09T20:38:17.300" v="49" actId="20577"/>
+          <ac:spMkLst>
+            <pc:docMk/>
+            <pc:sldMk cId="1487700712" sldId="256"/>
+            <ac:spMk id="3" creationId="{48B6CF59-4E5B-494D-A2F7-97ADD01E6497}"/>
+          </ac:spMkLst>
+        </pc:spChg>
+      </pc:sldChg>
+      <pc:sldChg chg="modSp new mod">
+        <pc:chgData name="Claudia L" userId="d651ccd468905d1c" providerId="LiveId" clId="{16183937-D2FC-4507-A4FB-6C155EB271C9}" dt="2022-01-09T21:02:06.381" v="694"/>
+        <pc:sldMkLst>
+          <pc:docMk/>
+          <pc:sldMk cId="2231398592" sldId="258"/>
+        </pc:sldMkLst>
+        <pc:spChg chg="mod">
+          <ac:chgData name="Claudia L" userId="d651ccd468905d1c" providerId="LiveId" clId="{16183937-D2FC-4507-A4FB-6C155EB271C9}" dt="2022-01-09T20:39:21.947" v="93" actId="20577"/>
+          <ac:spMkLst>
+            <pc:docMk/>
+            <pc:sldMk cId="2231398592" sldId="258"/>
+            <ac:spMk id="2" creationId="{955456A0-1E6C-4798-9FF1-30A8C5B8BC64}"/>
+          </ac:spMkLst>
+        </pc:spChg>
+        <pc:spChg chg="mod">
+          <ac:chgData name="Claudia L" userId="d651ccd468905d1c" providerId="LiveId" clId="{16183937-D2FC-4507-A4FB-6C155EB271C9}" dt="2022-01-09T21:02:06.381" v="694"/>
+          <ac:spMkLst>
+            <pc:docMk/>
+            <pc:sldMk cId="2231398592" sldId="258"/>
+            <ac:spMk id="3" creationId="{C8E01984-0340-476A-A245-58F668A95ADC}"/>
+          </ac:spMkLst>
+        </pc:spChg>
+      </pc:sldChg>
+      <pc:sldChg chg="modSp new mod">
+        <pc:chgData name="Claudia L" userId="d651ccd468905d1c" providerId="LiveId" clId="{16183937-D2FC-4507-A4FB-6C155EB271C9}" dt="2022-01-09T21:12:05.119" v="1448" actId="20577"/>
+        <pc:sldMkLst>
+          <pc:docMk/>
+          <pc:sldMk cId="1768409953" sldId="259"/>
+        </pc:sldMkLst>
+        <pc:spChg chg="mod">
+          <ac:chgData name="Claudia L" userId="d651ccd468905d1c" providerId="LiveId" clId="{16183937-D2FC-4507-A4FB-6C155EB271C9}" dt="2022-01-09T21:06:19.398" v="713" actId="20577"/>
+          <ac:spMkLst>
+            <pc:docMk/>
+            <pc:sldMk cId="1768409953" sldId="259"/>
+            <ac:spMk id="2" creationId="{83E8BC07-589B-466E-992C-6E39952DEB98}"/>
+          </ac:spMkLst>
+        </pc:spChg>
+        <pc:spChg chg="mod">
+          <ac:chgData name="Claudia L" userId="d651ccd468905d1c" providerId="LiveId" clId="{16183937-D2FC-4507-A4FB-6C155EB271C9}" dt="2022-01-09T21:12:05.119" v="1448" actId="20577"/>
+          <ac:spMkLst>
+            <pc:docMk/>
+            <pc:sldMk cId="1768409953" sldId="259"/>
+            <ac:spMk id="3" creationId="{2E15FE01-AE2C-40AF-A8A4-2055BAC55D10}"/>
+          </ac:spMkLst>
+        </pc:spChg>
+      </pc:sldChg>
+      <pc:sldChg chg="new del">
+        <pc:chgData name="Claudia L" userId="d651ccd468905d1c" providerId="LiveId" clId="{16183937-D2FC-4507-A4FB-6C155EB271C9}" dt="2022-01-09T21:13:21.296" v="1452" actId="680"/>
+        <pc:sldMkLst>
+          <pc:docMk/>
+          <pc:sldMk cId="323144366" sldId="260"/>
+        </pc:sldMkLst>
+      </pc:sldChg>
+      <pc:sldChg chg="new">
+        <pc:chgData name="Claudia L" userId="d651ccd468905d1c" providerId="LiveId" clId="{16183937-D2FC-4507-A4FB-6C155EB271C9}" dt="2022-01-09T21:13:27.586" v="1453" actId="680"/>
+        <pc:sldMkLst>
+          <pc:docMk/>
+          <pc:sldMk cId="2448347216" sldId="260"/>
+        </pc:sldMkLst>
+      </pc:sldChg>
+      <pc:sldChg chg="new del">
+        <pc:chgData name="Claudia L" userId="d651ccd468905d1c" providerId="LiveId" clId="{16183937-D2FC-4507-A4FB-6C155EB271C9}" dt="2022-01-09T21:13:04.991" v="1450" actId="680"/>
+        <pc:sldMkLst>
+          <pc:docMk/>
+          <pc:sldMk cId="4216288169" sldId="260"/>
+        </pc:sldMkLst>
+      </pc:sldChg>
+      <pc:sldChg chg="modSp new mod">
+        <pc:chgData name="Claudia L" userId="d651ccd468905d1c" providerId="LiveId" clId="{16183937-D2FC-4507-A4FB-6C155EB271C9}" dt="2022-01-09T21:13:48.809" v="1468" actId="20577"/>
+        <pc:sldMkLst>
+          <pc:docMk/>
+          <pc:sldMk cId="2901563619" sldId="261"/>
+        </pc:sldMkLst>
+        <pc:spChg chg="mod">
+          <ac:chgData name="Claudia L" userId="d651ccd468905d1c" providerId="LiveId" clId="{16183937-D2FC-4507-A4FB-6C155EB271C9}" dt="2022-01-09T21:13:48.809" v="1468" actId="20577"/>
+          <ac:spMkLst>
+            <pc:docMk/>
+            <pc:sldMk cId="2901563619" sldId="261"/>
+            <ac:spMk id="2" creationId="{C80F6297-0688-4A38-B57C-E02D044D9BF3}"/>
+          </ac:spMkLst>
+        </pc:spChg>
+      </pc:sldChg>
+      <pc:sldChg chg="modSp new mod">
+        <pc:chgData name="Claudia L" userId="d651ccd468905d1c" providerId="LiveId" clId="{16183937-D2FC-4507-A4FB-6C155EB271C9}" dt="2022-01-09T21:14:00.278" v="1486" actId="20577"/>
+        <pc:sldMkLst>
+          <pc:docMk/>
+          <pc:sldMk cId="1842148938" sldId="262"/>
+        </pc:sldMkLst>
+        <pc:spChg chg="mod">
+          <ac:chgData name="Claudia L" userId="d651ccd468905d1c" providerId="LiveId" clId="{16183937-D2FC-4507-A4FB-6C155EB271C9}" dt="2022-01-09T21:14:00.278" v="1486" actId="20577"/>
+          <ac:spMkLst>
+            <pc:docMk/>
+            <pc:sldMk cId="1842148938" sldId="262"/>
+            <ac:spMk id="2" creationId="{A1346E40-DD7E-4E9D-BD8D-0DBFDFC3A910}"/>
+          </ac:spMkLst>
+        </pc:spChg>
+      </pc:sldChg>
+    </pc:docChg>
+  </pc:docChgLst>
+</pc:chgInfo>
+</file>
+
 <file path=ppt/handoutMasters/handoutMaster1.xml><?xml version="1.0" encoding="utf-8"?>
 <p:handoutMaster xmlns:a="http://schemas.openxmlformats.org/drawingml/2006/main" xmlns:r="http://schemas.openxmlformats.org/officeDocument/2006/relationships" xmlns:p="http://schemas.openxmlformats.org/presentationml/2006/main">
   <p:cSld>
@@ -216,7 +355,7 @@
           <a:p>
             <a:fld id="{AF869721-F543-4A6C-BF9D-65D7CC540427}" type="datetimeFigureOut">
               <a:rPr lang="en-US" smtClean="0"/>
-              <a:t>1/4/2022</a:t>
+              <a:t>1/9/2022</a:t>
             </a:fld>
             <a:endParaRPr lang="en-US" dirty="0"/>
           </a:p>
@@ -393,7 +532,7 @@
           <a:p>
             <a:fld id="{C732326A-4C88-4AFB-AA5B-5919D81DFF5B}" type="datetimeFigureOut">
               <a:rPr lang="en-US" smtClean="0"/>
-              <a:t>1/4/2022</a:t>
+              <a:t>1/9/2022</a:t>
             </a:fld>
             <a:endParaRPr lang="en-US" dirty="0"/>
           </a:p>
@@ -990,7 +1129,7 @@
             <a:fld id="{B61BEF0D-F0BB-DE4B-95CE-6DB70DBA9567}" type="datetimeFigureOut">
               <a:rPr lang="en-US" smtClean="0"/>
               <a:pPr/>
-              <a:t>1/4/2022</a:t>
+              <a:t>1/9/2022</a:t>
             </a:fld>
             <a:endParaRPr lang="en-US" dirty="0"/>
           </a:p>
@@ -1254,7 +1393,7 @@
             <a:fld id="{B61BEF0D-F0BB-DE4B-95CE-6DB70DBA9567}" type="datetimeFigureOut">
               <a:rPr lang="en-US" smtClean="0"/>
               <a:pPr/>
-              <a:t>1/4/2022</a:t>
+              <a:t>1/9/2022</a:t>
             </a:fld>
             <a:endParaRPr lang="en-US" dirty="0"/>
           </a:p>
@@ -1491,7 +1630,7 @@
             <a:fld id="{B61BEF0D-F0BB-DE4B-95CE-6DB70DBA9567}" type="datetimeFigureOut">
               <a:rPr lang="en-US" smtClean="0"/>
               <a:pPr/>
-              <a:t>1/4/2022</a:t>
+              <a:t>1/9/2022</a:t>
             </a:fld>
             <a:endParaRPr lang="en-US" dirty="0"/>
           </a:p>
@@ -1733,7 +1872,7 @@
             <a:fld id="{B61BEF0D-F0BB-DE4B-95CE-6DB70DBA9567}" type="datetimeFigureOut">
               <a:rPr lang="en-US" smtClean="0"/>
               <a:pPr/>
-              <a:t>1/4/2022</a:t>
+              <a:t>1/9/2022</a:t>
             </a:fld>
             <a:endParaRPr lang="en-US" dirty="0"/>
           </a:p>
@@ -2042,7 +2181,7 @@
             <a:fld id="{B61BEF0D-F0BB-DE4B-95CE-6DB70DBA9567}" type="datetimeFigureOut">
               <a:rPr lang="en-US" smtClean="0"/>
               <a:pPr/>
-              <a:t>1/4/2022</a:t>
+              <a:t>1/9/2022</a:t>
             </a:fld>
             <a:endParaRPr lang="en-US" dirty="0"/>
           </a:p>
@@ -2346,7 +2485,7 @@
             <a:fld id="{B61BEF0D-F0BB-DE4B-95CE-6DB70DBA9567}" type="datetimeFigureOut">
               <a:rPr lang="en-US" smtClean="0"/>
               <a:pPr/>
-              <a:t>1/4/2022</a:t>
+              <a:t>1/9/2022</a:t>
             </a:fld>
             <a:endParaRPr lang="en-US" dirty="0"/>
           </a:p>
@@ -2770,7 +2909,7 @@
             <a:fld id="{B61BEF0D-F0BB-DE4B-95CE-6DB70DBA9567}" type="datetimeFigureOut">
               <a:rPr lang="en-US" smtClean="0"/>
               <a:pPr/>
-              <a:t>1/4/2022</a:t>
+              <a:t>1/9/2022</a:t>
             </a:fld>
             <a:endParaRPr lang="en-US" dirty="0"/>
           </a:p>
@@ -2867,7 +3006,7 @@
             <a:fld id="{B61BEF0D-F0BB-DE4B-95CE-6DB70DBA9567}" type="datetimeFigureOut">
               <a:rPr lang="en-US" smtClean="0"/>
               <a:pPr/>
-              <a:t>1/4/2022</a:t>
+              <a:t>1/9/2022</a:t>
             </a:fld>
             <a:endParaRPr lang="en-US" dirty="0"/>
           </a:p>
@@ -3031,7 +3170,7 @@
             <a:fld id="{B61BEF0D-F0BB-DE4B-95CE-6DB70DBA9567}" type="datetimeFigureOut">
               <a:rPr lang="en-US" smtClean="0"/>
               <a:pPr/>
-              <a:t>1/4/2022</a:t>
+              <a:t>1/9/2022</a:t>
             </a:fld>
             <a:endParaRPr lang="en-US" dirty="0"/>
           </a:p>
@@ -3411,7 +3550,7 @@
             <a:fld id="{B61BEF0D-F0BB-DE4B-95CE-6DB70DBA9567}" type="datetimeFigureOut">
               <a:rPr lang="en-US" smtClean="0"/>
               <a:pPr/>
-              <a:t>1/4/2022</a:t>
+              <a:t>1/9/2022</a:t>
             </a:fld>
             <a:endParaRPr lang="en-US" dirty="0"/>
           </a:p>
@@ -3610,10 +3749,9 @@
           </a:lstStyle>
           <a:p>
             <a:r>
-              <a:rPr lang="en-US"/>
+              <a:rPr lang="en-US" dirty="0"/>
               <a:t>Click icon to add picture</a:t>
             </a:r>
-            <a:endParaRPr lang="en-US" dirty="0"/>
           </a:p>
         </p:txBody>
       </p:sp>
@@ -3702,7 +3840,7 @@
             <a:fld id="{B61BEF0D-F0BB-DE4B-95CE-6DB70DBA9567}" type="datetimeFigureOut">
               <a:rPr lang="en-US" smtClean="0"/>
               <a:pPr/>
-              <a:t>1/4/2022</a:t>
+              <a:t>1/9/2022</a:t>
             </a:fld>
             <a:endParaRPr lang="en-US" dirty="0"/>
           </a:p>
@@ -3915,7 +4053,7 @@
             <a:fld id="{B61BEF0D-F0BB-DE4B-95CE-6DB70DBA9567}" type="datetimeFigureOut">
               <a:rPr lang="en-US" smtClean="0"/>
               <a:pPr/>
-              <a:t>1/4/2022</a:t>
+              <a:t>1/9/2022</a:t>
             </a:fld>
             <a:endParaRPr lang="en-US" dirty="0"/>
           </a:p>
@@ -4931,11 +5069,14 @@
           </a:bodyPr>
           <a:lstStyle/>
           <a:p>
-            <a:endParaRPr lang="en-US" dirty="0">
-              <a:solidFill>
-                <a:srgbClr val="7CEBFF"/>
-              </a:solidFill>
-            </a:endParaRPr>
+            <a:r>
+              <a:rPr lang="en-US" dirty="0">
+                <a:solidFill>
+                  <a:srgbClr val="7CEBFF"/>
+                </a:solidFill>
+              </a:rPr>
+              <a:t>By Claudia Logrande, arica mcneal, michelle chavez</a:t>
+            </a:r>
           </a:p>
         </p:txBody>
       </p:sp>
@@ -4974,6 +5115,381 @@
           <p:cNvPr id="2" name="Title 1">
             <a:extLst>
               <a:ext uri="{FF2B5EF4-FFF2-40B4-BE49-F238E27FC236}">
+                <a16:creationId xmlns:a16="http://schemas.microsoft.com/office/drawing/2014/main" id="{955456A0-1E6C-4798-9FF1-30A8C5B8BC64}"/>
+              </a:ext>
+            </a:extLst>
+          </p:cNvPr>
+          <p:cNvSpPr>
+            <a:spLocks noGrp="1"/>
+          </p:cNvSpPr>
+          <p:nvPr>
+            <p:ph type="title"/>
+          </p:nvPr>
+        </p:nvSpPr>
+        <p:spPr/>
+        <p:txBody>
+          <a:bodyPr/>
+          <a:lstStyle/>
+          <a:p>
+            <a:r>
+              <a:rPr lang="en-US" dirty="0"/>
+              <a:t>Introduction presentation</a:t>
+            </a:r>
+          </a:p>
+        </p:txBody>
+      </p:sp>
+      <p:sp>
+        <p:nvSpPr>
+          <p:cNvPr id="3" name="Content Placeholder 2">
+            <a:extLst>
+              <a:ext uri="{FF2B5EF4-FFF2-40B4-BE49-F238E27FC236}">
+                <a16:creationId xmlns:a16="http://schemas.microsoft.com/office/drawing/2014/main" id="{C8E01984-0340-476A-A245-58F668A95ADC}"/>
+              </a:ext>
+            </a:extLst>
+          </p:cNvPr>
+          <p:cNvSpPr>
+            <a:spLocks noGrp="1"/>
+          </p:cNvSpPr>
+          <p:nvPr>
+            <p:ph idx="1"/>
+          </p:nvPr>
+        </p:nvSpPr>
+        <p:spPr/>
+        <p:txBody>
+          <a:bodyPr/>
+          <a:lstStyle/>
+          <a:p>
+            <a:r>
+              <a:rPr lang="en-US" dirty="0"/>
+              <a:t>Girl Power team</a:t>
+            </a:r>
+          </a:p>
+          <a:p>
+            <a:r>
+              <a:rPr lang="en-US" dirty="0"/>
+              <a:t>We are a group of single moms, teamed up to work on this project helping each other just like we do in life to better ourselves and learning from each other.</a:t>
+            </a:r>
+          </a:p>
+          <a:p>
+            <a:r>
+              <a:rPr lang="en-US" b="0" i="0" dirty="0">
+                <a:solidFill>
+                  <a:srgbClr val="1D1C1D"/>
+                </a:solidFill>
+                <a:effectLst/>
+                <a:latin typeface="Slack-Lato"/>
+              </a:rPr>
+              <a:t>We have different backgrounds but the same goals to better ourselves by learning new things and succeeding. Also, to set a good example for our kids and point them in the right direction by showing them we're never too old to learn new things.</a:t>
+            </a:r>
+            <a:endParaRPr lang="en-US" dirty="0"/>
+          </a:p>
+        </p:txBody>
+      </p:sp>
+    </p:spTree>
+    <p:extLst>
+      <p:ext uri="{BB962C8B-B14F-4D97-AF65-F5344CB8AC3E}">
+        <p14:creationId xmlns:p14="http://schemas.microsoft.com/office/powerpoint/2010/main" val="2231398592"/>
+      </p:ext>
+    </p:extLst>
+  </p:cSld>
+  <p:clrMapOvr>
+    <a:masterClrMapping/>
+  </p:clrMapOvr>
+</p:sld>
+</file>
+
+<file path=ppt/slides/slide3.xml><?xml version="1.0" encoding="utf-8"?>
+<p:sld xmlns:a="http://schemas.openxmlformats.org/drawingml/2006/main" xmlns:r="http://schemas.openxmlformats.org/officeDocument/2006/relationships" xmlns:p="http://schemas.openxmlformats.org/presentationml/2006/main">
+  <p:cSld>
+    <p:spTree>
+      <p:nvGrpSpPr>
+        <p:cNvPr id="1" name=""/>
+        <p:cNvGrpSpPr/>
+        <p:nvPr/>
+      </p:nvGrpSpPr>
+      <p:grpSpPr>
+        <a:xfrm>
+          <a:off x="0" y="0"/>
+          <a:ext cx="0" cy="0"/>
+          <a:chOff x="0" y="0"/>
+          <a:chExt cx="0" cy="0"/>
+        </a:xfrm>
+      </p:grpSpPr>
+      <p:sp>
+        <p:nvSpPr>
+          <p:cNvPr id="2" name="Title 1">
+            <a:extLst>
+              <a:ext uri="{FF2B5EF4-FFF2-40B4-BE49-F238E27FC236}">
+                <a16:creationId xmlns:a16="http://schemas.microsoft.com/office/drawing/2014/main" id="{83E8BC07-589B-466E-992C-6E39952DEB98}"/>
+              </a:ext>
+            </a:extLst>
+          </p:cNvPr>
+          <p:cNvSpPr>
+            <a:spLocks noGrp="1"/>
+          </p:cNvSpPr>
+          <p:nvPr>
+            <p:ph type="title"/>
+          </p:nvPr>
+        </p:nvSpPr>
+        <p:spPr/>
+        <p:txBody>
+          <a:bodyPr/>
+          <a:lstStyle/>
+          <a:p>
+            <a:r>
+              <a:rPr lang="en-US" dirty="0"/>
+              <a:t>Claudia Logrande</a:t>
+            </a:r>
+          </a:p>
+        </p:txBody>
+      </p:sp>
+      <p:sp>
+        <p:nvSpPr>
+          <p:cNvPr id="3" name="Content Placeholder 2">
+            <a:extLst>
+              <a:ext uri="{FF2B5EF4-FFF2-40B4-BE49-F238E27FC236}">
+                <a16:creationId xmlns:a16="http://schemas.microsoft.com/office/drawing/2014/main" id="{2E15FE01-AE2C-40AF-A8A4-2055BAC55D10}"/>
+              </a:ext>
+            </a:extLst>
+          </p:cNvPr>
+          <p:cNvSpPr>
+            <a:spLocks noGrp="1"/>
+          </p:cNvSpPr>
+          <p:nvPr>
+            <p:ph idx="1"/>
+          </p:nvPr>
+        </p:nvSpPr>
+        <p:spPr/>
+        <p:txBody>
+          <a:bodyPr/>
+          <a:lstStyle/>
+          <a:p>
+            <a:r>
+              <a:rPr lang="en-US" dirty="0"/>
+              <a:t>International student in the USA (originally from Italy).</a:t>
+            </a:r>
+          </a:p>
+          <a:p>
+            <a:r>
+              <a:rPr lang="en-US" dirty="0"/>
+              <a:t>Very involved in environmental issues </a:t>
+            </a:r>
+          </a:p>
+          <a:p>
+            <a:r>
+              <a:rPr lang="en-US" dirty="0"/>
+              <a:t>Single mom of 3 kids</a:t>
+            </a:r>
+          </a:p>
+          <a:p>
+            <a:r>
+              <a:rPr lang="en-US" dirty="0"/>
+              <a:t>Finished my BA in Business, concentration in Finance only in 2020, then started this program with WOZU because I wanted to learn more about Data Science. Looking forward to learn more about it and taking more classes starting in the Fall.</a:t>
+            </a:r>
+          </a:p>
+        </p:txBody>
+      </p:sp>
+    </p:spTree>
+    <p:extLst>
+      <p:ext uri="{BB962C8B-B14F-4D97-AF65-F5344CB8AC3E}">
+        <p14:creationId xmlns:p14="http://schemas.microsoft.com/office/powerpoint/2010/main" val="1768409953"/>
+      </p:ext>
+    </p:extLst>
+  </p:cSld>
+  <p:clrMapOvr>
+    <a:masterClrMapping/>
+  </p:clrMapOvr>
+</p:sld>
+</file>
+
+<file path=ppt/slides/slide4.xml><?xml version="1.0" encoding="utf-8"?>
+<p:sld xmlns:a="http://schemas.openxmlformats.org/drawingml/2006/main" xmlns:r="http://schemas.openxmlformats.org/officeDocument/2006/relationships" xmlns:p="http://schemas.openxmlformats.org/presentationml/2006/main">
+  <p:cSld>
+    <p:spTree>
+      <p:nvGrpSpPr>
+        <p:cNvPr id="1" name=""/>
+        <p:cNvGrpSpPr/>
+        <p:nvPr/>
+      </p:nvGrpSpPr>
+      <p:grpSpPr>
+        <a:xfrm>
+          <a:off x="0" y="0"/>
+          <a:ext cx="0" cy="0"/>
+          <a:chOff x="0" y="0"/>
+          <a:chExt cx="0" cy="0"/>
+        </a:xfrm>
+      </p:grpSpPr>
+      <p:sp>
+        <p:nvSpPr>
+          <p:cNvPr id="2" name="Title 1">
+            <a:extLst>
+              <a:ext uri="{FF2B5EF4-FFF2-40B4-BE49-F238E27FC236}">
+                <a16:creationId xmlns:a16="http://schemas.microsoft.com/office/drawing/2014/main" id="{C80F6297-0688-4A38-B57C-E02D044D9BF3}"/>
+              </a:ext>
+            </a:extLst>
+          </p:cNvPr>
+          <p:cNvSpPr>
+            <a:spLocks noGrp="1"/>
+          </p:cNvSpPr>
+          <p:nvPr>
+            <p:ph type="title"/>
+          </p:nvPr>
+        </p:nvSpPr>
+        <p:spPr/>
+        <p:txBody>
+          <a:bodyPr/>
+          <a:lstStyle/>
+          <a:p>
+            <a:r>
+              <a:rPr lang="en-US" dirty="0"/>
+              <a:t>Arica mcneal</a:t>
+            </a:r>
+          </a:p>
+        </p:txBody>
+      </p:sp>
+      <p:sp>
+        <p:nvSpPr>
+          <p:cNvPr id="3" name="Content Placeholder 2">
+            <a:extLst>
+              <a:ext uri="{FF2B5EF4-FFF2-40B4-BE49-F238E27FC236}">
+                <a16:creationId xmlns:a16="http://schemas.microsoft.com/office/drawing/2014/main" id="{8EDEE2BB-ECD0-46C1-892A-743808E3F2B3}"/>
+              </a:ext>
+            </a:extLst>
+          </p:cNvPr>
+          <p:cNvSpPr>
+            <a:spLocks noGrp="1"/>
+          </p:cNvSpPr>
+          <p:nvPr>
+            <p:ph idx="1"/>
+          </p:nvPr>
+        </p:nvSpPr>
+        <p:spPr/>
+        <p:txBody>
+          <a:bodyPr/>
+          <a:lstStyle/>
+          <a:p>
+            <a:endParaRPr lang="en-US"/>
+          </a:p>
+        </p:txBody>
+      </p:sp>
+    </p:spTree>
+    <p:extLst>
+      <p:ext uri="{BB962C8B-B14F-4D97-AF65-F5344CB8AC3E}">
+        <p14:creationId xmlns:p14="http://schemas.microsoft.com/office/powerpoint/2010/main" val="2901563619"/>
+      </p:ext>
+    </p:extLst>
+  </p:cSld>
+  <p:clrMapOvr>
+    <a:masterClrMapping/>
+  </p:clrMapOvr>
+</p:sld>
+</file>
+
+<file path=ppt/slides/slide5.xml><?xml version="1.0" encoding="utf-8"?>
+<p:sld xmlns:a="http://schemas.openxmlformats.org/drawingml/2006/main" xmlns:r="http://schemas.openxmlformats.org/officeDocument/2006/relationships" xmlns:p="http://schemas.openxmlformats.org/presentationml/2006/main">
+  <p:cSld>
+    <p:spTree>
+      <p:nvGrpSpPr>
+        <p:cNvPr id="1" name=""/>
+        <p:cNvGrpSpPr/>
+        <p:nvPr/>
+      </p:nvGrpSpPr>
+      <p:grpSpPr>
+        <a:xfrm>
+          <a:off x="0" y="0"/>
+          <a:ext cx="0" cy="0"/>
+          <a:chOff x="0" y="0"/>
+          <a:chExt cx="0" cy="0"/>
+        </a:xfrm>
+      </p:grpSpPr>
+      <p:sp>
+        <p:nvSpPr>
+          <p:cNvPr id="2" name="Title 1">
+            <a:extLst>
+              <a:ext uri="{FF2B5EF4-FFF2-40B4-BE49-F238E27FC236}">
+                <a16:creationId xmlns:a16="http://schemas.microsoft.com/office/drawing/2014/main" id="{A1346E40-DD7E-4E9D-BD8D-0DBFDFC3A910}"/>
+              </a:ext>
+            </a:extLst>
+          </p:cNvPr>
+          <p:cNvSpPr>
+            <a:spLocks noGrp="1"/>
+          </p:cNvSpPr>
+          <p:nvPr>
+            <p:ph type="title"/>
+          </p:nvPr>
+        </p:nvSpPr>
+        <p:spPr/>
+        <p:txBody>
+          <a:bodyPr/>
+          <a:lstStyle/>
+          <a:p>
+            <a:r>
+              <a:rPr lang="en-US" dirty="0"/>
+              <a:t>Michelle chavez</a:t>
+            </a:r>
+          </a:p>
+        </p:txBody>
+      </p:sp>
+      <p:sp>
+        <p:nvSpPr>
+          <p:cNvPr id="3" name="Content Placeholder 2">
+            <a:extLst>
+              <a:ext uri="{FF2B5EF4-FFF2-40B4-BE49-F238E27FC236}">
+                <a16:creationId xmlns:a16="http://schemas.microsoft.com/office/drawing/2014/main" id="{8669CB55-8ED1-4032-A004-1647ECCA902C}"/>
+              </a:ext>
+            </a:extLst>
+          </p:cNvPr>
+          <p:cNvSpPr>
+            <a:spLocks noGrp="1"/>
+          </p:cNvSpPr>
+          <p:nvPr>
+            <p:ph idx="1"/>
+          </p:nvPr>
+        </p:nvSpPr>
+        <p:spPr/>
+        <p:txBody>
+          <a:bodyPr/>
+          <a:lstStyle/>
+          <a:p>
+            <a:endParaRPr lang="en-US"/>
+          </a:p>
+        </p:txBody>
+      </p:sp>
+    </p:spTree>
+    <p:extLst>
+      <p:ext uri="{BB962C8B-B14F-4D97-AF65-F5344CB8AC3E}">
+        <p14:creationId xmlns:p14="http://schemas.microsoft.com/office/powerpoint/2010/main" val="1842148938"/>
+      </p:ext>
+    </p:extLst>
+  </p:cSld>
+  <p:clrMapOvr>
+    <a:masterClrMapping/>
+  </p:clrMapOvr>
+</p:sld>
+</file>
+
+<file path=ppt/slides/slide6.xml><?xml version="1.0" encoding="utf-8"?>
+<p:sld xmlns:a="http://schemas.openxmlformats.org/drawingml/2006/main" xmlns:r="http://schemas.openxmlformats.org/officeDocument/2006/relationships" xmlns:p="http://schemas.openxmlformats.org/presentationml/2006/main">
+  <p:cSld>
+    <p:spTree>
+      <p:nvGrpSpPr>
+        <p:cNvPr id="1" name=""/>
+        <p:cNvGrpSpPr/>
+        <p:nvPr/>
+      </p:nvGrpSpPr>
+      <p:grpSpPr>
+        <a:xfrm>
+          <a:off x="0" y="0"/>
+          <a:ext cx="0" cy="0"/>
+          <a:chOff x="0" y="0"/>
+          <a:chExt cx="0" cy="0"/>
+        </a:xfrm>
+      </p:grpSpPr>
+      <p:sp>
+        <p:nvSpPr>
+          <p:cNvPr id="2" name="Title 1">
+            <a:extLst>
+              <a:ext uri="{FF2B5EF4-FFF2-40B4-BE49-F238E27FC236}">
                 <a16:creationId xmlns:a16="http://schemas.microsoft.com/office/drawing/2014/main" id="{10D13234-FB41-4B80-AE85-FEE06B88C362}"/>
               </a:ext>
             </a:extLst>
@@ -5026,11 +5542,7 @@
           <a:p>
             <a:r>
               <a:rPr lang="en-US" dirty="0"/>
-              <a:t>Another reason why we wanted to research this subject is because it’s an efficient and greener way to use the natural power of the sun to power our </a:t>
-            </a:r>
-            <a:r>
-              <a:rPr lang="en-US"/>
-              <a:t>household electronics.</a:t>
+              <a:t>Another reason why we wanted to research this subject is because it’s an efficient and greener way to use the natural power of the sun to power our household electronics.</a:t>
             </a:r>
           </a:p>
           <a:p>
@@ -5045,6 +5557,86 @@
     <p:extLst>
       <p:ext uri="{BB962C8B-B14F-4D97-AF65-F5344CB8AC3E}">
         <p14:creationId xmlns:p14="http://schemas.microsoft.com/office/powerpoint/2010/main" val="1923509286"/>
+      </p:ext>
+    </p:extLst>
+  </p:cSld>
+  <p:clrMapOvr>
+    <a:masterClrMapping/>
+  </p:clrMapOvr>
+</p:sld>
+</file>
+
+<file path=ppt/slides/slide7.xml><?xml version="1.0" encoding="utf-8"?>
+<p:sld xmlns:a="http://schemas.openxmlformats.org/drawingml/2006/main" xmlns:r="http://schemas.openxmlformats.org/officeDocument/2006/relationships" xmlns:p="http://schemas.openxmlformats.org/presentationml/2006/main">
+  <p:cSld>
+    <p:spTree>
+      <p:nvGrpSpPr>
+        <p:cNvPr id="1" name=""/>
+        <p:cNvGrpSpPr/>
+        <p:nvPr/>
+      </p:nvGrpSpPr>
+      <p:grpSpPr>
+        <a:xfrm>
+          <a:off x="0" y="0"/>
+          <a:ext cx="0" cy="0"/>
+          <a:chOff x="0" y="0"/>
+          <a:chExt cx="0" cy="0"/>
+        </a:xfrm>
+      </p:grpSpPr>
+      <p:sp>
+        <p:nvSpPr>
+          <p:cNvPr id="2" name="Title 1">
+            <a:extLst>
+              <a:ext uri="{FF2B5EF4-FFF2-40B4-BE49-F238E27FC236}">
+                <a16:creationId xmlns:a16="http://schemas.microsoft.com/office/drawing/2014/main" id="{B688D2A8-21D1-4C62-AD02-47EBD367EF83}"/>
+              </a:ext>
+            </a:extLst>
+          </p:cNvPr>
+          <p:cNvSpPr>
+            <a:spLocks noGrp="1"/>
+          </p:cNvSpPr>
+          <p:nvPr>
+            <p:ph type="title"/>
+          </p:nvPr>
+        </p:nvSpPr>
+        <p:spPr/>
+        <p:txBody>
+          <a:bodyPr/>
+          <a:lstStyle/>
+          <a:p>
+            <a:endParaRPr lang="en-US"/>
+          </a:p>
+        </p:txBody>
+      </p:sp>
+      <p:sp>
+        <p:nvSpPr>
+          <p:cNvPr id="3" name="Content Placeholder 2">
+            <a:extLst>
+              <a:ext uri="{FF2B5EF4-FFF2-40B4-BE49-F238E27FC236}">
+                <a16:creationId xmlns:a16="http://schemas.microsoft.com/office/drawing/2014/main" id="{68D9ECEC-C7F0-41EB-A710-6AD5886DB90E}"/>
+              </a:ext>
+            </a:extLst>
+          </p:cNvPr>
+          <p:cNvSpPr>
+            <a:spLocks noGrp="1"/>
+          </p:cNvSpPr>
+          <p:nvPr>
+            <p:ph idx="1"/>
+          </p:nvPr>
+        </p:nvSpPr>
+        <p:spPr/>
+        <p:txBody>
+          <a:bodyPr/>
+          <a:lstStyle/>
+          <a:p>
+            <a:endParaRPr lang="en-US"/>
+          </a:p>
+        </p:txBody>
+      </p:sp>
+    </p:spTree>
+    <p:extLst>
+      <p:ext uri="{BB962C8B-B14F-4D97-AF65-F5344CB8AC3E}">
+        <p14:creationId xmlns:p14="http://schemas.microsoft.com/office/powerpoint/2010/main" val="2448347216"/>
       </p:ext>
     </p:extLst>
   </p:cSld>
@@ -5914,21 +6506,21 @@
 </file>
 
 <file path=customXml/item1.xml><?xml version="1.0" encoding="utf-8"?>
+<?mso-contentType ?>
+<FormTemplates xmlns="http://schemas.microsoft.com/sharepoint/v3/contenttype/forms">
+  <Display>DocumentLibraryForm</Display>
+  <Edit>DocumentLibraryForm</Edit>
+  <New>DocumentLibraryForm</New>
+</FormTemplates>
+</file>
+
+<file path=customXml/item2.xml><?xml version="1.0" encoding="utf-8"?>
 <p:properties xmlns:p="http://schemas.microsoft.com/office/2006/metadata/properties" xmlns:xsi="http://www.w3.org/2001/XMLSchema-instance" xmlns:pc="http://schemas.microsoft.com/office/infopath/2007/PartnerControls">
   <documentManagement>
     <Status xmlns="71af3243-3dd4-4a8d-8c0d-dd76da1f02a5">Not started</Status>
     <MediaServiceKeyPoints xmlns="71af3243-3dd4-4a8d-8c0d-dd76da1f02a5" xsi:nil="true"/>
   </documentManagement>
 </p:properties>
-</file>
-
-<file path=customXml/item2.xml><?xml version="1.0" encoding="utf-8"?>
-<?mso-contentType ?>
-<FormTemplates xmlns="http://schemas.microsoft.com/sharepoint/v3/contenttype/forms">
-  <Display>DocumentLibraryForm</Display>
-  <Edit>DocumentLibraryForm</Edit>
-  <New>DocumentLibraryForm</New>
-</FormTemplates>
 </file>
 
 <file path=customXml/item3.xml><?xml version="1.0" encoding="utf-8"?>
@@ -6153,19 +6745,19 @@
 </file>
 
 <file path=customXml/itemProps1.xml><?xml version="1.0" encoding="utf-8"?>
+<ds:datastoreItem xmlns:ds="http://schemas.openxmlformats.org/officeDocument/2006/customXml" ds:itemID="{3E586370-B0FB-4108-8B4F-329716A22E3A}">
+  <ds:schemaRefs>
+    <ds:schemaRef ds:uri="http://schemas.microsoft.com/sharepoint/v3/contenttype/forms"/>
+  </ds:schemaRefs>
+</ds:datastoreItem>
+</file>
+
+<file path=customXml/itemProps2.xml><?xml version="1.0" encoding="utf-8"?>
 <ds:datastoreItem xmlns:ds="http://schemas.openxmlformats.org/officeDocument/2006/customXml" ds:itemID="{55B48092-4A2C-4E16-B971-9ACADFFF69E4}">
   <ds:schemaRefs>
     <ds:schemaRef ds:uri="http://schemas.microsoft.com/office/2006/metadata/properties"/>
     <ds:schemaRef ds:uri="http://schemas.microsoft.com/office/infopath/2007/PartnerControls"/>
     <ds:schemaRef ds:uri="71af3243-3dd4-4a8d-8c0d-dd76da1f02a5"/>
-  </ds:schemaRefs>
-</ds:datastoreItem>
-</file>
-
-<file path=customXml/itemProps2.xml><?xml version="1.0" encoding="utf-8"?>
-<ds:datastoreItem xmlns:ds="http://schemas.openxmlformats.org/officeDocument/2006/customXml" ds:itemID="{3E586370-B0FB-4108-8B4F-329716A22E3A}">
-  <ds:schemaRefs>
-    <ds:schemaRef ds:uri="http://schemas.microsoft.com/sharepoint/v3/contenttype/forms"/>
   </ds:schemaRefs>
 </ds:datastoreItem>
 </file>

--- a/Solar Panels for homes.pptx
+++ b/Solar Panels for homes.pptx
@@ -5,10 +5,10 @@
     <p:sldMasterId id="2147483672" r:id="rId4"/>
   </p:sldMasterIdLst>
   <p:notesMasterIdLst>
-    <p:notesMasterId r:id="rId12"/>
+    <p:notesMasterId r:id="rId22"/>
   </p:notesMasterIdLst>
   <p:handoutMasterIdLst>
-    <p:handoutMasterId r:id="rId13"/>
+    <p:handoutMasterId r:id="rId23"/>
   </p:handoutMasterIdLst>
   <p:sldIdLst>
     <p:sldId id="256" r:id="rId5"/>
@@ -17,7 +17,17 @@
     <p:sldId id="261" r:id="rId8"/>
     <p:sldId id="262" r:id="rId9"/>
     <p:sldId id="257" r:id="rId10"/>
-    <p:sldId id="260" r:id="rId11"/>
+    <p:sldId id="267" r:id="rId11"/>
+    <p:sldId id="260" r:id="rId12"/>
+    <p:sldId id="263" r:id="rId13"/>
+    <p:sldId id="264" r:id="rId14"/>
+    <p:sldId id="265" r:id="rId15"/>
+    <p:sldId id="266" r:id="rId16"/>
+    <p:sldId id="268" r:id="rId17"/>
+    <p:sldId id="269" r:id="rId18"/>
+    <p:sldId id="271" r:id="rId19"/>
+    <p:sldId id="272" r:id="rId20"/>
+    <p:sldId id="270" r:id="rId21"/>
   </p:sldIdLst>
   <p:sldSz cx="12192000" cy="6858000"/>
   <p:notesSz cx="6858000" cy="9144000"/>
@@ -117,6 +127,35 @@
     </a:lvl9pPr>
   </p:defaultTextStyle>
   <p:extLst>
+    <p:ext uri="{521415D9-36F7-43E2-AB2F-B90AF26B5E84}">
+      <p14:sectionLst xmlns:p14="http://schemas.microsoft.com/office/powerpoint/2010/main">
+        <p14:section name="Default Section" id="{F193A013-A0EF-46B6-82D8-29CF97959AAD}">
+          <p14:sldIdLst>
+            <p14:sldId id="256"/>
+            <p14:sldId id="258"/>
+            <p14:sldId id="259"/>
+            <p14:sldId id="261"/>
+            <p14:sldId id="262"/>
+            <p14:sldId id="257"/>
+            <p14:sldId id="267"/>
+            <p14:sldId id="260"/>
+            <p14:sldId id="263"/>
+          </p14:sldIdLst>
+        </p14:section>
+        <p14:section name="Untitled Section" id="{07F9AE85-AF52-4E2C-99B1-9AD004368891}">
+          <p14:sldIdLst>
+            <p14:sldId id="264"/>
+            <p14:sldId id="265"/>
+            <p14:sldId id="266"/>
+            <p14:sldId id="268"/>
+            <p14:sldId id="269"/>
+            <p14:sldId id="271"/>
+            <p14:sldId id="272"/>
+            <p14:sldId id="270"/>
+          </p14:sldIdLst>
+        </p14:section>
+      </p14:sectionLst>
+    </p:ext>
     <p:ext uri="{EFAFB233-063F-42B5-8137-9DF3F51BA10A}">
       <p15:sldGuideLst xmlns:p15="http://schemas.microsoft.com/office/powerpoint/2012/main"/>
     </p:ext>
@@ -127,10 +166,16 @@
 </p:presentation>
 </file>
 
+<file path=ppt/authors.xml><?xml version="1.0" encoding="utf-8"?>
+<p188:authorLst xmlns:a="http://schemas.openxmlformats.org/drawingml/2006/main" xmlns:r="http://schemas.openxmlformats.org/officeDocument/2006/relationships" xmlns:p188="http://schemas.microsoft.com/office/powerpoint/2018/8/main">
+  <p188:author id="{1A1619F2-0544-48BB-1016-B3E304EE804B}" name="Claudia L" initials="CL" userId="d651ccd468905d1c" providerId="Windows Live"/>
+</p188:authorLst>
+</file>
+
 <file path=ppt/revisionInfo.xml><?xml version="1.0" encoding="utf-8"?>
 <p1510:revInfo xmlns:a="http://schemas.openxmlformats.org/drawingml/2006/main" xmlns:r="http://schemas.openxmlformats.org/officeDocument/2006/relationships" xmlns:p1510="http://schemas.microsoft.com/office/powerpoint/2015/10/main">
   <p1510:revLst>
-    <p1510:client id="{16183937-D2FC-4507-A4FB-6C155EB271C9}" v="5" dt="2022-01-09T21:12:31.215"/>
+    <p1510:client id="{16183937-D2FC-4507-A4FB-6C155EB271C9}" v="110" dt="2022-01-13T01:11:24.797"/>
   </p1510:revLst>
 </p1510:revInfo>
 </file>
@@ -139,19 +184,19 @@
 <pc:chgInfo xmlns:a="http://schemas.openxmlformats.org/drawingml/2006/main" xmlns:r="http://schemas.openxmlformats.org/officeDocument/2006/relationships" xmlns:ac="http://schemas.microsoft.com/office/drawing/2013/main/command" xmlns:pc="http://schemas.microsoft.com/office/powerpoint/2013/main/command">
   <pc:docChgLst>
     <pc:chgData name="Claudia L" userId="d651ccd468905d1c" providerId="LiveId" clId="{16183937-D2FC-4507-A4FB-6C155EB271C9}"/>
-    <pc:docChg chg="undo custSel addSld delSld modSld">
-      <pc:chgData name="Claudia L" userId="d651ccd468905d1c" providerId="LiveId" clId="{16183937-D2FC-4507-A4FB-6C155EB271C9}" dt="2022-01-09T21:14:00.278" v="1486" actId="20577"/>
+    <pc:docChg chg="undo custSel addSld delSld modSld addSection modSection">
+      <pc:chgData name="Claudia L" userId="d651ccd468905d1c" providerId="LiveId" clId="{16183937-D2FC-4507-A4FB-6C155EB271C9}" dt="2022-01-13T01:17:23.748" v="7862" actId="20577"/>
       <pc:docMkLst>
         <pc:docMk/>
       </pc:docMkLst>
       <pc:sldChg chg="modSp mod">
-        <pc:chgData name="Claudia L" userId="d651ccd468905d1c" providerId="LiveId" clId="{16183937-D2FC-4507-A4FB-6C155EB271C9}" dt="2022-01-09T20:38:17.300" v="49" actId="20577"/>
+        <pc:chgData name="Claudia L" userId="d651ccd468905d1c" providerId="LiveId" clId="{16183937-D2FC-4507-A4FB-6C155EB271C9}" dt="2022-01-12T20:45:08.371" v="1902" actId="20577"/>
         <pc:sldMkLst>
           <pc:docMk/>
           <pc:sldMk cId="1487700712" sldId="256"/>
         </pc:sldMkLst>
         <pc:spChg chg="mod">
-          <ac:chgData name="Claudia L" userId="d651ccd468905d1c" providerId="LiveId" clId="{16183937-D2FC-4507-A4FB-6C155EB271C9}" dt="2022-01-09T20:38:17.300" v="49" actId="20577"/>
+          <ac:chgData name="Claudia L" userId="d651ccd468905d1c" providerId="LiveId" clId="{16183937-D2FC-4507-A4FB-6C155EB271C9}" dt="2022-01-12T20:45:08.371" v="1902" actId="20577"/>
           <ac:spMkLst>
             <pc:docMk/>
             <pc:sldMk cId="1487700712" sldId="256"/>
@@ -159,8 +204,55 @@
           </ac:spMkLst>
         </pc:spChg>
       </pc:sldChg>
-      <pc:sldChg chg="modSp new mod">
-        <pc:chgData name="Claudia L" userId="d651ccd468905d1c" providerId="LiveId" clId="{16183937-D2FC-4507-A4FB-6C155EB271C9}" dt="2022-01-09T21:02:06.381" v="694"/>
+      <pc:sldChg chg="addSp delSp modSp mod">
+        <pc:chgData name="Claudia L" userId="d651ccd468905d1c" providerId="LiveId" clId="{16183937-D2FC-4507-A4FB-6C155EB271C9}" dt="2022-01-13T00:30:18.847" v="6371" actId="1076"/>
+        <pc:sldMkLst>
+          <pc:docMk/>
+          <pc:sldMk cId="1923509286" sldId="257"/>
+        </pc:sldMkLst>
+        <pc:spChg chg="mod">
+          <ac:chgData name="Claudia L" userId="d651ccd468905d1c" providerId="LiveId" clId="{16183937-D2FC-4507-A4FB-6C155EB271C9}" dt="2022-01-13T00:30:18.302" v="6370" actId="20577"/>
+          <ac:spMkLst>
+            <pc:docMk/>
+            <pc:sldMk cId="1923509286" sldId="257"/>
+            <ac:spMk id="3" creationId="{568F60E4-C90C-4DFE-B650-5E21191AD8CA}"/>
+          </ac:spMkLst>
+        </pc:spChg>
+        <pc:spChg chg="add del mod">
+          <ac:chgData name="Claudia L" userId="d651ccd468905d1c" providerId="LiveId" clId="{16183937-D2FC-4507-A4FB-6C155EB271C9}" dt="2022-01-12T21:16:20.018" v="2403" actId="478"/>
+          <ac:spMkLst>
+            <pc:docMk/>
+            <pc:sldMk cId="1923509286" sldId="257"/>
+            <ac:spMk id="6" creationId="{DD2275EC-34E8-4F3F-B41D-25500A0F1D96}"/>
+          </ac:spMkLst>
+        </pc:spChg>
+        <pc:spChg chg="add mod">
+          <ac:chgData name="Claudia L" userId="d651ccd468905d1c" providerId="LiveId" clId="{16183937-D2FC-4507-A4FB-6C155EB271C9}" dt="2022-01-12T21:17:21.867" v="2416" actId="14100"/>
+          <ac:spMkLst>
+            <pc:docMk/>
+            <pc:sldMk cId="1923509286" sldId="257"/>
+            <ac:spMk id="9" creationId="{3D175A7C-24ED-43B7-AC11-A8A0A1090C5B}"/>
+          </ac:spMkLst>
+        </pc:spChg>
+        <pc:picChg chg="add del mod">
+          <ac:chgData name="Claudia L" userId="d651ccd468905d1c" providerId="LiveId" clId="{16183937-D2FC-4507-A4FB-6C155EB271C9}" dt="2022-01-12T21:16:20.018" v="2403" actId="478"/>
+          <ac:picMkLst>
+            <pc:docMk/>
+            <pc:sldMk cId="1923509286" sldId="257"/>
+            <ac:picMk id="5" creationId="{E66FD6C6-08AB-4A36-B607-5A9CE8065C96}"/>
+          </ac:picMkLst>
+        </pc:picChg>
+        <pc:picChg chg="add mod">
+          <ac:chgData name="Claudia L" userId="d651ccd468905d1c" providerId="LiveId" clId="{16183937-D2FC-4507-A4FB-6C155EB271C9}" dt="2022-01-13T00:30:18.847" v="6371" actId="1076"/>
+          <ac:picMkLst>
+            <pc:docMk/>
+            <pc:sldMk cId="1923509286" sldId="257"/>
+            <ac:picMk id="8" creationId="{C9A2A008-220B-4027-9E31-F9C1374BBDCB}"/>
+          </ac:picMkLst>
+        </pc:picChg>
+      </pc:sldChg>
+      <pc:sldChg chg="addSp delSp modSp new mod setBg">
+        <pc:chgData name="Claudia L" userId="d651ccd468905d1c" providerId="LiveId" clId="{16183937-D2FC-4507-A4FB-6C155EB271C9}" dt="2022-01-12T23:27:00.370" v="5126" actId="20577"/>
         <pc:sldMkLst>
           <pc:docMk/>
           <pc:sldMk cId="2231398592" sldId="258"/>
@@ -174,16 +266,40 @@
           </ac:spMkLst>
         </pc:spChg>
         <pc:spChg chg="mod">
-          <ac:chgData name="Claudia L" userId="d651ccd468905d1c" providerId="LiveId" clId="{16183937-D2FC-4507-A4FB-6C155EB271C9}" dt="2022-01-09T21:02:06.381" v="694"/>
+          <ac:chgData name="Claudia L" userId="d651ccd468905d1c" providerId="LiveId" clId="{16183937-D2FC-4507-A4FB-6C155EB271C9}" dt="2022-01-12T23:27:00.370" v="5126" actId="20577"/>
           <ac:spMkLst>
             <pc:docMk/>
             <pc:sldMk cId="2231398592" sldId="258"/>
             <ac:spMk id="3" creationId="{C8E01984-0340-476A-A245-58F668A95ADC}"/>
           </ac:spMkLst>
         </pc:spChg>
+        <pc:spChg chg="add del mod ord">
+          <ac:chgData name="Claudia L" userId="d651ccd468905d1c" providerId="LiveId" clId="{16183937-D2FC-4507-A4FB-6C155EB271C9}" dt="2022-01-12T20:51:45.300" v="1946" actId="478"/>
+          <ac:spMkLst>
+            <pc:docMk/>
+            <pc:sldMk cId="2231398592" sldId="258"/>
+            <ac:spMk id="8" creationId="{F4C9A456-E919-4882-98FB-47AF2559A64B}"/>
+          </ac:spMkLst>
+        </pc:spChg>
+        <pc:picChg chg="add mod ord">
+          <ac:chgData name="Claudia L" userId="d651ccd468905d1c" providerId="LiveId" clId="{16183937-D2FC-4507-A4FB-6C155EB271C9}" dt="2022-01-12T20:57:46.016" v="2271" actId="1076"/>
+          <ac:picMkLst>
+            <pc:docMk/>
+            <pc:sldMk cId="2231398592" sldId="258"/>
+            <ac:picMk id="5" creationId="{F3BBF39E-BE82-4FCF-AC1F-5930916AB540}"/>
+          </ac:picMkLst>
+        </pc:picChg>
+        <pc:picChg chg="add del mod ord">
+          <ac:chgData name="Claudia L" userId="d651ccd468905d1c" providerId="LiveId" clId="{16183937-D2FC-4507-A4FB-6C155EB271C9}" dt="2022-01-12T20:51:45.300" v="1946" actId="478"/>
+          <ac:picMkLst>
+            <pc:docMk/>
+            <pc:sldMk cId="2231398592" sldId="258"/>
+            <ac:picMk id="7" creationId="{E51A3E3E-5647-4CB5-99E7-18C18D693329}"/>
+          </ac:picMkLst>
+        </pc:picChg>
       </pc:sldChg>
       <pc:sldChg chg="modSp new mod">
-        <pc:chgData name="Claudia L" userId="d651ccd468905d1c" providerId="LiveId" clId="{16183937-D2FC-4507-A4FB-6C155EB271C9}" dt="2022-01-09T21:12:05.119" v="1448" actId="20577"/>
+        <pc:chgData name="Claudia L" userId="d651ccd468905d1c" providerId="LiveId" clId="{16183937-D2FC-4507-A4FB-6C155EB271C9}" dt="2022-01-12T23:29:09.030" v="5269" actId="20577"/>
         <pc:sldMkLst>
           <pc:docMk/>
           <pc:sldMk cId="1768409953" sldId="259"/>
@@ -197,7 +313,7 @@
           </ac:spMkLst>
         </pc:spChg>
         <pc:spChg chg="mod">
-          <ac:chgData name="Claudia L" userId="d651ccd468905d1c" providerId="LiveId" clId="{16183937-D2FC-4507-A4FB-6C155EB271C9}" dt="2022-01-09T21:12:05.119" v="1448" actId="20577"/>
+          <ac:chgData name="Claudia L" userId="d651ccd468905d1c" providerId="LiveId" clId="{16183937-D2FC-4507-A4FB-6C155EB271C9}" dt="2022-01-12T23:29:09.030" v="5269" actId="20577"/>
           <ac:spMkLst>
             <pc:docMk/>
             <pc:sldMk cId="1768409953" sldId="259"/>
@@ -212,12 +328,44 @@
           <pc:sldMk cId="323144366" sldId="260"/>
         </pc:sldMkLst>
       </pc:sldChg>
-      <pc:sldChg chg="new">
-        <pc:chgData name="Claudia L" userId="d651ccd468905d1c" providerId="LiveId" clId="{16183937-D2FC-4507-A4FB-6C155EB271C9}" dt="2022-01-09T21:13:27.586" v="1453" actId="680"/>
+      <pc:sldChg chg="addSp delSp modSp new mod">
+        <pc:chgData name="Claudia L" userId="d651ccd468905d1c" providerId="LiveId" clId="{16183937-D2FC-4507-A4FB-6C155EB271C9}" dt="2022-01-13T01:03:40.711" v="7323" actId="20577"/>
         <pc:sldMkLst>
           <pc:docMk/>
           <pc:sldMk cId="2448347216" sldId="260"/>
         </pc:sldMkLst>
+        <pc:spChg chg="mod">
+          <ac:chgData name="Claudia L" userId="d651ccd468905d1c" providerId="LiveId" clId="{16183937-D2FC-4507-A4FB-6C155EB271C9}" dt="2022-01-13T01:03:40.711" v="7323" actId="20577"/>
+          <ac:spMkLst>
+            <pc:docMk/>
+            <pc:sldMk cId="2448347216" sldId="260"/>
+            <ac:spMk id="2" creationId="{B688D2A8-21D1-4C62-AD02-47EBD367EF83}"/>
+          </ac:spMkLst>
+        </pc:spChg>
+        <pc:spChg chg="del">
+          <ac:chgData name="Claudia L" userId="d651ccd468905d1c" providerId="LiveId" clId="{16183937-D2FC-4507-A4FB-6C155EB271C9}" dt="2022-01-10T01:47:40.298" v="1487"/>
+          <ac:spMkLst>
+            <pc:docMk/>
+            <pc:sldMk cId="2448347216" sldId="260"/>
+            <ac:spMk id="3" creationId="{68D9ECEC-C7F0-41EB-A710-6AD5886DB90E}"/>
+          </ac:spMkLst>
+        </pc:spChg>
+        <pc:spChg chg="add mod">
+          <ac:chgData name="Claudia L" userId="d651ccd468905d1c" providerId="LiveId" clId="{16183937-D2FC-4507-A4FB-6C155EB271C9}" dt="2022-01-13T00:32:29.784" v="6553" actId="20577"/>
+          <ac:spMkLst>
+            <pc:docMk/>
+            <pc:sldMk cId="2448347216" sldId="260"/>
+            <ac:spMk id="5" creationId="{F220D25E-55DB-4596-BE49-7D1956AD5240}"/>
+          </ac:spMkLst>
+        </pc:spChg>
+        <pc:picChg chg="add mod">
+          <ac:chgData name="Claudia L" userId="d651ccd468905d1c" providerId="LiveId" clId="{16183937-D2FC-4507-A4FB-6C155EB271C9}" dt="2022-01-10T01:48:02.430" v="1520" actId="1076"/>
+          <ac:picMkLst>
+            <pc:docMk/>
+            <pc:sldMk cId="2448347216" sldId="260"/>
+            <ac:picMk id="4" creationId="{0C853C81-7A96-4AD0-BDF7-CB77E41AEFCE}"/>
+          </ac:picMkLst>
+        </pc:picChg>
       </pc:sldChg>
       <pc:sldChg chg="new del">
         <pc:chgData name="Claudia L" userId="d651ccd468905d1c" providerId="LiveId" clId="{16183937-D2FC-4507-A4FB-6C155EB271C9}" dt="2022-01-09T21:13:04.991" v="1450" actId="680"/>
@@ -227,7 +375,7 @@
         </pc:sldMkLst>
       </pc:sldChg>
       <pc:sldChg chg="modSp new mod">
-        <pc:chgData name="Claudia L" userId="d651ccd468905d1c" providerId="LiveId" clId="{16183937-D2FC-4507-A4FB-6C155EB271C9}" dt="2022-01-09T21:13:48.809" v="1468" actId="20577"/>
+        <pc:chgData name="Claudia L" userId="d651ccd468905d1c" providerId="LiveId" clId="{16183937-D2FC-4507-A4FB-6C155EB271C9}" dt="2022-01-12T21:00:19.872" v="2390" actId="313"/>
         <pc:sldMkLst>
           <pc:docMk/>
           <pc:sldMk cId="2901563619" sldId="261"/>
@@ -240,9 +388,17 @@
             <ac:spMk id="2" creationId="{C80F6297-0688-4A38-B57C-E02D044D9BF3}"/>
           </ac:spMkLst>
         </pc:spChg>
+        <pc:spChg chg="mod">
+          <ac:chgData name="Claudia L" userId="d651ccd468905d1c" providerId="LiveId" clId="{16183937-D2FC-4507-A4FB-6C155EB271C9}" dt="2022-01-12T21:00:19.872" v="2390" actId="313"/>
+          <ac:spMkLst>
+            <pc:docMk/>
+            <pc:sldMk cId="2901563619" sldId="261"/>
+            <ac:spMk id="3" creationId="{8EDEE2BB-ECD0-46C1-892A-743808E3F2B3}"/>
+          </ac:spMkLst>
+        </pc:spChg>
       </pc:sldChg>
       <pc:sldChg chg="modSp new mod">
-        <pc:chgData name="Claudia L" userId="d651ccd468905d1c" providerId="LiveId" clId="{16183937-D2FC-4507-A4FB-6C155EB271C9}" dt="2022-01-09T21:14:00.278" v="1486" actId="20577"/>
+        <pc:chgData name="Claudia L" userId="d651ccd468905d1c" providerId="LiveId" clId="{16183937-D2FC-4507-A4FB-6C155EB271C9}" dt="2022-01-12T21:00:56.246" v="2392" actId="20577"/>
         <pc:sldMkLst>
           <pc:docMk/>
           <pc:sldMk cId="1842148938" sldId="262"/>
@@ -255,10 +411,393 @@
             <ac:spMk id="2" creationId="{A1346E40-DD7E-4E9D-BD8D-0DBFDFC3A910}"/>
           </ac:spMkLst>
         </pc:spChg>
+        <pc:spChg chg="mod">
+          <ac:chgData name="Claudia L" userId="d651ccd468905d1c" providerId="LiveId" clId="{16183937-D2FC-4507-A4FB-6C155EB271C9}" dt="2022-01-12T21:00:56.246" v="2392" actId="20577"/>
+          <ac:spMkLst>
+            <pc:docMk/>
+            <pc:sldMk cId="1842148938" sldId="262"/>
+            <ac:spMk id="3" creationId="{8669CB55-8ED1-4032-A004-1647ECCA902C}"/>
+          </ac:spMkLst>
+        </pc:spChg>
+      </pc:sldChg>
+      <pc:sldChg chg="addSp modSp new mod">
+        <pc:chgData name="Claudia L" userId="d651ccd468905d1c" providerId="LiveId" clId="{16183937-D2FC-4507-A4FB-6C155EB271C9}" dt="2022-01-13T01:12:18.319" v="7352" actId="6549"/>
+        <pc:sldMkLst>
+          <pc:docMk/>
+          <pc:sldMk cId="998720530" sldId="263"/>
+        </pc:sldMkLst>
+        <pc:spChg chg="mod">
+          <ac:chgData name="Claudia L" userId="d651ccd468905d1c" providerId="LiveId" clId="{16183937-D2FC-4507-A4FB-6C155EB271C9}" dt="2022-01-13T01:04:03.237" v="7346" actId="20577"/>
+          <ac:spMkLst>
+            <pc:docMk/>
+            <pc:sldMk cId="998720530" sldId="263"/>
+            <ac:spMk id="2" creationId="{F43D5C7D-313F-42CD-B8EE-2C2F40ED471C}"/>
+          </ac:spMkLst>
+        </pc:spChg>
+        <pc:spChg chg="mod">
+          <ac:chgData name="Claudia L" userId="d651ccd468905d1c" providerId="LiveId" clId="{16183937-D2FC-4507-A4FB-6C155EB271C9}" dt="2022-01-13T01:12:18.319" v="7352" actId="6549"/>
+          <ac:spMkLst>
+            <pc:docMk/>
+            <pc:sldMk cId="998720530" sldId="263"/>
+            <ac:spMk id="3" creationId="{5AEF6733-1793-41EE-B6B9-F45E972CE094}"/>
+          </ac:spMkLst>
+        </pc:spChg>
+        <pc:picChg chg="add mod">
+          <ac:chgData name="Claudia L" userId="d651ccd468905d1c" providerId="LiveId" clId="{16183937-D2FC-4507-A4FB-6C155EB271C9}" dt="2022-01-12T22:48:31.810" v="4203" actId="1076"/>
+          <ac:picMkLst>
+            <pc:docMk/>
+            <pc:sldMk cId="998720530" sldId="263"/>
+            <ac:picMk id="5" creationId="{63FB51F3-D7EA-4EAB-9DB7-092075888003}"/>
+          </ac:picMkLst>
+        </pc:picChg>
+      </pc:sldChg>
+      <pc:sldChg chg="modSp new mod">
+        <pc:chgData name="Claudia L" userId="d651ccd468905d1c" providerId="LiveId" clId="{16183937-D2FC-4507-A4FB-6C155EB271C9}" dt="2022-01-12T23:39:25.580" v="5506" actId="947"/>
+        <pc:sldMkLst>
+          <pc:docMk/>
+          <pc:sldMk cId="4025298692" sldId="264"/>
+        </pc:sldMkLst>
+        <pc:spChg chg="mod">
+          <ac:chgData name="Claudia L" userId="d651ccd468905d1c" providerId="LiveId" clId="{16183937-D2FC-4507-A4FB-6C155EB271C9}" dt="2022-01-12T22:01:41.095" v="2663" actId="20577"/>
+          <ac:spMkLst>
+            <pc:docMk/>
+            <pc:sldMk cId="4025298692" sldId="264"/>
+            <ac:spMk id="2" creationId="{BB007484-5F3A-49AC-A08F-0ED094D409B0}"/>
+          </ac:spMkLst>
+        </pc:spChg>
+        <pc:spChg chg="mod">
+          <ac:chgData name="Claudia L" userId="d651ccd468905d1c" providerId="LiveId" clId="{16183937-D2FC-4507-A4FB-6C155EB271C9}" dt="2022-01-12T23:39:25.580" v="5506" actId="947"/>
+          <ac:spMkLst>
+            <pc:docMk/>
+            <pc:sldMk cId="4025298692" sldId="264"/>
+            <ac:spMk id="3" creationId="{CC0D136E-1A75-45A8-8FBD-D62B71EA4D39}"/>
+          </ac:spMkLst>
+        </pc:spChg>
+      </pc:sldChg>
+      <pc:sldChg chg="modSp new mod">
+        <pc:chgData name="Claudia L" userId="d651ccd468905d1c" providerId="LiveId" clId="{16183937-D2FC-4507-A4FB-6C155EB271C9}" dt="2022-01-13T00:10:58.506" v="6016"/>
+        <pc:sldMkLst>
+          <pc:docMk/>
+          <pc:sldMk cId="363542550" sldId="265"/>
+        </pc:sldMkLst>
+        <pc:spChg chg="mod">
+          <ac:chgData name="Claudia L" userId="d651ccd468905d1c" providerId="LiveId" clId="{16183937-D2FC-4507-A4FB-6C155EB271C9}" dt="2022-01-12T22:16:57.349" v="3364" actId="20577"/>
+          <ac:spMkLst>
+            <pc:docMk/>
+            <pc:sldMk cId="363542550" sldId="265"/>
+            <ac:spMk id="2" creationId="{B574DEC9-EFEB-4500-8596-4C117B83E0FF}"/>
+          </ac:spMkLst>
+        </pc:spChg>
+        <pc:spChg chg="mod">
+          <ac:chgData name="Claudia L" userId="d651ccd468905d1c" providerId="LiveId" clId="{16183937-D2FC-4507-A4FB-6C155EB271C9}" dt="2022-01-13T00:10:58.506" v="6016"/>
+          <ac:spMkLst>
+            <pc:docMk/>
+            <pc:sldMk cId="363542550" sldId="265"/>
+            <ac:spMk id="3" creationId="{24E62815-F3F6-4A22-B47A-30D9F623A3E0}"/>
+          </ac:spMkLst>
+        </pc:spChg>
+      </pc:sldChg>
+      <pc:sldChg chg="modSp new mod addCm">
+        <pc:chgData name="Claudia L" userId="d651ccd468905d1c" providerId="LiveId" clId="{16183937-D2FC-4507-A4FB-6C155EB271C9}" dt="2022-01-13T00:33:17.145" v="6575" actId="20577"/>
+        <pc:sldMkLst>
+          <pc:docMk/>
+          <pc:sldMk cId="1101778282" sldId="266"/>
+        </pc:sldMkLst>
+        <pc:spChg chg="mod">
+          <ac:chgData name="Claudia L" userId="d651ccd468905d1c" providerId="LiveId" clId="{16183937-D2FC-4507-A4FB-6C155EB271C9}" dt="2022-01-13T00:33:17.145" v="6575" actId="20577"/>
+          <ac:spMkLst>
+            <pc:docMk/>
+            <pc:sldMk cId="1101778282" sldId="266"/>
+            <ac:spMk id="2" creationId="{B2A50249-8D5E-4F52-A11F-0150E2F4E450}"/>
+          </ac:spMkLst>
+        </pc:spChg>
+        <pc:spChg chg="mod">
+          <ac:chgData name="Claudia L" userId="d651ccd468905d1c" providerId="LiveId" clId="{16183937-D2FC-4507-A4FB-6C155EB271C9}" dt="2022-01-13T00:10:41.482" v="6015" actId="20577"/>
+          <ac:spMkLst>
+            <pc:docMk/>
+            <pc:sldMk cId="1101778282" sldId="266"/>
+            <ac:spMk id="3" creationId="{5D9425B9-D34C-480E-A17C-87C403918EBE}"/>
+          </ac:spMkLst>
+        </pc:spChg>
+      </pc:sldChg>
+      <pc:sldChg chg="modSp new mod addCm">
+        <pc:chgData name="Claudia L" userId="d651ccd468905d1c" providerId="LiveId" clId="{16183937-D2FC-4507-A4FB-6C155EB271C9}" dt="2022-01-13T00:43:25.999" v="6580" actId="27636"/>
+        <pc:sldMkLst>
+          <pc:docMk/>
+          <pc:sldMk cId="1350887270" sldId="267"/>
+        </pc:sldMkLst>
+        <pc:spChg chg="mod">
+          <ac:chgData name="Claudia L" userId="d651ccd468905d1c" providerId="LiveId" clId="{16183937-D2FC-4507-A4FB-6C155EB271C9}" dt="2022-01-12T23:09:58.412" v="4270" actId="20577"/>
+          <ac:spMkLst>
+            <pc:docMk/>
+            <pc:sldMk cId="1350887270" sldId="267"/>
+            <ac:spMk id="2" creationId="{41DBD256-CA8F-4B29-A057-8EA20AD8DE7D}"/>
+          </ac:spMkLst>
+        </pc:spChg>
+        <pc:spChg chg="mod">
+          <ac:chgData name="Claudia L" userId="d651ccd468905d1c" providerId="LiveId" clId="{16183937-D2FC-4507-A4FB-6C155EB271C9}" dt="2022-01-13T00:43:25.999" v="6580" actId="27636"/>
+          <ac:spMkLst>
+            <pc:docMk/>
+            <pc:sldMk cId="1350887270" sldId="267"/>
+            <ac:spMk id="3" creationId="{55BEB8E7-ECEF-44C5-988A-7C6D45E09411}"/>
+          </ac:spMkLst>
+        </pc:spChg>
+      </pc:sldChg>
+      <pc:sldChg chg="new del">
+        <pc:chgData name="Claudia L" userId="d651ccd468905d1c" providerId="LiveId" clId="{16183937-D2FC-4507-A4FB-6C155EB271C9}" dt="2022-01-12T23:07:59.937" v="4207" actId="680"/>
+        <pc:sldMkLst>
+          <pc:docMk/>
+          <pc:sldMk cId="4264346009" sldId="267"/>
+        </pc:sldMkLst>
+      </pc:sldChg>
+      <pc:sldChg chg="addSp modSp new mod">
+        <pc:chgData name="Claudia L" userId="d651ccd468905d1c" providerId="LiveId" clId="{16183937-D2FC-4507-A4FB-6C155EB271C9}" dt="2022-01-13T00:29:04.511" v="6349" actId="947"/>
+        <pc:sldMkLst>
+          <pc:docMk/>
+          <pc:sldMk cId="4042161921" sldId="268"/>
+        </pc:sldMkLst>
+        <pc:spChg chg="mod">
+          <ac:chgData name="Claudia L" userId="d651ccd468905d1c" providerId="LiveId" clId="{16183937-D2FC-4507-A4FB-6C155EB271C9}" dt="2022-01-13T00:24:22.611" v="6046" actId="20577"/>
+          <ac:spMkLst>
+            <pc:docMk/>
+            <pc:sldMk cId="4042161921" sldId="268"/>
+            <ac:spMk id="2" creationId="{9BAF1FA8-6156-4E79-A5AC-FAAE07AB4C83}"/>
+          </ac:spMkLst>
+        </pc:spChg>
+        <pc:spChg chg="mod">
+          <ac:chgData name="Claudia L" userId="d651ccd468905d1c" providerId="LiveId" clId="{16183937-D2FC-4507-A4FB-6C155EB271C9}" dt="2022-01-13T00:29:04.511" v="6349" actId="947"/>
+          <ac:spMkLst>
+            <pc:docMk/>
+            <pc:sldMk cId="4042161921" sldId="268"/>
+            <ac:spMk id="3" creationId="{11C51B79-0CD0-472C-8393-008C8255A561}"/>
+          </ac:spMkLst>
+        </pc:spChg>
+        <pc:spChg chg="add">
+          <ac:chgData name="Claudia L" userId="d651ccd468905d1c" providerId="LiveId" clId="{16183937-D2FC-4507-A4FB-6C155EB271C9}" dt="2022-01-13T00:22:24.681" v="6017"/>
+          <ac:spMkLst>
+            <pc:docMk/>
+            <pc:sldMk cId="4042161921" sldId="268"/>
+            <ac:spMk id="4" creationId="{A7CB8899-780B-4F1A-A227-60A781B7BC9E}"/>
+          </ac:spMkLst>
+        </pc:spChg>
+        <pc:picChg chg="add mod">
+          <ac:chgData name="Claudia L" userId="d651ccd468905d1c" providerId="LiveId" clId="{16183937-D2FC-4507-A4FB-6C155EB271C9}" dt="2022-01-13T00:28:45.115" v="6345" actId="14100"/>
+          <ac:picMkLst>
+            <pc:docMk/>
+            <pc:sldMk cId="4042161921" sldId="268"/>
+            <ac:picMk id="6" creationId="{D0AAFA1D-1C78-4F43-95DD-DDEAC7A03468}"/>
+          </ac:picMkLst>
+        </pc:picChg>
+      </pc:sldChg>
+      <pc:sldChg chg="addSp delSp modSp new mod setBg">
+        <pc:chgData name="Claudia L" userId="d651ccd468905d1c" providerId="LiveId" clId="{16183937-D2FC-4507-A4FB-6C155EB271C9}" dt="2022-01-13T00:06:19.205" v="5961" actId="20577"/>
+        <pc:sldMkLst>
+          <pc:docMk/>
+          <pc:sldMk cId="1068130750" sldId="269"/>
+        </pc:sldMkLst>
+        <pc:spChg chg="mod">
+          <ac:chgData name="Claudia L" userId="d651ccd468905d1c" providerId="LiveId" clId="{16183937-D2FC-4507-A4FB-6C155EB271C9}" dt="2022-01-13T00:02:52.646" v="5561" actId="20577"/>
+          <ac:spMkLst>
+            <pc:docMk/>
+            <pc:sldMk cId="1068130750" sldId="269"/>
+            <ac:spMk id="2" creationId="{074C234A-EAD3-4F2B-BA4D-632AA1350BA7}"/>
+          </ac:spMkLst>
+        </pc:spChg>
+        <pc:spChg chg="del">
+          <ac:chgData name="Claudia L" userId="d651ccd468905d1c" providerId="LiveId" clId="{16183937-D2FC-4507-A4FB-6C155EB271C9}" dt="2022-01-13T00:01:55.700" v="5525" actId="22"/>
+          <ac:spMkLst>
+            <pc:docMk/>
+            <pc:sldMk cId="1068130750" sldId="269"/>
+            <ac:spMk id="3" creationId="{088224F8-0B24-4E18-91C9-EED6D0EF38EA}"/>
+          </ac:spMkLst>
+        </pc:spChg>
+        <pc:spChg chg="add del">
+          <ac:chgData name="Claudia L" userId="d651ccd468905d1c" providerId="LiveId" clId="{16183937-D2FC-4507-A4FB-6C155EB271C9}" dt="2022-01-13T00:02:08.258" v="5529" actId="26606"/>
+          <ac:spMkLst>
+            <pc:docMk/>
+            <pc:sldMk cId="1068130750" sldId="269"/>
+            <ac:spMk id="9" creationId="{F55D9026-1389-432C-B674-FE33EE58FCD9}"/>
+          </ac:spMkLst>
+        </pc:spChg>
+        <pc:spChg chg="add del">
+          <ac:chgData name="Claudia L" userId="d651ccd468905d1c" providerId="LiveId" clId="{16183937-D2FC-4507-A4FB-6C155EB271C9}" dt="2022-01-13T00:02:08.258" v="5529" actId="26606"/>
+          <ac:spMkLst>
+            <pc:docMk/>
+            <pc:sldMk cId="1068130750" sldId="269"/>
+            <ac:spMk id="12" creationId="{8F404549-B4DC-481C-926C-DED3EF1C585B}"/>
+          </ac:spMkLst>
+        </pc:spChg>
+        <pc:spChg chg="add del">
+          <ac:chgData name="Claudia L" userId="d651ccd468905d1c" providerId="LiveId" clId="{16183937-D2FC-4507-A4FB-6C155EB271C9}" dt="2022-01-13T00:02:08.258" v="5529" actId="26606"/>
+          <ac:spMkLst>
+            <pc:docMk/>
+            <pc:sldMk cId="1068130750" sldId="269"/>
+            <ac:spMk id="14" creationId="{1E8FD5CD-351E-4B06-8B78-BD5102D00908}"/>
+          </ac:spMkLst>
+        </pc:spChg>
+        <pc:spChg chg="add">
+          <ac:chgData name="Claudia L" userId="d651ccd468905d1c" providerId="LiveId" clId="{16183937-D2FC-4507-A4FB-6C155EB271C9}" dt="2022-01-13T00:02:08.262" v="5530" actId="26606"/>
+          <ac:spMkLst>
+            <pc:docMk/>
+            <pc:sldMk cId="1068130750" sldId="269"/>
+            <ac:spMk id="16" creationId="{3FE9758B-E361-4084-8D9F-729FA6C4AD7E}"/>
+          </ac:spMkLst>
+        </pc:spChg>
+        <pc:spChg chg="add mod">
+          <ac:chgData name="Claudia L" userId="d651ccd468905d1c" providerId="LiveId" clId="{16183937-D2FC-4507-A4FB-6C155EB271C9}" dt="2022-01-13T00:06:19.205" v="5961" actId="20577"/>
+          <ac:spMkLst>
+            <pc:docMk/>
+            <pc:sldMk cId="1068130750" sldId="269"/>
+            <ac:spMk id="17" creationId="{5E561D29-4E0D-400C-8DC0-683F78F08AA0}"/>
+          </ac:spMkLst>
+        </pc:spChg>
+        <pc:picChg chg="add mod ord">
+          <ac:chgData name="Claudia L" userId="d651ccd468905d1c" providerId="LiveId" clId="{16183937-D2FC-4507-A4FB-6C155EB271C9}" dt="2022-01-13T00:02:08.262" v="5530" actId="26606"/>
+          <ac:picMkLst>
+            <pc:docMk/>
+            <pc:sldMk cId="1068130750" sldId="269"/>
+            <ac:picMk id="5" creationId="{35D2D6F8-9375-47C4-AE45-F9E7EE5A713F}"/>
+          </ac:picMkLst>
+        </pc:picChg>
+      </pc:sldChg>
+      <pc:sldChg chg="modSp new mod">
+        <pc:chgData name="Claudia L" userId="d651ccd468905d1c" providerId="LiveId" clId="{16183937-D2FC-4507-A4FB-6C155EB271C9}" dt="2022-01-13T01:02:24.738" v="7279" actId="20577"/>
+        <pc:sldMkLst>
+          <pc:docMk/>
+          <pc:sldMk cId="1394370116" sldId="270"/>
+        </pc:sldMkLst>
+        <pc:spChg chg="mod">
+          <ac:chgData name="Claudia L" userId="d651ccd468905d1c" providerId="LiveId" clId="{16183937-D2FC-4507-A4FB-6C155EB271C9}" dt="2022-01-13T00:59:27.139" v="6998" actId="20577"/>
+          <ac:spMkLst>
+            <pc:docMk/>
+            <pc:sldMk cId="1394370116" sldId="270"/>
+            <ac:spMk id="2" creationId="{EF8A3E42-BFB6-40D6-9089-3C19F0797A23}"/>
+          </ac:spMkLst>
+        </pc:spChg>
+        <pc:spChg chg="mod">
+          <ac:chgData name="Claudia L" userId="d651ccd468905d1c" providerId="LiveId" clId="{16183937-D2FC-4507-A4FB-6C155EB271C9}" dt="2022-01-13T01:02:24.738" v="7279" actId="20577"/>
+          <ac:spMkLst>
+            <pc:docMk/>
+            <pc:sldMk cId="1394370116" sldId="270"/>
+            <ac:spMk id="3" creationId="{B483BC92-BBB7-428F-9E3F-C05522678302}"/>
+          </ac:spMkLst>
+        </pc:spChg>
+      </pc:sldChg>
+      <pc:sldChg chg="addSp delSp modSp new mod">
+        <pc:chgData name="Claudia L" userId="d651ccd468905d1c" providerId="LiveId" clId="{16183937-D2FC-4507-A4FB-6C155EB271C9}" dt="2022-01-13T00:55:50.717" v="6777" actId="14100"/>
+        <pc:sldMkLst>
+          <pc:docMk/>
+          <pc:sldMk cId="3184285557" sldId="271"/>
+        </pc:sldMkLst>
+        <pc:spChg chg="mod">
+          <ac:chgData name="Claudia L" userId="d651ccd468905d1c" providerId="LiveId" clId="{16183937-D2FC-4507-A4FB-6C155EB271C9}" dt="2022-01-13T00:54:48.260" v="6656" actId="20577"/>
+          <ac:spMkLst>
+            <pc:docMk/>
+            <pc:sldMk cId="3184285557" sldId="271"/>
+            <ac:spMk id="2" creationId="{EAEFDC93-61FB-43C2-97E4-96DBB02574E4}"/>
+          </ac:spMkLst>
+        </pc:spChg>
+        <pc:spChg chg="del">
+          <ac:chgData name="Claudia L" userId="d651ccd468905d1c" providerId="LiveId" clId="{16183937-D2FC-4507-A4FB-6C155EB271C9}" dt="2022-01-13T00:46:37.636" v="6602" actId="22"/>
+          <ac:spMkLst>
+            <pc:docMk/>
+            <pc:sldMk cId="3184285557" sldId="271"/>
+            <ac:spMk id="3" creationId="{53C68BF2-1E49-428F-9778-270A2C980293}"/>
+          </ac:spMkLst>
+        </pc:spChg>
+        <pc:spChg chg="add mod">
+          <ac:chgData name="Claudia L" userId="d651ccd468905d1c" providerId="LiveId" clId="{16183937-D2FC-4507-A4FB-6C155EB271C9}" dt="2022-01-13T00:54:00.659" v="6610" actId="14100"/>
+          <ac:spMkLst>
+            <pc:docMk/>
+            <pc:sldMk cId="3184285557" sldId="271"/>
+            <ac:spMk id="6" creationId="{4EBB60EB-BD48-4028-B272-42837733525A}"/>
+          </ac:spMkLst>
+        </pc:spChg>
+        <pc:spChg chg="add mod">
+          <ac:chgData name="Claudia L" userId="d651ccd468905d1c" providerId="LiveId" clId="{16183937-D2FC-4507-A4FB-6C155EB271C9}" dt="2022-01-13T00:55:50.717" v="6777" actId="14100"/>
+          <ac:spMkLst>
+            <pc:docMk/>
+            <pc:sldMk cId="3184285557" sldId="271"/>
+            <ac:spMk id="7" creationId="{7C7C78BC-E374-4286-9452-620F7092E02D}"/>
+          </ac:spMkLst>
+        </pc:spChg>
+        <pc:picChg chg="add mod ord">
+          <ac:chgData name="Claudia L" userId="d651ccd468905d1c" providerId="LiveId" clId="{16183937-D2FC-4507-A4FB-6C155EB271C9}" dt="2022-01-13T00:46:41.603" v="6603" actId="1076"/>
+          <ac:picMkLst>
+            <pc:docMk/>
+            <pc:sldMk cId="3184285557" sldId="271"/>
+            <ac:picMk id="5" creationId="{B7B1CFD3-8E2C-45A3-B92C-1BEB9932A57E}"/>
+          </ac:picMkLst>
+        </pc:picChg>
+      </pc:sldChg>
+      <pc:sldChg chg="modSp new mod">
+        <pc:chgData name="Claudia L" userId="d651ccd468905d1c" providerId="LiveId" clId="{16183937-D2FC-4507-A4FB-6C155EB271C9}" dt="2022-01-13T01:17:23.748" v="7862" actId="20577"/>
+        <pc:sldMkLst>
+          <pc:docMk/>
+          <pc:sldMk cId="509651972" sldId="272"/>
+        </pc:sldMkLst>
+        <pc:spChg chg="mod">
+          <ac:chgData name="Claudia L" userId="d651ccd468905d1c" providerId="LiveId" clId="{16183937-D2FC-4507-A4FB-6C155EB271C9}" dt="2022-01-13T01:03:05.589" v="7321" actId="20577"/>
+          <ac:spMkLst>
+            <pc:docMk/>
+            <pc:sldMk cId="509651972" sldId="272"/>
+            <ac:spMk id="2" creationId="{6AADD4BE-A0F8-49AD-895C-953DDEEF2921}"/>
+          </ac:spMkLst>
+        </pc:spChg>
+        <pc:spChg chg="mod">
+          <ac:chgData name="Claudia L" userId="d651ccd468905d1c" providerId="LiveId" clId="{16183937-D2FC-4507-A4FB-6C155EB271C9}" dt="2022-01-13T01:17:23.748" v="7862" actId="20577"/>
+          <ac:spMkLst>
+            <pc:docMk/>
+            <pc:sldMk cId="509651972" sldId="272"/>
+            <ac:spMk id="3" creationId="{8CE06770-DC52-498C-A130-AECE10E5ED9F}"/>
+          </ac:spMkLst>
+        </pc:spChg>
       </pc:sldChg>
     </pc:docChg>
   </pc:docChgLst>
 </pc:chgInfo>
+</file>
+
+<file path=ppt/comments/modernComment_10A_41ABCD6A.xml><?xml version="1.0" encoding="utf-8"?>
+<p188:cmLst xmlns:a="http://schemas.openxmlformats.org/drawingml/2006/main" xmlns:r="http://schemas.openxmlformats.org/officeDocument/2006/relationships" xmlns:p188="http://schemas.microsoft.com/office/powerpoint/2018/8/main">
+  <p188:cm id="{1FE4BB83-1F61-4053-BFF0-9DA1C7A0FFAE}" authorId="{1A1619F2-0544-48BB-1016-B3E304EE804B}" created="2022-01-12T23:19:06.919">
+    <pc:sldMkLst xmlns:pc="http://schemas.microsoft.com/office/powerpoint/2013/main/command">
+      <pc:docMk/>
+      <pc:sldMk cId="1101778282" sldId="266"/>
+    </pc:sldMkLst>
+    <p188:txBody>
+      <a:bodyPr/>
+      <a:lstStyle/>
+      <a:p>
+        <a:r>
+          <a:rPr lang="en-US"/>
+          <a:t>www.forbes.com</a:t>
+        </a:r>
+      </a:p>
+    </p188:txBody>
+  </p188:cm>
+</p188:cmLst>
+</file>
+
+<file path=ppt/comments/modernComment_10B_5084E766.xml><?xml version="1.0" encoding="utf-8"?>
+<p188:cmLst xmlns:a="http://schemas.openxmlformats.org/drawingml/2006/main" xmlns:r="http://schemas.openxmlformats.org/officeDocument/2006/relationships" xmlns:p188="http://schemas.microsoft.com/office/powerpoint/2018/8/main">
+  <p188:cm id="{F7947A7D-BA72-4857-AA62-E25AEA69AEB9}" authorId="{1A1619F2-0544-48BB-1016-B3E304EE804B}" created="2022-01-12T23:32:44.283">
+    <pc:sldMkLst xmlns:pc="http://schemas.microsoft.com/office/powerpoint/2013/main/command">
+      <pc:docMk/>
+      <pc:sldMk cId="1350887270" sldId="267"/>
+    </pc:sldMkLst>
+    <p188:txBody>
+      <a:bodyPr/>
+      <a:lstStyle/>
+      <a:p>
+        <a:r>
+          <a:rPr lang="en-US"/>
+          <a:t>https://www.nrel.gov/grid/solar-power-data.html</a:t>
+        </a:r>
+      </a:p>
+    </p188:txBody>
+  </p188:cm>
+</p188:cmLst>
 </file>
 
 <file path=ppt/handoutMasters/handoutMaster1.xml><?xml version="1.0" encoding="utf-8"?>
@@ -355,7 +894,7 @@
           <a:p>
             <a:fld id="{AF869721-F543-4A6C-BF9D-65D7CC540427}" type="datetimeFigureOut">
               <a:rPr lang="en-US" smtClean="0"/>
-              <a:t>1/9/2022</a:t>
+              <a:t>1/12/2022</a:t>
             </a:fld>
             <a:endParaRPr lang="en-US" dirty="0"/>
           </a:p>
@@ -532,7 +1071,7 @@
           <a:p>
             <a:fld id="{C732326A-4C88-4AFB-AA5B-5919D81DFF5B}" type="datetimeFigureOut">
               <a:rPr lang="en-US" smtClean="0"/>
-              <a:t>1/9/2022</a:t>
+              <a:t>1/12/2022</a:t>
             </a:fld>
             <a:endParaRPr lang="en-US" dirty="0"/>
           </a:p>
@@ -1129,7 +1668,7 @@
             <a:fld id="{B61BEF0D-F0BB-DE4B-95CE-6DB70DBA9567}" type="datetimeFigureOut">
               <a:rPr lang="en-US" smtClean="0"/>
               <a:pPr/>
-              <a:t>1/9/2022</a:t>
+              <a:t>1/12/2022</a:t>
             </a:fld>
             <a:endParaRPr lang="en-US" dirty="0"/>
           </a:p>
@@ -1393,7 +1932,7 @@
             <a:fld id="{B61BEF0D-F0BB-DE4B-95CE-6DB70DBA9567}" type="datetimeFigureOut">
               <a:rPr lang="en-US" smtClean="0"/>
               <a:pPr/>
-              <a:t>1/9/2022</a:t>
+              <a:t>1/12/2022</a:t>
             </a:fld>
             <a:endParaRPr lang="en-US" dirty="0"/>
           </a:p>
@@ -1630,7 +2169,7 @@
             <a:fld id="{B61BEF0D-F0BB-DE4B-95CE-6DB70DBA9567}" type="datetimeFigureOut">
               <a:rPr lang="en-US" smtClean="0"/>
               <a:pPr/>
-              <a:t>1/9/2022</a:t>
+              <a:t>1/12/2022</a:t>
             </a:fld>
             <a:endParaRPr lang="en-US" dirty="0"/>
           </a:p>
@@ -1872,7 +2411,7 @@
             <a:fld id="{B61BEF0D-F0BB-DE4B-95CE-6DB70DBA9567}" type="datetimeFigureOut">
               <a:rPr lang="en-US" smtClean="0"/>
               <a:pPr/>
-              <a:t>1/9/2022</a:t>
+              <a:t>1/12/2022</a:t>
             </a:fld>
             <a:endParaRPr lang="en-US" dirty="0"/>
           </a:p>
@@ -2181,7 +2720,7 @@
             <a:fld id="{B61BEF0D-F0BB-DE4B-95CE-6DB70DBA9567}" type="datetimeFigureOut">
               <a:rPr lang="en-US" smtClean="0"/>
               <a:pPr/>
-              <a:t>1/9/2022</a:t>
+              <a:t>1/12/2022</a:t>
             </a:fld>
             <a:endParaRPr lang="en-US" dirty="0"/>
           </a:p>
@@ -2485,7 +3024,7 @@
             <a:fld id="{B61BEF0D-F0BB-DE4B-95CE-6DB70DBA9567}" type="datetimeFigureOut">
               <a:rPr lang="en-US" smtClean="0"/>
               <a:pPr/>
-              <a:t>1/9/2022</a:t>
+              <a:t>1/12/2022</a:t>
             </a:fld>
             <a:endParaRPr lang="en-US" dirty="0"/>
           </a:p>
@@ -2909,7 +3448,7 @@
             <a:fld id="{B61BEF0D-F0BB-DE4B-95CE-6DB70DBA9567}" type="datetimeFigureOut">
               <a:rPr lang="en-US" smtClean="0"/>
               <a:pPr/>
-              <a:t>1/9/2022</a:t>
+              <a:t>1/12/2022</a:t>
             </a:fld>
             <a:endParaRPr lang="en-US" dirty="0"/>
           </a:p>
@@ -3006,7 +3545,7 @@
             <a:fld id="{B61BEF0D-F0BB-DE4B-95CE-6DB70DBA9567}" type="datetimeFigureOut">
               <a:rPr lang="en-US" smtClean="0"/>
               <a:pPr/>
-              <a:t>1/9/2022</a:t>
+              <a:t>1/12/2022</a:t>
             </a:fld>
             <a:endParaRPr lang="en-US" dirty="0"/>
           </a:p>
@@ -3170,7 +3709,7 @@
             <a:fld id="{B61BEF0D-F0BB-DE4B-95CE-6DB70DBA9567}" type="datetimeFigureOut">
               <a:rPr lang="en-US" smtClean="0"/>
               <a:pPr/>
-              <a:t>1/9/2022</a:t>
+              <a:t>1/12/2022</a:t>
             </a:fld>
             <a:endParaRPr lang="en-US" dirty="0"/>
           </a:p>
@@ -3550,7 +4089,7 @@
             <a:fld id="{B61BEF0D-F0BB-DE4B-95CE-6DB70DBA9567}" type="datetimeFigureOut">
               <a:rPr lang="en-US" smtClean="0"/>
               <a:pPr/>
-              <a:t>1/9/2022</a:t>
+              <a:t>1/12/2022</a:t>
             </a:fld>
             <a:endParaRPr lang="en-US" dirty="0"/>
           </a:p>
@@ -3840,7 +4379,7 @@
             <a:fld id="{B61BEF0D-F0BB-DE4B-95CE-6DB70DBA9567}" type="datetimeFigureOut">
               <a:rPr lang="en-US" smtClean="0"/>
               <a:pPr/>
-              <a:t>1/9/2022</a:t>
+              <a:t>1/12/2022</a:t>
             </a:fld>
             <a:endParaRPr lang="en-US" dirty="0"/>
           </a:p>
@@ -4053,7 +4592,7 @@
             <a:fld id="{B61BEF0D-F0BB-DE4B-95CE-6DB70DBA9567}" type="datetimeFigureOut">
               <a:rPr lang="en-US" smtClean="0"/>
               <a:pPr/>
-              <a:t>1/9/2022</a:t>
+              <a:t>1/12/2022</a:t>
             </a:fld>
             <a:endParaRPr lang="en-US" dirty="0"/>
           </a:p>
@@ -5075,7 +5614,7 @@
                   <a:srgbClr val="7CEBFF"/>
                 </a:solidFill>
               </a:rPr>
-              <a:t>By Claudia Logrande, arica mcneal, michelle chavez</a:t>
+              <a:t>By Claudia Logrande,  arica mcneal,  michelle chavez</a:t>
             </a:r>
           </a:p>
         </p:txBody>
@@ -5093,7 +5632,7 @@
 </p:sld>
 </file>
 
-<file path=ppt/slides/slide2.xml><?xml version="1.0" encoding="utf-8"?>
+<file path=ppt/slides/slide10.xml><?xml version="1.0" encoding="utf-8"?>
 <p:sld xmlns:a="http://schemas.openxmlformats.org/drawingml/2006/main" xmlns:r="http://schemas.openxmlformats.org/officeDocument/2006/relationships" xmlns:p="http://schemas.openxmlformats.org/presentationml/2006/main">
   <p:cSld>
     <p:spTree>
@@ -5115,6 +5654,1361 @@
           <p:cNvPr id="2" name="Title 1">
             <a:extLst>
               <a:ext uri="{FF2B5EF4-FFF2-40B4-BE49-F238E27FC236}">
+                <a16:creationId xmlns:a16="http://schemas.microsoft.com/office/drawing/2014/main" id="{BB007484-5F3A-49AC-A08F-0ED094D409B0}"/>
+              </a:ext>
+            </a:extLst>
+          </p:cNvPr>
+          <p:cNvSpPr>
+            <a:spLocks noGrp="1"/>
+          </p:cNvSpPr>
+          <p:nvPr>
+            <p:ph type="title"/>
+          </p:nvPr>
+        </p:nvSpPr>
+        <p:spPr/>
+        <p:txBody>
+          <a:bodyPr/>
+          <a:lstStyle/>
+          <a:p>
+            <a:r>
+              <a:rPr lang="en-US" dirty="0"/>
+              <a:t>SURVEY</a:t>
+            </a:r>
+          </a:p>
+        </p:txBody>
+      </p:sp>
+      <p:sp>
+        <p:nvSpPr>
+          <p:cNvPr id="3" name="Content Placeholder 2">
+            <a:extLst>
+              <a:ext uri="{FF2B5EF4-FFF2-40B4-BE49-F238E27FC236}">
+                <a16:creationId xmlns:a16="http://schemas.microsoft.com/office/drawing/2014/main" id="{CC0D136E-1A75-45A8-8FBD-D62B71EA4D39}"/>
+              </a:ext>
+            </a:extLst>
+          </p:cNvPr>
+          <p:cNvSpPr>
+            <a:spLocks noGrp="1"/>
+          </p:cNvSpPr>
+          <p:nvPr>
+            <p:ph idx="1"/>
+          </p:nvPr>
+        </p:nvSpPr>
+        <p:spPr>
+          <a:xfrm>
+            <a:off x="581192" y="2222090"/>
+            <a:ext cx="11029615" cy="3933753"/>
+          </a:xfrm>
+        </p:spPr>
+        <p:txBody>
+          <a:bodyPr>
+            <a:normAutofit fontScale="92500" lnSpcReduction="10000"/>
+          </a:bodyPr>
+          <a:lstStyle/>
+          <a:p>
+            <a:r>
+              <a:rPr lang="en-US" dirty="0"/>
+              <a:t>Another method used for this project is survey of a population sample.</a:t>
+            </a:r>
+          </a:p>
+          <a:p>
+            <a:r>
+              <a:rPr lang="en-US" dirty="0"/>
+              <a:t>Qualitative/Convenient way survey- asking questions to friends and neighbors that already have solar power in their houses.</a:t>
+            </a:r>
+          </a:p>
+          <a:p>
+            <a:r>
+              <a:rPr lang="en-US" dirty="0"/>
+              <a:t>“Great choice!”, “Got $2,700 back from selling my solar power back in June”- by Amanda </a:t>
+            </a:r>
+          </a:p>
+          <a:p>
+            <a:r>
+              <a:rPr lang="en-US" dirty="0"/>
+              <a:t>“Be careful on choosing a good solar power company, as ours was small and went out of business”- By Ranieh</a:t>
+            </a:r>
+          </a:p>
+          <a:p>
+            <a:r>
+              <a:rPr lang="en-US" dirty="0"/>
+              <a:t>“You will not regret it”- By James</a:t>
+            </a:r>
+          </a:p>
+          <a:p>
+            <a:r>
+              <a:rPr lang="en-US" dirty="0"/>
+              <a:t>Results from the survey was very positive in all</a:t>
+            </a:r>
+          </a:p>
+          <a:p>
+            <a:pPr marL="0" indent="0">
+              <a:buNone/>
+            </a:pPr>
+            <a:endParaRPr lang="en-US" dirty="0"/>
+          </a:p>
+          <a:p>
+            <a:pPr marL="0" indent="0">
+              <a:buNone/>
+            </a:pPr>
+            <a:endParaRPr lang="en-US" dirty="0"/>
+          </a:p>
+          <a:p>
+            <a:pPr marL="0" indent="0">
+              <a:buNone/>
+            </a:pPr>
+            <a:endParaRPr lang="en-US" dirty="0"/>
+          </a:p>
+          <a:p>
+            <a:r>
+              <a:rPr lang="en-US" dirty="0"/>
+              <a:t>*</a:t>
+            </a:r>
+            <a:r>
+              <a:rPr lang="en-US" sz="1500" dirty="0"/>
+              <a:t>Population</a:t>
+            </a:r>
+            <a:r>
+              <a:rPr lang="en-US" sz="1400" dirty="0"/>
+              <a:t> sample taken in the state of New Jersey January 2021.</a:t>
+            </a:r>
+          </a:p>
+          <a:p>
+            <a:endParaRPr lang="en-US" dirty="0"/>
+          </a:p>
+        </p:txBody>
+      </p:sp>
+    </p:spTree>
+    <p:extLst>
+      <p:ext uri="{BB962C8B-B14F-4D97-AF65-F5344CB8AC3E}">
+        <p14:creationId xmlns:p14="http://schemas.microsoft.com/office/powerpoint/2010/main" val="4025298692"/>
+      </p:ext>
+    </p:extLst>
+  </p:cSld>
+  <p:clrMapOvr>
+    <a:masterClrMapping/>
+  </p:clrMapOvr>
+</p:sld>
+</file>
+
+<file path=ppt/slides/slide11.xml><?xml version="1.0" encoding="utf-8"?>
+<p:sld xmlns:a="http://schemas.openxmlformats.org/drawingml/2006/main" xmlns:r="http://schemas.openxmlformats.org/officeDocument/2006/relationships" xmlns:p="http://schemas.openxmlformats.org/presentationml/2006/main">
+  <p:cSld>
+    <p:spTree>
+      <p:nvGrpSpPr>
+        <p:cNvPr id="1" name=""/>
+        <p:cNvGrpSpPr/>
+        <p:nvPr/>
+      </p:nvGrpSpPr>
+      <p:grpSpPr>
+        <a:xfrm>
+          <a:off x="0" y="0"/>
+          <a:ext cx="0" cy="0"/>
+          <a:chOff x="0" y="0"/>
+          <a:chExt cx="0" cy="0"/>
+        </a:xfrm>
+      </p:grpSpPr>
+      <p:sp>
+        <p:nvSpPr>
+          <p:cNvPr id="2" name="Title 1">
+            <a:extLst>
+              <a:ext uri="{FF2B5EF4-FFF2-40B4-BE49-F238E27FC236}">
+                <a16:creationId xmlns:a16="http://schemas.microsoft.com/office/drawing/2014/main" id="{B574DEC9-EFEB-4500-8596-4C117B83E0FF}"/>
+              </a:ext>
+            </a:extLst>
+          </p:cNvPr>
+          <p:cNvSpPr>
+            <a:spLocks noGrp="1"/>
+          </p:cNvSpPr>
+          <p:nvPr>
+            <p:ph type="title"/>
+          </p:nvPr>
+        </p:nvSpPr>
+        <p:spPr/>
+        <p:txBody>
+          <a:bodyPr/>
+          <a:lstStyle/>
+          <a:p>
+            <a:r>
+              <a:rPr lang="en-US" dirty="0"/>
+              <a:t>What are the pros of solar power energy?</a:t>
+            </a:r>
+          </a:p>
+        </p:txBody>
+      </p:sp>
+      <p:sp>
+        <p:nvSpPr>
+          <p:cNvPr id="3" name="Content Placeholder 2">
+            <a:extLst>
+              <a:ext uri="{FF2B5EF4-FFF2-40B4-BE49-F238E27FC236}">
+                <a16:creationId xmlns:a16="http://schemas.microsoft.com/office/drawing/2014/main" id="{24E62815-F3F6-4A22-B47A-30D9F623A3E0}"/>
+              </a:ext>
+            </a:extLst>
+          </p:cNvPr>
+          <p:cNvSpPr>
+            <a:spLocks noGrp="1"/>
+          </p:cNvSpPr>
+          <p:nvPr>
+            <p:ph idx="1"/>
+          </p:nvPr>
+        </p:nvSpPr>
+        <p:spPr/>
+        <p:txBody>
+          <a:bodyPr/>
+          <a:lstStyle/>
+          <a:p>
+            <a:r>
+              <a:rPr lang="en-US" dirty="0"/>
+              <a:t>Environmentally friendly</a:t>
+            </a:r>
+          </a:p>
+          <a:p>
+            <a:r>
+              <a:rPr lang="en-US" dirty="0"/>
+              <a:t>Solar energy saves money long term</a:t>
+            </a:r>
+          </a:p>
+          <a:p>
+            <a:r>
+              <a:rPr lang="en-US" dirty="0"/>
+              <a:t>Easy to use</a:t>
+            </a:r>
+          </a:p>
+          <a:p>
+            <a:r>
+              <a:rPr lang="en-US" dirty="0"/>
+              <a:t>Money back from State</a:t>
+            </a:r>
+          </a:p>
+          <a:p>
+            <a:r>
+              <a:rPr lang="en-US" dirty="0"/>
+              <a:t>Money back for selling not used power to energy companies through the grid</a:t>
+            </a:r>
+          </a:p>
+          <a:p>
+            <a:endParaRPr lang="en-US" dirty="0"/>
+          </a:p>
+          <a:p>
+            <a:endParaRPr lang="en-US" dirty="0"/>
+          </a:p>
+          <a:p>
+            <a:endParaRPr lang="en-US" dirty="0"/>
+          </a:p>
+          <a:p>
+            <a:pPr marL="306000" marR="0" lvl="0" indent="-306000" algn="l" defTabSz="457200" rtl="0" eaLnBrk="1" fontAlgn="auto" latinLnBrk="0" hangingPunct="1">
+              <a:lnSpc>
+                <a:spcPct val="100000"/>
+              </a:lnSpc>
+              <a:spcBef>
+                <a:spcPct val="20000"/>
+              </a:spcBef>
+              <a:spcAft>
+                <a:spcPts val="600"/>
+              </a:spcAft>
+              <a:buClr>
+                <a:srgbClr val="4590B8"/>
+              </a:buClr>
+              <a:buSzPct val="92000"/>
+              <a:buFont typeface="Wingdings 2" panose="05020102010507070707" pitchFamily="18" charset="2"/>
+              <a:buChar char=""/>
+              <a:tabLst/>
+              <a:defRPr/>
+            </a:pPr>
+            <a:r>
+              <a:rPr lang="en-US" sz="1400" dirty="0"/>
+              <a:t>*</a:t>
+            </a:r>
+            <a:r>
+              <a:rPr kumimoji="0" lang="en-US" sz="1400" b="0" i="0" u="none" strike="noStrike" kern="1200" cap="none" spc="0" normalizeH="0" baseline="0" noProof="0" dirty="0">
+                <a:ln>
+                  <a:noFill/>
+                </a:ln>
+                <a:solidFill>
+                  <a:srgbClr val="3D3D3D"/>
+                </a:solidFill>
+                <a:effectLst/>
+                <a:uLnTx/>
+                <a:uFillTx/>
+                <a:latin typeface="Gill Sans MT" panose="020B0502020104020203"/>
+                <a:ea typeface="+mn-ea"/>
+                <a:cs typeface="+mn-cs"/>
+              </a:rPr>
+              <a:t>www.Forbes.com/advisor/home-improvement/solar-energy-pros-and-cons/</a:t>
+            </a:r>
+          </a:p>
+          <a:p>
+            <a:endParaRPr lang="en-US" sz="1400" dirty="0"/>
+          </a:p>
+        </p:txBody>
+      </p:sp>
+    </p:spTree>
+    <p:extLst>
+      <p:ext uri="{BB962C8B-B14F-4D97-AF65-F5344CB8AC3E}">
+        <p14:creationId xmlns:p14="http://schemas.microsoft.com/office/powerpoint/2010/main" val="363542550"/>
+      </p:ext>
+    </p:extLst>
+  </p:cSld>
+  <p:clrMapOvr>
+    <a:masterClrMapping/>
+  </p:clrMapOvr>
+</p:sld>
+</file>
+
+<file path=ppt/slides/slide12.xml><?xml version="1.0" encoding="utf-8"?>
+<p:sld xmlns:a="http://schemas.openxmlformats.org/drawingml/2006/main" xmlns:r="http://schemas.openxmlformats.org/officeDocument/2006/relationships" xmlns:p="http://schemas.openxmlformats.org/presentationml/2006/main">
+  <p:cSld>
+    <p:spTree>
+      <p:nvGrpSpPr>
+        <p:cNvPr id="1" name=""/>
+        <p:cNvGrpSpPr/>
+        <p:nvPr/>
+      </p:nvGrpSpPr>
+      <p:grpSpPr>
+        <a:xfrm>
+          <a:off x="0" y="0"/>
+          <a:ext cx="0" cy="0"/>
+          <a:chOff x="0" y="0"/>
+          <a:chExt cx="0" cy="0"/>
+        </a:xfrm>
+      </p:grpSpPr>
+      <p:sp>
+        <p:nvSpPr>
+          <p:cNvPr id="2" name="Title 1">
+            <a:extLst>
+              <a:ext uri="{FF2B5EF4-FFF2-40B4-BE49-F238E27FC236}">
+                <a16:creationId xmlns:a16="http://schemas.microsoft.com/office/drawing/2014/main" id="{B2A50249-8D5E-4F52-A11F-0150E2F4E450}"/>
+              </a:ext>
+            </a:extLst>
+          </p:cNvPr>
+          <p:cNvSpPr>
+            <a:spLocks noGrp="1"/>
+          </p:cNvSpPr>
+          <p:nvPr>
+            <p:ph type="title"/>
+          </p:nvPr>
+        </p:nvSpPr>
+        <p:spPr/>
+        <p:txBody>
+          <a:bodyPr/>
+          <a:lstStyle/>
+          <a:p>
+            <a:r>
+              <a:rPr lang="en-US" dirty="0"/>
+              <a:t>What are the Cons of solar power energy?</a:t>
+            </a:r>
+          </a:p>
+        </p:txBody>
+      </p:sp>
+      <p:sp>
+        <p:nvSpPr>
+          <p:cNvPr id="3" name="Content Placeholder 2">
+            <a:extLst>
+              <a:ext uri="{FF2B5EF4-FFF2-40B4-BE49-F238E27FC236}">
+                <a16:creationId xmlns:a16="http://schemas.microsoft.com/office/drawing/2014/main" id="{5D9425B9-D34C-480E-A17C-87C403918EBE}"/>
+              </a:ext>
+            </a:extLst>
+          </p:cNvPr>
+          <p:cNvSpPr>
+            <a:spLocks noGrp="1"/>
+          </p:cNvSpPr>
+          <p:nvPr>
+            <p:ph idx="1"/>
+          </p:nvPr>
+        </p:nvSpPr>
+        <p:spPr/>
+        <p:txBody>
+          <a:bodyPr/>
+          <a:lstStyle/>
+          <a:p>
+            <a:r>
+              <a:rPr lang="en-US" dirty="0"/>
+              <a:t>Upfront costs to buy of lease solar panels </a:t>
+            </a:r>
+          </a:p>
+          <a:p>
+            <a:r>
+              <a:rPr lang="en-US" dirty="0"/>
+              <a:t>Production relies on sunlight</a:t>
+            </a:r>
+          </a:p>
+          <a:p>
+            <a:r>
+              <a:rPr lang="en-US" dirty="0"/>
+              <a:t>There are not currently methods to recycle old solar panels </a:t>
+            </a:r>
+          </a:p>
+          <a:p>
+            <a:r>
+              <a:rPr lang="en-US" dirty="0"/>
+              <a:t>Production of solar panels can be harmful to environment</a:t>
+            </a:r>
+          </a:p>
+          <a:p>
+            <a:pPr marL="0" indent="0">
+              <a:buNone/>
+            </a:pPr>
+            <a:endParaRPr lang="en-US" dirty="0"/>
+          </a:p>
+          <a:p>
+            <a:pPr marL="0" indent="0">
+              <a:buNone/>
+            </a:pPr>
+            <a:endParaRPr lang="en-US" dirty="0"/>
+          </a:p>
+          <a:p>
+            <a:pPr marL="0" indent="0">
+              <a:buNone/>
+            </a:pPr>
+            <a:endParaRPr lang="en-US" dirty="0"/>
+          </a:p>
+          <a:p>
+            <a:r>
+              <a:rPr lang="en-US" sz="1400" dirty="0"/>
+              <a:t>*www.Forbes.com/advisor/home-improvement/solar-energy-pros-and-cons/</a:t>
+            </a:r>
+          </a:p>
+          <a:p>
+            <a:endParaRPr lang="en-US" sz="1400" dirty="0"/>
+          </a:p>
+        </p:txBody>
+      </p:sp>
+    </p:spTree>
+    <p:extLst>
+      <p:ext uri="{BB962C8B-B14F-4D97-AF65-F5344CB8AC3E}">
+        <p14:creationId xmlns:p14="http://schemas.microsoft.com/office/powerpoint/2010/main" val="1101778282"/>
+      </p:ext>
+    </p:extLst>
+  </p:cSld>
+  <p:clrMapOvr>
+    <a:masterClrMapping/>
+  </p:clrMapOvr>
+  <p:extLst>
+    <p:ext uri="{6950BFC3-D8DA-4A85-94F7-54DA5524770B}">
+      <p188:commentRel xmlns:p188="http://schemas.microsoft.com/office/powerpoint/2018/8/main" r:id="rId2"/>
+    </p:ext>
+  </p:extLst>
+</p:sld>
+</file>
+
+<file path=ppt/slides/slide13.xml><?xml version="1.0" encoding="utf-8"?>
+<p:sld xmlns:a="http://schemas.openxmlformats.org/drawingml/2006/main" xmlns:r="http://schemas.openxmlformats.org/officeDocument/2006/relationships" xmlns:p="http://schemas.openxmlformats.org/presentationml/2006/main">
+  <p:cSld>
+    <p:spTree>
+      <p:nvGrpSpPr>
+        <p:cNvPr id="1" name=""/>
+        <p:cNvGrpSpPr/>
+        <p:nvPr/>
+      </p:nvGrpSpPr>
+      <p:grpSpPr>
+        <a:xfrm>
+          <a:off x="0" y="0"/>
+          <a:ext cx="0" cy="0"/>
+          <a:chOff x="0" y="0"/>
+          <a:chExt cx="0" cy="0"/>
+        </a:xfrm>
+      </p:grpSpPr>
+      <p:sp>
+        <p:nvSpPr>
+          <p:cNvPr id="2" name="Title 1">
+            <a:extLst>
+              <a:ext uri="{FF2B5EF4-FFF2-40B4-BE49-F238E27FC236}">
+                <a16:creationId xmlns:a16="http://schemas.microsoft.com/office/drawing/2014/main" id="{9BAF1FA8-6156-4E79-A5AC-FAAE07AB4C83}"/>
+              </a:ext>
+            </a:extLst>
+          </p:cNvPr>
+          <p:cNvSpPr>
+            <a:spLocks noGrp="1"/>
+          </p:cNvSpPr>
+          <p:nvPr>
+            <p:ph type="title"/>
+          </p:nvPr>
+        </p:nvSpPr>
+        <p:spPr/>
+        <p:txBody>
+          <a:bodyPr/>
+          <a:lstStyle/>
+          <a:p>
+            <a:r>
+              <a:rPr lang="en-US" dirty="0"/>
+              <a:t>Solar investment tax credit</a:t>
+            </a:r>
+          </a:p>
+        </p:txBody>
+      </p:sp>
+      <p:sp>
+        <p:nvSpPr>
+          <p:cNvPr id="3" name="Content Placeholder 2">
+            <a:extLst>
+              <a:ext uri="{FF2B5EF4-FFF2-40B4-BE49-F238E27FC236}">
+                <a16:creationId xmlns:a16="http://schemas.microsoft.com/office/drawing/2014/main" id="{11C51B79-0CD0-472C-8393-008C8255A561}"/>
+              </a:ext>
+            </a:extLst>
+          </p:cNvPr>
+          <p:cNvSpPr>
+            <a:spLocks noGrp="1"/>
+          </p:cNvSpPr>
+          <p:nvPr>
+            <p:ph idx="1"/>
+          </p:nvPr>
+        </p:nvSpPr>
+        <p:spPr>
+          <a:xfrm>
+            <a:off x="370703" y="1902941"/>
+            <a:ext cx="5572897" cy="4646140"/>
+          </a:xfrm>
+        </p:spPr>
+        <p:txBody>
+          <a:bodyPr>
+            <a:normAutofit/>
+          </a:bodyPr>
+          <a:lstStyle/>
+          <a:p>
+            <a:r>
+              <a:rPr lang="en-US" dirty="0"/>
+              <a:t>One important federal tax credit is called ITC, Investment Tax Credit.</a:t>
+            </a:r>
+          </a:p>
+          <a:p>
+            <a:r>
+              <a:rPr lang="en-US" dirty="0"/>
+              <a:t>ITC is 26%.</a:t>
+            </a:r>
+          </a:p>
+          <a:p>
+            <a:r>
+              <a:rPr lang="en-US" dirty="0"/>
+              <a:t>ITC is the same tax credit in all the United States of America.</a:t>
+            </a:r>
+          </a:p>
+          <a:p>
+            <a:r>
+              <a:rPr lang="en-US" dirty="0"/>
+              <a:t>ITC is expected to decrease from 2023 as the solar panels are expected to decrease instead</a:t>
+            </a:r>
+          </a:p>
+          <a:p>
+            <a:endParaRPr lang="en-US" dirty="0"/>
+          </a:p>
+          <a:p>
+            <a:endParaRPr lang="en-US" dirty="0"/>
+          </a:p>
+          <a:p>
+            <a:endParaRPr lang="en-US" dirty="0"/>
+          </a:p>
+          <a:p>
+            <a:r>
+              <a:rPr lang="en-US" dirty="0"/>
+              <a:t>*</a:t>
+            </a:r>
+            <a:r>
+              <a:rPr lang="en-US" dirty="0">
+                <a:hlinkClick r:id="rId2"/>
+              </a:rPr>
+              <a:t>Solar Investment Tax Credit (ITC) | SEIA</a:t>
+            </a:r>
+            <a:endParaRPr lang="en-US" dirty="0"/>
+          </a:p>
+        </p:txBody>
+      </p:sp>
+      <p:sp>
+        <p:nvSpPr>
+          <p:cNvPr id="4" name="AutoShape 2">
+            <a:extLst>
+              <a:ext uri="{FF2B5EF4-FFF2-40B4-BE49-F238E27FC236}">
+                <a16:creationId xmlns:a16="http://schemas.microsoft.com/office/drawing/2014/main" id="{A7CB8899-780B-4F1A-A227-60A781B7BC9E}"/>
+              </a:ext>
+            </a:extLst>
+          </p:cNvPr>
+          <p:cNvSpPr>
+            <a:spLocks noChangeAspect="1" noChangeArrowheads="1"/>
+          </p:cNvSpPr>
+          <p:nvPr/>
+        </p:nvSpPr>
+        <p:spPr bwMode="auto">
+          <a:xfrm>
+            <a:off x="5943600" y="3276600"/>
+            <a:ext cx="304800" cy="304800"/>
+          </a:xfrm>
+          <a:prstGeom prst="rect">
+            <a:avLst/>
+          </a:prstGeom>
+          <a:noFill/>
+          <a:extLst>
+            <a:ext uri="{909E8E84-426E-40DD-AFC4-6F175D3DCCD1}">
+              <a14:hiddenFill xmlns:a14="http://schemas.microsoft.com/office/drawing/2010/main">
+                <a:solidFill>
+                  <a:srgbClr val="FFFFFF"/>
+                </a:solidFill>
+              </a14:hiddenFill>
+            </a:ext>
+          </a:extLst>
+        </p:spPr>
+        <p:txBody>
+          <a:bodyPr vert="horz" wrap="square" lIns="91440" tIns="45720" rIns="91440" bIns="45720" numCol="1" anchor="t" anchorCtr="0" compatLnSpc="1">
+            <a:prstTxWarp prst="textNoShape">
+              <a:avLst/>
+            </a:prstTxWarp>
+          </a:bodyPr>
+          <a:lstStyle/>
+          <a:p>
+            <a:endParaRPr lang="en-US" dirty="0"/>
+          </a:p>
+        </p:txBody>
+      </p:sp>
+      <p:pic>
+        <p:nvPicPr>
+          <p:cNvPr id="6" name="Picture 5">
+            <a:extLst>
+              <a:ext uri="{FF2B5EF4-FFF2-40B4-BE49-F238E27FC236}">
+                <a16:creationId xmlns:a16="http://schemas.microsoft.com/office/drawing/2014/main" id="{D0AAFA1D-1C78-4F43-95DD-DDEAC7A03468}"/>
+              </a:ext>
+            </a:extLst>
+          </p:cNvPr>
+          <p:cNvPicPr>
+            <a:picLocks noChangeAspect="1"/>
+          </p:cNvPicPr>
+          <p:nvPr/>
+        </p:nvPicPr>
+        <p:blipFill>
+          <a:blip r:embed="rId3"/>
+          <a:stretch>
+            <a:fillRect/>
+          </a:stretch>
+        </p:blipFill>
+        <p:spPr>
+          <a:xfrm>
+            <a:off x="5943600" y="2413320"/>
+            <a:ext cx="5877697" cy="3085437"/>
+          </a:xfrm>
+          <a:prstGeom prst="rect">
+            <a:avLst/>
+          </a:prstGeom>
+        </p:spPr>
+      </p:pic>
+    </p:spTree>
+    <p:extLst>
+      <p:ext uri="{BB962C8B-B14F-4D97-AF65-F5344CB8AC3E}">
+        <p14:creationId xmlns:p14="http://schemas.microsoft.com/office/powerpoint/2010/main" val="4042161921"/>
+      </p:ext>
+    </p:extLst>
+  </p:cSld>
+  <p:clrMapOvr>
+    <a:masterClrMapping/>
+  </p:clrMapOvr>
+</p:sld>
+</file>
+
+<file path=ppt/slides/slide14.xml><?xml version="1.0" encoding="utf-8"?>
+<p:sld xmlns:a="http://schemas.openxmlformats.org/drawingml/2006/main" xmlns:r="http://schemas.openxmlformats.org/officeDocument/2006/relationships" xmlns:p="http://schemas.openxmlformats.org/presentationml/2006/main">
+  <p:cSld>
+    <p:bg>
+      <p:bgPr>
+        <a:solidFill>
+          <a:schemeClr val="bg1"/>
+        </a:solidFill>
+        <a:effectLst/>
+      </p:bgPr>
+    </p:bg>
+    <p:spTree>
+      <p:nvGrpSpPr>
+        <p:cNvPr id="1" name=""/>
+        <p:cNvGrpSpPr/>
+        <p:nvPr/>
+      </p:nvGrpSpPr>
+      <p:grpSpPr>
+        <a:xfrm>
+          <a:off x="0" y="0"/>
+          <a:ext cx="0" cy="0"/>
+          <a:chOff x="0" y="0"/>
+          <a:chExt cx="0" cy="0"/>
+        </a:xfrm>
+      </p:grpSpPr>
+      <p:sp>
+        <p:nvSpPr>
+          <p:cNvPr id="2" name="Title 1">
+            <a:extLst>
+              <a:ext uri="{FF2B5EF4-FFF2-40B4-BE49-F238E27FC236}">
+                <a16:creationId xmlns:a16="http://schemas.microsoft.com/office/drawing/2014/main" id="{074C234A-EAD3-4F2B-BA4D-632AA1350BA7}"/>
+              </a:ext>
+            </a:extLst>
+          </p:cNvPr>
+          <p:cNvSpPr>
+            <a:spLocks noGrp="1"/>
+          </p:cNvSpPr>
+          <p:nvPr>
+            <p:ph type="title"/>
+          </p:nvPr>
+        </p:nvSpPr>
+        <p:spPr>
+          <a:xfrm>
+            <a:off x="581192" y="702156"/>
+            <a:ext cx="11029616" cy="1013800"/>
+          </a:xfrm>
+        </p:spPr>
+        <p:txBody>
+          <a:bodyPr>
+            <a:normAutofit/>
+          </a:bodyPr>
+          <a:lstStyle/>
+          <a:p>
+            <a:r>
+              <a:rPr lang="en-US" dirty="0"/>
+              <a:t>Solar power costs</a:t>
+            </a:r>
+          </a:p>
+        </p:txBody>
+      </p:sp>
+      <p:sp>
+        <p:nvSpPr>
+          <p:cNvPr id="16" name="Rectangle 11">
+            <a:extLst>
+              <a:ext uri="{FF2B5EF4-FFF2-40B4-BE49-F238E27FC236}">
+                <a16:creationId xmlns:a16="http://schemas.microsoft.com/office/drawing/2014/main" id="{3FE9758B-E361-4084-8D9F-729FA6C4AD7E}"/>
+              </a:ext>
+              <a:ext uri="{C183D7F6-B498-43B3-948B-1728B52AA6E4}">
+                <adec:decorative xmlns:adec="http://schemas.microsoft.com/office/drawing/2017/decorative" val="1"/>
+              </a:ext>
+            </a:extLst>
+          </p:cNvPr>
+          <p:cNvSpPr>
+            <a:spLocks noGrp="1" noRot="1" noChangeAspect="1" noMove="1" noResize="1" noEditPoints="1" noAdjustHandles="1" noChangeArrowheads="1" noChangeShapeType="1" noTextEdit="1"/>
+          </p:cNvSpPr>
+          <p:nvPr>
+            <p:extLst>
+              <p:ext uri="{386F3935-93C4-4BCD-93E2-E3B085C9AB24}">
+                <p16:designElem xmlns:p16="http://schemas.microsoft.com/office/powerpoint/2015/main" val="1"/>
+              </p:ext>
+            </p:extLst>
+          </p:nvPr>
+        </p:nvSpPr>
+        <p:spPr>
+          <a:xfrm>
+            <a:off x="446533" y="2180496"/>
+            <a:ext cx="5404639" cy="4045683"/>
+          </a:xfrm>
+          <a:prstGeom prst="rect">
+            <a:avLst/>
+          </a:prstGeom>
+          <a:solidFill>
+            <a:schemeClr val="bg1"/>
+          </a:solidFill>
+          <a:ln w="38100">
+            <a:solidFill>
+              <a:schemeClr val="accent1"/>
+            </a:solidFill>
+          </a:ln>
+        </p:spPr>
+        <p:style>
+          <a:lnRef idx="2">
+            <a:schemeClr val="accent1">
+              <a:shade val="50000"/>
+            </a:schemeClr>
+          </a:lnRef>
+          <a:fillRef idx="1">
+            <a:schemeClr val="accent1"/>
+          </a:fillRef>
+          <a:effectRef idx="0">
+            <a:schemeClr val="accent1"/>
+          </a:effectRef>
+          <a:fontRef idx="minor">
+            <a:schemeClr val="lt1"/>
+          </a:fontRef>
+        </p:style>
+        <p:txBody>
+          <a:bodyPr rtlCol="0" anchor="ctr"/>
+          <a:lstStyle/>
+          <a:p>
+            <a:pPr algn="ctr"/>
+            <a:endParaRPr lang="en-US" dirty="0"/>
+          </a:p>
+        </p:txBody>
+      </p:sp>
+      <p:pic>
+        <p:nvPicPr>
+          <p:cNvPr id="5" name="Content Placeholder 4">
+            <a:extLst>
+              <a:ext uri="{FF2B5EF4-FFF2-40B4-BE49-F238E27FC236}">
+                <a16:creationId xmlns:a16="http://schemas.microsoft.com/office/drawing/2014/main" id="{35D2D6F8-9375-47C4-AE45-F9E7EE5A713F}"/>
+              </a:ext>
+            </a:extLst>
+          </p:cNvPr>
+          <p:cNvPicPr>
+            <a:picLocks noChangeAspect="1"/>
+          </p:cNvPicPr>
+          <p:nvPr/>
+        </p:nvPicPr>
+        <p:blipFill>
+          <a:blip r:embed="rId2"/>
+          <a:stretch>
+            <a:fillRect/>
+          </a:stretch>
+        </p:blipFill>
+        <p:spPr>
+          <a:xfrm>
+            <a:off x="657225" y="2498407"/>
+            <a:ext cx="4962525" cy="3374517"/>
+          </a:xfrm>
+          <a:prstGeom prst="rect">
+            <a:avLst/>
+          </a:prstGeom>
+        </p:spPr>
+      </p:pic>
+      <p:sp>
+        <p:nvSpPr>
+          <p:cNvPr id="17" name="Content Placeholder 8">
+            <a:extLst>
+              <a:ext uri="{FF2B5EF4-FFF2-40B4-BE49-F238E27FC236}">
+                <a16:creationId xmlns:a16="http://schemas.microsoft.com/office/drawing/2014/main" id="{5E561D29-4E0D-400C-8DC0-683F78F08AA0}"/>
+              </a:ext>
+            </a:extLst>
+          </p:cNvPr>
+          <p:cNvSpPr>
+            <a:spLocks noGrp="1"/>
+          </p:cNvSpPr>
+          <p:nvPr>
+            <p:ph idx="1"/>
+          </p:nvPr>
+        </p:nvSpPr>
+        <p:spPr>
+          <a:xfrm>
+            <a:off x="6335805" y="2180496"/>
+            <a:ext cx="5275001" cy="4045683"/>
+          </a:xfrm>
+        </p:spPr>
+        <p:txBody>
+          <a:bodyPr>
+            <a:normAutofit fontScale="92500" lnSpcReduction="10000"/>
+          </a:bodyPr>
+          <a:lstStyle/>
+          <a:p>
+            <a:r>
+              <a:rPr lang="en-US" dirty="0"/>
+              <a:t>Solar power installation costs varies depending on the solar company and the type of panels chosen.</a:t>
+            </a:r>
+          </a:p>
+          <a:p>
+            <a:r>
+              <a:rPr lang="en-US" dirty="0"/>
+              <a:t>Most panels last around 50 years but have 25 years warranty</a:t>
+            </a:r>
+          </a:p>
+          <a:p>
+            <a:r>
+              <a:rPr lang="en-US" dirty="0"/>
+              <a:t>Generate power around 30% cheaper then conventional power from the local power companies.</a:t>
+            </a:r>
+          </a:p>
+          <a:p>
+            <a:endParaRPr lang="en-US" dirty="0"/>
+          </a:p>
+          <a:p>
+            <a:endParaRPr lang="en-US" dirty="0"/>
+          </a:p>
+          <a:p>
+            <a:endParaRPr lang="en-US" dirty="0"/>
+          </a:p>
+          <a:p>
+            <a:endParaRPr lang="en-US" dirty="0"/>
+          </a:p>
+          <a:p>
+            <a:r>
+              <a:rPr lang="en-US" dirty="0"/>
+              <a:t>*</a:t>
+            </a:r>
+            <a:r>
+              <a:rPr lang="en-US" dirty="0">
+                <a:hlinkClick r:id="rId3"/>
+              </a:rPr>
+              <a:t>2022 Solar Panel Costs | Average Installation Cost Calculator (homeguide.com)</a:t>
+            </a:r>
+            <a:endParaRPr lang="en-US" dirty="0"/>
+          </a:p>
+          <a:p>
+            <a:endParaRPr lang="en-US" dirty="0"/>
+          </a:p>
+        </p:txBody>
+      </p:sp>
+    </p:spTree>
+    <p:extLst>
+      <p:ext uri="{BB962C8B-B14F-4D97-AF65-F5344CB8AC3E}">
+        <p14:creationId xmlns:p14="http://schemas.microsoft.com/office/powerpoint/2010/main" val="1068130750"/>
+      </p:ext>
+    </p:extLst>
+  </p:cSld>
+  <p:clrMapOvr>
+    <a:masterClrMapping/>
+  </p:clrMapOvr>
+</p:sld>
+</file>
+
+<file path=ppt/slides/slide15.xml><?xml version="1.0" encoding="utf-8"?>
+<p:sld xmlns:a="http://schemas.openxmlformats.org/drawingml/2006/main" xmlns:r="http://schemas.openxmlformats.org/officeDocument/2006/relationships" xmlns:p="http://schemas.openxmlformats.org/presentationml/2006/main">
+  <p:cSld>
+    <p:spTree>
+      <p:nvGrpSpPr>
+        <p:cNvPr id="1" name=""/>
+        <p:cNvGrpSpPr/>
+        <p:nvPr/>
+      </p:nvGrpSpPr>
+      <p:grpSpPr>
+        <a:xfrm>
+          <a:off x="0" y="0"/>
+          <a:ext cx="0" cy="0"/>
+          <a:chOff x="0" y="0"/>
+          <a:chExt cx="0" cy="0"/>
+        </a:xfrm>
+      </p:grpSpPr>
+      <p:sp>
+        <p:nvSpPr>
+          <p:cNvPr id="2" name="Title 1">
+            <a:extLst>
+              <a:ext uri="{FF2B5EF4-FFF2-40B4-BE49-F238E27FC236}">
+                <a16:creationId xmlns:a16="http://schemas.microsoft.com/office/drawing/2014/main" id="{EAEFDC93-61FB-43C2-97E4-96DBB02574E4}"/>
+              </a:ext>
+            </a:extLst>
+          </p:cNvPr>
+          <p:cNvSpPr>
+            <a:spLocks noGrp="1"/>
+          </p:cNvSpPr>
+          <p:nvPr>
+            <p:ph type="title"/>
+          </p:nvPr>
+        </p:nvSpPr>
+        <p:spPr/>
+        <p:txBody>
+          <a:bodyPr/>
+          <a:lstStyle/>
+          <a:p>
+            <a:r>
+              <a:rPr lang="en-US" dirty="0"/>
+              <a:t>Cost of solar panels over time</a:t>
+            </a:r>
+          </a:p>
+        </p:txBody>
+      </p:sp>
+      <p:pic>
+        <p:nvPicPr>
+          <p:cNvPr id="5" name="Content Placeholder 4">
+            <a:extLst>
+              <a:ext uri="{FF2B5EF4-FFF2-40B4-BE49-F238E27FC236}">
+                <a16:creationId xmlns:a16="http://schemas.microsoft.com/office/drawing/2014/main" id="{B7B1CFD3-8E2C-45A3-B92C-1BEB9932A57E}"/>
+              </a:ext>
+            </a:extLst>
+          </p:cNvPr>
+          <p:cNvPicPr>
+            <a:picLocks noGrp="1" noChangeAspect="1"/>
+          </p:cNvPicPr>
+          <p:nvPr>
+            <p:ph idx="1"/>
+          </p:nvPr>
+        </p:nvPicPr>
+        <p:blipFill>
+          <a:blip r:embed="rId2"/>
+          <a:stretch>
+            <a:fillRect/>
+          </a:stretch>
+        </p:blipFill>
+        <p:spPr>
+          <a:xfrm>
+            <a:off x="581192" y="2255366"/>
+            <a:ext cx="6482802" cy="3678238"/>
+          </a:xfrm>
+        </p:spPr>
+      </p:pic>
+      <p:sp>
+        <p:nvSpPr>
+          <p:cNvPr id="6" name="TextBox 5">
+            <a:extLst>
+              <a:ext uri="{FF2B5EF4-FFF2-40B4-BE49-F238E27FC236}">
+                <a16:creationId xmlns:a16="http://schemas.microsoft.com/office/drawing/2014/main" id="{4EBB60EB-BD48-4028-B272-42837733525A}"/>
+              </a:ext>
+            </a:extLst>
+          </p:cNvPr>
+          <p:cNvSpPr txBox="1"/>
+          <p:nvPr/>
+        </p:nvSpPr>
+        <p:spPr>
+          <a:xfrm>
+            <a:off x="7787148" y="5232514"/>
+            <a:ext cx="4021394" cy="646331"/>
+          </a:xfrm>
+          <a:prstGeom prst="rect">
+            <a:avLst/>
+          </a:prstGeom>
+          <a:noFill/>
+        </p:spPr>
+        <p:txBody>
+          <a:bodyPr wrap="square" rtlCol="0">
+            <a:spAutoFit/>
+          </a:bodyPr>
+          <a:lstStyle/>
+          <a:p>
+            <a:r>
+              <a:rPr lang="en-US" dirty="0">
+                <a:hlinkClick r:id="rId3"/>
+              </a:rPr>
+              <a:t>*Solar Power Data for Integration Studies | Grid Modernization | NREL</a:t>
+            </a:r>
+            <a:endParaRPr lang="en-US" dirty="0"/>
+          </a:p>
+        </p:txBody>
+      </p:sp>
+      <p:sp>
+        <p:nvSpPr>
+          <p:cNvPr id="7" name="TextBox 6">
+            <a:extLst>
+              <a:ext uri="{FF2B5EF4-FFF2-40B4-BE49-F238E27FC236}">
+                <a16:creationId xmlns:a16="http://schemas.microsoft.com/office/drawing/2014/main" id="{7C7C78BC-E374-4286-9452-620F7092E02D}"/>
+              </a:ext>
+            </a:extLst>
+          </p:cNvPr>
+          <p:cNvSpPr txBox="1"/>
+          <p:nvPr/>
+        </p:nvSpPr>
+        <p:spPr>
+          <a:xfrm>
+            <a:off x="7452852" y="2644877"/>
+            <a:ext cx="3647767" cy="923330"/>
+          </a:xfrm>
+          <a:prstGeom prst="rect">
+            <a:avLst/>
+          </a:prstGeom>
+          <a:noFill/>
+        </p:spPr>
+        <p:txBody>
+          <a:bodyPr wrap="square" rtlCol="0">
+            <a:spAutoFit/>
+          </a:bodyPr>
+          <a:lstStyle/>
+          <a:p>
+            <a:r>
+              <a:rPr lang="en-US" dirty="0"/>
+              <a:t>The cost of solar panels is projected to decrease over time, based on the government research.</a:t>
+            </a:r>
+          </a:p>
+        </p:txBody>
+      </p:sp>
+    </p:spTree>
+    <p:extLst>
+      <p:ext uri="{BB962C8B-B14F-4D97-AF65-F5344CB8AC3E}">
+        <p14:creationId xmlns:p14="http://schemas.microsoft.com/office/powerpoint/2010/main" val="3184285557"/>
+      </p:ext>
+    </p:extLst>
+  </p:cSld>
+  <p:clrMapOvr>
+    <a:masterClrMapping/>
+  </p:clrMapOvr>
+</p:sld>
+</file>
+
+<file path=ppt/slides/slide16.xml><?xml version="1.0" encoding="utf-8"?>
+<p:sld xmlns:a="http://schemas.openxmlformats.org/drawingml/2006/main" xmlns:r="http://schemas.openxmlformats.org/officeDocument/2006/relationships" xmlns:p="http://schemas.openxmlformats.org/presentationml/2006/main">
+  <p:cSld>
+    <p:spTree>
+      <p:nvGrpSpPr>
+        <p:cNvPr id="1" name=""/>
+        <p:cNvGrpSpPr/>
+        <p:nvPr/>
+      </p:nvGrpSpPr>
+      <p:grpSpPr>
+        <a:xfrm>
+          <a:off x="0" y="0"/>
+          <a:ext cx="0" cy="0"/>
+          <a:chOff x="0" y="0"/>
+          <a:chExt cx="0" cy="0"/>
+        </a:xfrm>
+      </p:grpSpPr>
+      <p:sp>
+        <p:nvSpPr>
+          <p:cNvPr id="2" name="Title 1">
+            <a:extLst>
+              <a:ext uri="{FF2B5EF4-FFF2-40B4-BE49-F238E27FC236}">
+                <a16:creationId xmlns:a16="http://schemas.microsoft.com/office/drawing/2014/main" id="{6AADD4BE-A0F8-49AD-895C-953DDEEF2921}"/>
+              </a:ext>
+            </a:extLst>
+          </p:cNvPr>
+          <p:cNvSpPr>
+            <a:spLocks noGrp="1"/>
+          </p:cNvSpPr>
+          <p:nvPr>
+            <p:ph type="title"/>
+          </p:nvPr>
+        </p:nvSpPr>
+        <p:spPr/>
+        <p:txBody>
+          <a:bodyPr/>
+          <a:lstStyle/>
+          <a:p>
+            <a:r>
+              <a:rPr lang="en-US" dirty="0"/>
+              <a:t>Solar panel summary review</a:t>
+            </a:r>
+          </a:p>
+        </p:txBody>
+      </p:sp>
+      <p:sp>
+        <p:nvSpPr>
+          <p:cNvPr id="3" name="Content Placeholder 2">
+            <a:extLst>
+              <a:ext uri="{FF2B5EF4-FFF2-40B4-BE49-F238E27FC236}">
+                <a16:creationId xmlns:a16="http://schemas.microsoft.com/office/drawing/2014/main" id="{8CE06770-DC52-498C-A130-AECE10E5ED9F}"/>
+              </a:ext>
+            </a:extLst>
+          </p:cNvPr>
+          <p:cNvSpPr>
+            <a:spLocks noGrp="1"/>
+          </p:cNvSpPr>
+          <p:nvPr>
+            <p:ph idx="1"/>
+          </p:nvPr>
+        </p:nvSpPr>
+        <p:spPr/>
+        <p:txBody>
+          <a:bodyPr/>
+          <a:lstStyle/>
+          <a:p>
+            <a:r>
+              <a:rPr lang="en-US" dirty="0"/>
+              <a:t>Solar panels for home are a great resource to use toward a greener planet.</a:t>
+            </a:r>
+          </a:p>
+          <a:p>
+            <a:r>
+              <a:rPr lang="en-US" dirty="0"/>
+              <a:t>Federal taxes are helping homeowners getting money toward the purchase of the solar panels.</a:t>
+            </a:r>
+          </a:p>
+          <a:p>
+            <a:r>
+              <a:rPr lang="en-US" dirty="0"/>
+              <a:t>The increasing energy costs are pushing toward finding new ways to power the population household needs.</a:t>
+            </a:r>
+          </a:p>
+          <a:p>
+            <a:r>
+              <a:rPr lang="en-US" dirty="0"/>
+              <a:t>Selling the solar power energy, generated by the solar power, is a great way to make some extra money.</a:t>
+            </a:r>
+          </a:p>
+          <a:p>
+            <a:endParaRPr lang="en-US" dirty="0"/>
+          </a:p>
+          <a:p>
+            <a:endParaRPr lang="en-US" dirty="0"/>
+          </a:p>
+        </p:txBody>
+      </p:sp>
+    </p:spTree>
+    <p:extLst>
+      <p:ext uri="{BB962C8B-B14F-4D97-AF65-F5344CB8AC3E}">
+        <p14:creationId xmlns:p14="http://schemas.microsoft.com/office/powerpoint/2010/main" val="509651972"/>
+      </p:ext>
+    </p:extLst>
+  </p:cSld>
+  <p:clrMapOvr>
+    <a:masterClrMapping/>
+  </p:clrMapOvr>
+</p:sld>
+</file>
+
+<file path=ppt/slides/slide17.xml><?xml version="1.0" encoding="utf-8"?>
+<p:sld xmlns:a="http://schemas.openxmlformats.org/drawingml/2006/main" xmlns:r="http://schemas.openxmlformats.org/officeDocument/2006/relationships" xmlns:p="http://schemas.openxmlformats.org/presentationml/2006/main">
+  <p:cSld>
+    <p:spTree>
+      <p:nvGrpSpPr>
+        <p:cNvPr id="1" name=""/>
+        <p:cNvGrpSpPr/>
+        <p:nvPr/>
+      </p:nvGrpSpPr>
+      <p:grpSpPr>
+        <a:xfrm>
+          <a:off x="0" y="0"/>
+          <a:ext cx="0" cy="0"/>
+          <a:chOff x="0" y="0"/>
+          <a:chExt cx="0" cy="0"/>
+        </a:xfrm>
+      </p:grpSpPr>
+      <p:sp>
+        <p:nvSpPr>
+          <p:cNvPr id="2" name="Title 1">
+            <a:extLst>
+              <a:ext uri="{FF2B5EF4-FFF2-40B4-BE49-F238E27FC236}">
+                <a16:creationId xmlns:a16="http://schemas.microsoft.com/office/drawing/2014/main" id="{EF8A3E42-BFB6-40D6-9089-3C19F0797A23}"/>
+              </a:ext>
+            </a:extLst>
+          </p:cNvPr>
+          <p:cNvSpPr>
+            <a:spLocks noGrp="1"/>
+          </p:cNvSpPr>
+          <p:nvPr>
+            <p:ph type="title"/>
+          </p:nvPr>
+        </p:nvSpPr>
+        <p:spPr/>
+        <p:txBody>
+          <a:bodyPr/>
+          <a:lstStyle/>
+          <a:p>
+            <a:r>
+              <a:rPr lang="en-US" dirty="0"/>
+              <a:t>Project event summary</a:t>
+            </a:r>
+          </a:p>
+        </p:txBody>
+      </p:sp>
+      <p:sp>
+        <p:nvSpPr>
+          <p:cNvPr id="3" name="Content Placeholder 2">
+            <a:extLst>
+              <a:ext uri="{FF2B5EF4-FFF2-40B4-BE49-F238E27FC236}">
+                <a16:creationId xmlns:a16="http://schemas.microsoft.com/office/drawing/2014/main" id="{B483BC92-BBB7-428F-9E3F-C05522678302}"/>
+              </a:ext>
+            </a:extLst>
+          </p:cNvPr>
+          <p:cNvSpPr>
+            <a:spLocks noGrp="1"/>
+          </p:cNvSpPr>
+          <p:nvPr>
+            <p:ph idx="1"/>
+          </p:nvPr>
+        </p:nvSpPr>
+        <p:spPr/>
+        <p:txBody>
+          <a:bodyPr/>
+          <a:lstStyle/>
+          <a:p>
+            <a:r>
+              <a:rPr lang="en-US" dirty="0"/>
+              <a:t>Researching for datasets for our project was challenging</a:t>
+            </a:r>
+          </a:p>
+          <a:p>
+            <a:r>
+              <a:rPr lang="en-US" dirty="0"/>
+              <a:t>Creating our own datasets was exciting</a:t>
+            </a:r>
+          </a:p>
+          <a:p>
+            <a:r>
+              <a:rPr lang="en-US" dirty="0"/>
+              <a:t>Wrangling for ideas was a great way to put everything we learned into a different prospective</a:t>
+            </a:r>
+          </a:p>
+          <a:p>
+            <a:r>
+              <a:rPr lang="en-US" dirty="0"/>
+              <a:t>Creating tableau was fun and entertaining</a:t>
+            </a:r>
+          </a:p>
+          <a:p>
+            <a:r>
+              <a:rPr lang="en-US" dirty="0"/>
+              <a:t>Doing the population sample survey was very useful </a:t>
+            </a:r>
+          </a:p>
+          <a:p>
+            <a:r>
+              <a:rPr lang="en-US" dirty="0"/>
+              <a:t>The power point presentation is a great way to combine and link everything together</a:t>
+            </a:r>
+          </a:p>
+          <a:p>
+            <a:endParaRPr lang="en-US" dirty="0"/>
+          </a:p>
+        </p:txBody>
+      </p:sp>
+    </p:spTree>
+    <p:extLst>
+      <p:ext uri="{BB962C8B-B14F-4D97-AF65-F5344CB8AC3E}">
+        <p14:creationId xmlns:p14="http://schemas.microsoft.com/office/powerpoint/2010/main" val="1394370116"/>
+      </p:ext>
+    </p:extLst>
+  </p:cSld>
+  <p:clrMapOvr>
+    <a:masterClrMapping/>
+  </p:clrMapOvr>
+</p:sld>
+</file>
+
+<file path=ppt/slides/slide2.xml><?xml version="1.0" encoding="utf-8"?>
+<p:sld xmlns:a="http://schemas.openxmlformats.org/drawingml/2006/main" xmlns:r="http://schemas.openxmlformats.org/officeDocument/2006/relationships" xmlns:p="http://schemas.openxmlformats.org/presentationml/2006/main">
+  <p:cSld>
+    <p:bg>
+      <p:bgPr>
+        <a:solidFill>
+          <a:schemeClr val="bg1">
+            <a:alpha val="15000"/>
+          </a:schemeClr>
+        </a:solidFill>
+        <a:effectLst/>
+      </p:bgPr>
+    </p:bg>
+    <p:spTree>
+      <p:nvGrpSpPr>
+        <p:cNvPr id="1" name=""/>
+        <p:cNvGrpSpPr/>
+        <p:nvPr/>
+      </p:nvGrpSpPr>
+      <p:grpSpPr>
+        <a:xfrm>
+          <a:off x="0" y="0"/>
+          <a:ext cx="0" cy="0"/>
+          <a:chOff x="0" y="0"/>
+          <a:chExt cx="0" cy="0"/>
+        </a:xfrm>
+      </p:grpSpPr>
+      <p:pic>
+        <p:nvPicPr>
+          <p:cNvPr id="5" name="Picture 4" descr="Shape&#10;&#10;Description automatically generated with medium confidence">
+            <a:extLst>
+              <a:ext uri="{FF2B5EF4-FFF2-40B4-BE49-F238E27FC236}">
+                <a16:creationId xmlns:a16="http://schemas.microsoft.com/office/drawing/2014/main" id="{F3BBF39E-BE82-4FCF-AC1F-5930916AB540}"/>
+              </a:ext>
+            </a:extLst>
+          </p:cNvPr>
+          <p:cNvPicPr>
+            <a:picLocks noChangeAspect="1"/>
+          </p:cNvPicPr>
+          <p:nvPr/>
+        </p:nvPicPr>
+        <p:blipFill>
+          <a:blip r:embed="rId2">
+            <a:alphaModFix amt="10000"/>
+            <a:extLst>
+              <a:ext uri="{837473B0-CC2E-450A-ABE3-18F120FF3D39}">
+                <a1611:picAttrSrcUrl xmlns:a1611="http://schemas.microsoft.com/office/drawing/2016/11/main" r:id="rId3"/>
+              </a:ext>
+            </a:extLst>
+          </a:blip>
+          <a:stretch>
+            <a:fillRect/>
+          </a:stretch>
+        </p:blipFill>
+        <p:spPr>
+          <a:xfrm>
+            <a:off x="315841" y="216816"/>
+            <a:ext cx="6839103" cy="6024044"/>
+          </a:xfrm>
+          <a:prstGeom prst="rect">
+            <a:avLst/>
+          </a:prstGeom>
+          <a:effectLst>
+            <a:glow>
+              <a:schemeClr val="accent1"/>
+            </a:glow>
+            <a:outerShdw blurRad="203200" dist="254000" dir="5400000" sx="93000" sy="93000" algn="ctr" rotWithShape="0">
+              <a:srgbClr val="000000">
+                <a:alpha val="20000"/>
+              </a:srgbClr>
+            </a:outerShdw>
+          </a:effectLst>
+        </p:spPr>
+      </p:pic>
+      <p:sp>
+        <p:nvSpPr>
+          <p:cNvPr id="2" name="Title 1">
+            <a:extLst>
+              <a:ext uri="{FF2B5EF4-FFF2-40B4-BE49-F238E27FC236}">
                 <a16:creationId xmlns:a16="http://schemas.microsoft.com/office/drawing/2014/main" id="{955456A0-1E6C-4798-9FF1-30A8C5B8BC64}"/>
               </a:ext>
             </a:extLst>
@@ -5161,16 +7055,25 @@
           <a:p>
             <a:r>
               <a:rPr lang="en-US" dirty="0"/>
-              <a:t>Girl Power team</a:t>
+              <a:t>Girl Power Team – Sun Power Team</a:t>
             </a:r>
           </a:p>
           <a:p>
             <a:r>
               <a:rPr lang="en-US" dirty="0"/>
-              <a:t>We are a group of single moms, teamed up to work on this project helping each other just like we do in life to better ourselves and learning from each other.</a:t>
-            </a:r>
-          </a:p>
-          <a:p>
+              <a:t>A group of single moms, teamed up to work on this project, helping each other just like we do in life to better ourselves and learning from each other.</a:t>
+            </a:r>
+          </a:p>
+          <a:p>
+            <a:r>
+              <a:rPr lang="en-US" dirty="0">
+                <a:solidFill>
+                  <a:srgbClr val="1D1C1D"/>
+                </a:solidFill>
+                <a:latin typeface="Slack-Lato"/>
+              </a:rPr>
+              <a:t>D</a:t>
+            </a:r>
             <a:r>
               <a:rPr lang="en-US" b="0" i="0" dirty="0">
                 <a:solidFill>
@@ -5179,7 +7082,26 @@
                 <a:effectLst/>
                 <a:latin typeface="Slack-Lato"/>
               </a:rPr>
-              <a:t>We have different backgrounds but the same goals to better ourselves by learning new things and succeeding. Also, to set a good example for our kids and point them in the right direction by showing them we're never too old to learn new things.</a:t>
+              <a:t>ifferent backgrounds </a:t>
+            </a:r>
+            <a:r>
+              <a:rPr lang="en-US" dirty="0">
+                <a:solidFill>
+                  <a:srgbClr val="1D1C1D"/>
+                </a:solidFill>
+                <a:latin typeface="Slack-Lato"/>
+              </a:rPr>
+              <a:t>with the </a:t>
+            </a:r>
+            <a:r>
+              <a:rPr lang="en-US" b="0" i="0" dirty="0">
+                <a:solidFill>
+                  <a:srgbClr val="1D1C1D"/>
+                </a:solidFill>
+                <a:effectLst/>
+                <a:latin typeface="Slack-Lato"/>
+              </a:rPr>
+              <a:t>same goals to better ourselves by learning new things and succeeding. Setting a good example for kids and point them in the right direction “You are never too old to learn new things”.</a:t>
             </a:r>
             <a:endParaRPr lang="en-US" dirty="0"/>
           </a:p>
@@ -5266,25 +7188,31 @@
           <a:p>
             <a:r>
               <a:rPr lang="en-US" dirty="0"/>
-              <a:t>International student in the USA (originally from Italy).</a:t>
+              <a:t>International student.</a:t>
             </a:r>
           </a:p>
           <a:p>
             <a:r>
               <a:rPr lang="en-US" dirty="0"/>
-              <a:t>Very involved in environmental issues </a:t>
+              <a:t>Involved in environmental issues at early age back in Europe.</a:t>
             </a:r>
           </a:p>
           <a:p>
             <a:r>
               <a:rPr lang="en-US" dirty="0"/>
-              <a:t>Single mom of 3 kids</a:t>
+              <a:t>Volunteer time for environmental issues and homeless shelters.</a:t>
             </a:r>
           </a:p>
           <a:p>
             <a:r>
               <a:rPr lang="en-US" dirty="0"/>
-              <a:t>Finished my BA in Business, concentration in Finance only in 2020, then started this program with WOZU because I wanted to learn more about Data Science. Looking forward to learn more about it and taking more classes starting in the Fall.</a:t>
+              <a:t>Single mom of 3 kids.</a:t>
+            </a:r>
+          </a:p>
+          <a:p>
+            <a:r>
+              <a:rPr lang="en-US" dirty="0"/>
+              <a:t>BA in Business Administration, concentration in Finance. Started a totally different program with WOZU to learn more about Data Science. </a:t>
             </a:r>
           </a:p>
         </p:txBody>
@@ -5368,7 +7296,62 @@
           <a:bodyPr/>
           <a:lstStyle/>
           <a:p>
-            <a:endParaRPr lang="en-US"/>
+            <a:r>
+              <a:rPr lang="en-US" dirty="0">
+                <a:solidFill>
+                  <a:srgbClr val="1D1C1D"/>
+                </a:solidFill>
+                <a:latin typeface="Slack-Lato"/>
+              </a:rPr>
+              <a:t>S</a:t>
+            </a:r>
+            <a:r>
+              <a:rPr lang="en-US" b="0" i="0" dirty="0">
+                <a:solidFill>
+                  <a:srgbClr val="1D1C1D"/>
+                </a:solidFill>
+                <a:effectLst/>
+                <a:latin typeface="Slack-Lato"/>
+              </a:rPr>
+              <a:t>ingle mother of one.</a:t>
+            </a:r>
+          </a:p>
+          <a:p>
+            <a:r>
+              <a:rPr lang="en-US" b="0" i="0" dirty="0">
+                <a:solidFill>
+                  <a:srgbClr val="1D1C1D"/>
+                </a:solidFill>
+                <a:effectLst/>
+                <a:latin typeface="Slack-Lato"/>
+              </a:rPr>
+              <a:t>My daughter is very active in dance and cheer which occupies most of my free time.</a:t>
+            </a:r>
+          </a:p>
+          <a:p>
+            <a:r>
+              <a:rPr lang="en-US" b="0" i="0" dirty="0">
+                <a:solidFill>
+                  <a:srgbClr val="1D1C1D"/>
+                </a:solidFill>
+                <a:effectLst/>
+                <a:latin typeface="Slack-Lato"/>
+              </a:rPr>
+              <a:t>I currently work for the state of Ohio Bureau of Workers' Compensation as a Claims Service Specialist where I manage worker's compensation clams. </a:t>
+            </a:r>
+          </a:p>
+          <a:p>
+            <a:r>
+              <a:rPr lang="en-US" b="0" i="0" dirty="0">
+                <a:solidFill>
+                  <a:srgbClr val="1D1C1D"/>
+                </a:solidFill>
+                <a:effectLst/>
+                <a:latin typeface="Slack-Lato"/>
+              </a:rPr>
+              <a:t>I started this Data Science program because I wanted to learn more about it and felt I needed a change.</a:t>
+            </a:r>
+            <a:endParaRPr lang="en-US" dirty="0"/>
           </a:p>
         </p:txBody>
       </p:sp>
@@ -5451,7 +7434,46 @@
           <a:bodyPr/>
           <a:lstStyle/>
           <a:p>
-            <a:endParaRPr lang="en-US"/>
+            <a:r>
+              <a:rPr lang="en-US" b="0" i="0" dirty="0">
+                <a:solidFill>
+                  <a:srgbClr val="1D1C1D"/>
+                </a:solidFill>
+                <a:effectLst/>
+                <a:latin typeface="Slack-Lato"/>
+              </a:rPr>
+              <a:t>My name is Michelle Chavez. </a:t>
+            </a:r>
+          </a:p>
+          <a:p>
+            <a:r>
+              <a:rPr lang="en-US" b="0" i="0" dirty="0">
+                <a:solidFill>
+                  <a:srgbClr val="1D1C1D"/>
+                </a:solidFill>
+                <a:effectLst/>
+                <a:latin typeface="Slack-Lato"/>
+              </a:rPr>
+              <a:t>I am working for UPS as an On-road supervisor. I have worked for them for 4 years doing various jobs. </a:t>
+            </a:r>
+          </a:p>
+          <a:p>
+            <a:r>
+              <a:rPr lang="en-US" b="0" i="0" dirty="0">
+                <a:solidFill>
+                  <a:srgbClr val="1D1C1D"/>
+                </a:solidFill>
+                <a:effectLst/>
+                <a:latin typeface="Slack-Lato"/>
+              </a:rPr>
+              <a:t>I started this course to expand my skill set.</a:t>
+            </a:r>
+          </a:p>
+          <a:p>
+            <a:pPr marL="0" indent="0">
+              <a:buNone/>
+            </a:pPr>
+            <a:endParaRPr lang="en-US" dirty="0"/>
           </a:p>
         </p:txBody>
       </p:sp>
@@ -5536,20 +7558,105 @@
           <a:p>
             <a:r>
               <a:rPr lang="en-US" dirty="0"/>
-              <a:t>Energy costs have been rising every year, our story began on looking for ways to save money in the long run using solar panels for homes.</a:t>
+              <a:t>Energy costs have been rising every year, the story began when looking for ways to save money in the long run using solar panels for homes.</a:t>
             </a:r>
           </a:p>
           <a:p>
             <a:r>
               <a:rPr lang="en-US" dirty="0"/>
-              <a:t>Another reason why we wanted to research this subject is because it’s an efficient and greener way to use the natural power of the sun to power our household electronics.</a:t>
-            </a:r>
-          </a:p>
-          <a:p>
-            <a:endParaRPr lang="en-US" dirty="0"/>
-          </a:p>
-          <a:p>
-            <a:endParaRPr lang="en-US" dirty="0"/>
+              <a:t>Another reason to research this subject is because it’s an efficient and greener way to use the natural power of the sun to power all household’s electrical needs. </a:t>
+            </a:r>
+          </a:p>
+          <a:p>
+            <a:endParaRPr lang="en-US" dirty="0"/>
+          </a:p>
+          <a:p>
+            <a:endParaRPr lang="en-US" dirty="0"/>
+          </a:p>
+        </p:txBody>
+      </p:sp>
+      <p:pic>
+        <p:nvPicPr>
+          <p:cNvPr id="8" name="Picture 7" descr="A picture containing sky, blue, colorful, parrot&#10;&#10;Description automatically generated">
+            <a:extLst>
+              <a:ext uri="{FF2B5EF4-FFF2-40B4-BE49-F238E27FC236}">
+                <a16:creationId xmlns:a16="http://schemas.microsoft.com/office/drawing/2014/main" id="{C9A2A008-220B-4027-9E31-F9C1374BBDCB}"/>
+              </a:ext>
+            </a:extLst>
+          </p:cNvPr>
+          <p:cNvPicPr>
+            <a:picLocks noChangeAspect="1"/>
+          </p:cNvPicPr>
+          <p:nvPr/>
+        </p:nvPicPr>
+        <p:blipFill>
+          <a:blip r:embed="rId2">
+            <a:alphaModFix amt="20000"/>
+            <a:extLst>
+              <a:ext uri="{837473B0-CC2E-450A-ABE3-18F120FF3D39}">
+                <a1611:picAttrSrcUrl xmlns:a1611="http://schemas.microsoft.com/office/drawing/2016/11/main" r:id="rId3"/>
+              </a:ext>
+            </a:extLst>
+          </a:blip>
+          <a:stretch>
+            <a:fillRect/>
+          </a:stretch>
+        </p:blipFill>
+        <p:spPr>
+          <a:xfrm>
+            <a:off x="464915" y="2008481"/>
+            <a:ext cx="11262167" cy="4600314"/>
+          </a:xfrm>
+          <a:prstGeom prst="rect">
+            <a:avLst/>
+          </a:prstGeom>
+        </p:spPr>
+      </p:pic>
+      <p:sp>
+        <p:nvSpPr>
+          <p:cNvPr id="9" name="TextBox 8">
+            <a:extLst>
+              <a:ext uri="{FF2B5EF4-FFF2-40B4-BE49-F238E27FC236}">
+                <a16:creationId xmlns:a16="http://schemas.microsoft.com/office/drawing/2014/main" id="{3D175A7C-24ED-43B7-AC11-A8A0A1090C5B}"/>
+              </a:ext>
+            </a:extLst>
+          </p:cNvPr>
+          <p:cNvSpPr txBox="1"/>
+          <p:nvPr/>
+        </p:nvSpPr>
+        <p:spPr>
+          <a:xfrm>
+            <a:off x="1565475" y="7183812"/>
+            <a:ext cx="9422332" cy="230832"/>
+          </a:xfrm>
+          <a:prstGeom prst="rect">
+            <a:avLst/>
+          </a:prstGeom>
+          <a:noFill/>
+        </p:spPr>
+        <p:txBody>
+          <a:bodyPr wrap="square" rtlCol="0">
+            <a:spAutoFit/>
+          </a:bodyPr>
+          <a:lstStyle/>
+          <a:p>
+            <a:r>
+              <a:rPr lang="en-US" sz="900" dirty="0">
+                <a:hlinkClick r:id="rId3" tooltip="https://www.australiansolarquotes.com.au/2018/04/05/a-third-of-global-energy-to-come-from-solar-by-2050/"/>
+              </a:rPr>
+              <a:t>This Photo</a:t>
+            </a:r>
+            <a:r>
+              <a:rPr lang="en-US" sz="900" dirty="0"/>
+              <a:t> by Unknown Author is licensed under </a:t>
+            </a:r>
+            <a:r>
+              <a:rPr lang="en-US" sz="900" dirty="0">
+                <a:hlinkClick r:id="rId4" tooltip="https://creativecommons.org/licenses/by/3.0/"/>
+              </a:rPr>
+              <a:t>CC BY</a:t>
+            </a:r>
+            <a:endParaRPr lang="en-US" sz="900" dirty="0"/>
           </a:p>
         </p:txBody>
       </p:sp>
@@ -5588,6 +7695,151 @@
           <p:cNvPr id="2" name="Title 1">
             <a:extLst>
               <a:ext uri="{FF2B5EF4-FFF2-40B4-BE49-F238E27FC236}">
+                <a16:creationId xmlns:a16="http://schemas.microsoft.com/office/drawing/2014/main" id="{41DBD256-CA8F-4B29-A057-8EA20AD8DE7D}"/>
+              </a:ext>
+            </a:extLst>
+          </p:cNvPr>
+          <p:cNvSpPr>
+            <a:spLocks noGrp="1"/>
+          </p:cNvSpPr>
+          <p:nvPr>
+            <p:ph type="title"/>
+          </p:nvPr>
+        </p:nvSpPr>
+        <p:spPr/>
+        <p:txBody>
+          <a:bodyPr/>
+          <a:lstStyle/>
+          <a:p>
+            <a:r>
+              <a:rPr lang="en-US" dirty="0"/>
+              <a:t>Wrangling with python</a:t>
+            </a:r>
+          </a:p>
+        </p:txBody>
+      </p:sp>
+      <p:sp>
+        <p:nvSpPr>
+          <p:cNvPr id="3" name="Content Placeholder 2">
+            <a:extLst>
+              <a:ext uri="{FF2B5EF4-FFF2-40B4-BE49-F238E27FC236}">
+                <a16:creationId xmlns:a16="http://schemas.microsoft.com/office/drawing/2014/main" id="{55BEB8E7-ECEF-44C5-988A-7C6D45E09411}"/>
+              </a:ext>
+            </a:extLst>
+          </p:cNvPr>
+          <p:cNvSpPr>
+            <a:spLocks noGrp="1"/>
+          </p:cNvSpPr>
+          <p:nvPr>
+            <p:ph idx="1"/>
+          </p:nvPr>
+        </p:nvSpPr>
+        <p:spPr/>
+        <p:txBody>
+          <a:bodyPr>
+            <a:normAutofit/>
+          </a:bodyPr>
+          <a:lstStyle/>
+          <a:p>
+            <a:r>
+              <a:rPr lang="en-US" dirty="0"/>
+              <a:t>Finding datasets</a:t>
+            </a:r>
+          </a:p>
+          <a:p>
+            <a:r>
+              <a:rPr lang="en-US" dirty="0"/>
+              <a:t>Creating a new dataset based on government data available on the internet</a:t>
+            </a:r>
+          </a:p>
+          <a:p>
+            <a:r>
+              <a:rPr lang="en-US" dirty="0"/>
+              <a:t>Started using 4 states based on our location, then added all 50 states to the dataset</a:t>
+            </a:r>
+          </a:p>
+          <a:p>
+            <a:r>
+              <a:rPr lang="en-US" dirty="0"/>
+              <a:t>Merging the different dataset</a:t>
+            </a:r>
+          </a:p>
+          <a:p>
+            <a:r>
+              <a:rPr lang="en-US" dirty="0"/>
+              <a:t>Wrangling using different plots and statistical elements with Python</a:t>
+            </a:r>
+          </a:p>
+          <a:p>
+            <a:r>
+              <a:rPr lang="en-US" dirty="0">
+                <a:hlinkClick r:id="rId3"/>
+              </a:rPr>
+              <a:t>https://d.docs.live.net/d651ccd468905d1c/Documents/1FinalP/SolarW4New.ipynb</a:t>
+            </a:r>
+            <a:endParaRPr lang="en-US" dirty="0"/>
+          </a:p>
+          <a:p>
+            <a:endParaRPr lang="en-US" dirty="0"/>
+          </a:p>
+          <a:p>
+            <a:r>
+              <a:rPr lang="en-US" dirty="0"/>
+              <a:t>*</a:t>
+            </a:r>
+            <a:r>
+              <a:rPr lang="en-US" dirty="0">
+                <a:hlinkClick r:id="rId4"/>
+              </a:rPr>
+              <a:t> Solar Power Data for Integration Studies | Grid Modernization | NREL</a:t>
+            </a:r>
+            <a:endParaRPr lang="en-US" dirty="0"/>
+          </a:p>
+          <a:p>
+            <a:endParaRPr lang="en-US" dirty="0"/>
+          </a:p>
+        </p:txBody>
+      </p:sp>
+    </p:spTree>
+    <p:extLst>
+      <p:ext uri="{BB962C8B-B14F-4D97-AF65-F5344CB8AC3E}">
+        <p14:creationId xmlns:p14="http://schemas.microsoft.com/office/powerpoint/2010/main" val="1350887270"/>
+      </p:ext>
+    </p:extLst>
+  </p:cSld>
+  <p:clrMapOvr>
+    <a:masterClrMapping/>
+  </p:clrMapOvr>
+  <p:extLst>
+    <p:ext uri="{6950BFC3-D8DA-4A85-94F7-54DA5524770B}">
+      <p188:commentRel xmlns:p188="http://schemas.microsoft.com/office/powerpoint/2018/8/main" r:id="rId2"/>
+    </p:ext>
+  </p:extLst>
+</p:sld>
+</file>
+
+<file path=ppt/slides/slide8.xml><?xml version="1.0" encoding="utf-8"?>
+<p:sld xmlns:a="http://schemas.openxmlformats.org/drawingml/2006/main" xmlns:r="http://schemas.openxmlformats.org/officeDocument/2006/relationships" xmlns:p="http://schemas.openxmlformats.org/presentationml/2006/main">
+  <p:cSld>
+    <p:spTree>
+      <p:nvGrpSpPr>
+        <p:cNvPr id="1" name=""/>
+        <p:cNvGrpSpPr/>
+        <p:nvPr/>
+      </p:nvGrpSpPr>
+      <p:grpSpPr>
+        <a:xfrm>
+          <a:off x="0" y="0"/>
+          <a:ext cx="0" cy="0"/>
+          <a:chOff x="0" y="0"/>
+          <a:chExt cx="0" cy="0"/>
+        </a:xfrm>
+      </p:grpSpPr>
+      <p:sp>
+        <p:nvSpPr>
+          <p:cNvPr id="2" name="Title 1">
+            <a:extLst>
+              <a:ext uri="{FF2B5EF4-FFF2-40B4-BE49-F238E27FC236}">
                 <a16:creationId xmlns:a16="http://schemas.microsoft.com/office/drawing/2014/main" id="{B688D2A8-21D1-4C62-AD02-47EBD367EF83}"/>
               </a:ext>
             </a:extLst>
@@ -5604,32 +7856,147 @@
           <a:bodyPr/>
           <a:lstStyle/>
           <a:p>
-            <a:endParaRPr lang="en-US"/>
-          </a:p>
-        </p:txBody>
-      </p:sp>
-      <p:sp>
-        <p:nvSpPr>
-          <p:cNvPr id="3" name="Content Placeholder 2">
+            <a:r>
+              <a:rPr lang="en-US" dirty="0"/>
+              <a:t>first tableau wrangling idea</a:t>
+            </a:r>
+          </a:p>
+        </p:txBody>
+      </p:sp>
+      <p:pic>
+        <p:nvPicPr>
+          <p:cNvPr id="4" name="slide2" descr="Sheet 1">
             <a:extLst>
               <a:ext uri="{FF2B5EF4-FFF2-40B4-BE49-F238E27FC236}">
-                <a16:creationId xmlns:a16="http://schemas.microsoft.com/office/drawing/2014/main" id="{68D9ECEC-C7F0-41EB-A710-6AD5886DB90E}"/>
+                <a16:creationId xmlns:a16="http://schemas.microsoft.com/office/drawing/2014/main" id="{0C853C81-7A96-4AD0-BDF7-CB77E41AEFCE}"/>
               </a:ext>
             </a:extLst>
           </p:cNvPr>
-          <p:cNvSpPr>
-            <a:spLocks noGrp="1"/>
-          </p:cNvSpPr>
+          <p:cNvPicPr>
+            <a:picLocks noGrp="1" noChangeAspect="1"/>
+          </p:cNvPicPr>
           <p:nvPr>
             <p:ph idx="1"/>
           </p:nvPr>
-        </p:nvSpPr>
-        <p:spPr/>
-        <p:txBody>
-          <a:bodyPr/>
+        </p:nvPicPr>
+        <p:blipFill>
+          <a:blip r:embed="rId2">
+            <a:extLst>
+              <a:ext uri="{28A0092B-C50C-407E-A947-70E740481C1C}">
+                <a14:useLocalDpi xmlns:a14="http://schemas.microsoft.com/office/drawing/2010/main" val="0"/>
+              </a:ext>
+            </a:extLst>
+          </a:blip>
+          <a:stretch>
+            <a:fillRect/>
+          </a:stretch>
+        </p:blipFill>
+        <p:spPr>
+          <a:xfrm>
+            <a:off x="739933" y="2009775"/>
+            <a:ext cx="5149533" cy="3678238"/>
+          </a:xfrm>
+          <a:prstGeom prst="rect">
+            <a:avLst/>
+          </a:prstGeom>
+        </p:spPr>
+      </p:pic>
+      <p:sp>
+        <p:nvSpPr>
+          <p:cNvPr id="5" name="TextBox 4">
+            <a:extLst>
+              <a:ext uri="{FF2B5EF4-FFF2-40B4-BE49-F238E27FC236}">
+                <a16:creationId xmlns:a16="http://schemas.microsoft.com/office/drawing/2014/main" id="{F220D25E-55DB-4596-BE49-7D1956AD5240}"/>
+              </a:ext>
+            </a:extLst>
+          </p:cNvPr>
+          <p:cNvSpPr txBox="1"/>
+          <p:nvPr/>
+        </p:nvSpPr>
+        <p:spPr>
+          <a:xfrm>
+            <a:off x="6096000" y="2344721"/>
+            <a:ext cx="5866614" cy="3970318"/>
+          </a:xfrm>
+          <a:prstGeom prst="rect">
+            <a:avLst/>
+          </a:prstGeom>
+          <a:noFill/>
+        </p:spPr>
+        <p:txBody>
+          <a:bodyPr wrap="square" rtlCol="0">
+            <a:spAutoFit/>
+          </a:bodyPr>
           <a:lstStyle/>
           <a:p>
-            <a:endParaRPr lang="en-US"/>
+            <a:r>
+              <a:rPr lang="en-US" dirty="0"/>
+              <a:t>Originally, we were using only four states, as we were</a:t>
+            </a:r>
+          </a:p>
+          <a:p>
+            <a:r>
+              <a:rPr lang="en-US" dirty="0"/>
+              <a:t>interested to find out more about the states we live in,</a:t>
+            </a:r>
+          </a:p>
+          <a:p>
+            <a:r>
+              <a:rPr lang="en-US" dirty="0"/>
+              <a:t> then the data was not enough to get out standard</a:t>
+            </a:r>
+          </a:p>
+          <a:p>
+            <a:r>
+              <a:rPr lang="en-US" dirty="0"/>
+              <a:t> deviation data and other Basic Anova variables so </a:t>
+            </a:r>
+          </a:p>
+          <a:p>
+            <a:r>
+              <a:rPr lang="en-US" dirty="0"/>
+              <a:t>we decided to add of all the 50 states.</a:t>
+            </a:r>
+          </a:p>
+          <a:p>
+            <a:endParaRPr lang="en-US" dirty="0"/>
+          </a:p>
+          <a:p>
+            <a:r>
+              <a:rPr lang="en-US" dirty="0"/>
+              <a:t>This is the original Tableau visualization used with the 4 States</a:t>
+            </a:r>
+          </a:p>
+          <a:p>
+            <a:endParaRPr lang="en-US" dirty="0"/>
+          </a:p>
+          <a:p>
+            <a:r>
+              <a:rPr lang="en-US" dirty="0">
+                <a:hlinkClick r:id="rId3"/>
+              </a:rPr>
+              <a:t>https://d.docs.live.net/d651ccd468905d1c/Documents/1FinalP/FinalP2.twbx</a:t>
+            </a:r>
+            <a:endParaRPr lang="en-US" dirty="0"/>
+          </a:p>
+          <a:p>
+            <a:endParaRPr lang="en-US" dirty="0"/>
+          </a:p>
+          <a:p>
+            <a:endParaRPr lang="en-US" dirty="0"/>
+          </a:p>
+          <a:p>
+            <a:r>
+              <a:rPr lang="en-US" dirty="0"/>
+              <a:t>*</a:t>
+            </a:r>
+            <a:r>
+              <a:rPr lang="en-US" dirty="0">
+                <a:hlinkClick r:id="rId4"/>
+              </a:rPr>
+              <a:t>State-By-State Map | SEIA</a:t>
+            </a:r>
+            <a:endParaRPr lang="en-US" dirty="0"/>
           </a:p>
         </p:txBody>
       </p:sp>
@@ -5637,6 +8004,164 @@
     <p:extLst>
       <p:ext uri="{BB962C8B-B14F-4D97-AF65-F5344CB8AC3E}">
         <p14:creationId xmlns:p14="http://schemas.microsoft.com/office/powerpoint/2010/main" val="2448347216"/>
+      </p:ext>
+    </p:extLst>
+  </p:cSld>
+  <p:clrMapOvr>
+    <a:masterClrMapping/>
+  </p:clrMapOvr>
+</p:sld>
+</file>
+
+<file path=ppt/slides/slide9.xml><?xml version="1.0" encoding="utf-8"?>
+<p:sld xmlns:a="http://schemas.openxmlformats.org/drawingml/2006/main" xmlns:r="http://schemas.openxmlformats.org/officeDocument/2006/relationships" xmlns:p="http://schemas.openxmlformats.org/presentationml/2006/main">
+  <p:cSld>
+    <p:spTree>
+      <p:nvGrpSpPr>
+        <p:cNvPr id="1" name=""/>
+        <p:cNvGrpSpPr/>
+        <p:nvPr/>
+      </p:nvGrpSpPr>
+      <p:grpSpPr>
+        <a:xfrm>
+          <a:off x="0" y="0"/>
+          <a:ext cx="0" cy="0"/>
+          <a:chOff x="0" y="0"/>
+          <a:chExt cx="0" cy="0"/>
+        </a:xfrm>
+      </p:grpSpPr>
+      <p:sp>
+        <p:nvSpPr>
+          <p:cNvPr id="2" name="Title 1">
+            <a:extLst>
+              <a:ext uri="{FF2B5EF4-FFF2-40B4-BE49-F238E27FC236}">
+                <a16:creationId xmlns:a16="http://schemas.microsoft.com/office/drawing/2014/main" id="{F43D5C7D-313F-42CD-B8EE-2C2F40ED471C}"/>
+              </a:ext>
+            </a:extLst>
+          </p:cNvPr>
+          <p:cNvSpPr>
+            <a:spLocks noGrp="1"/>
+          </p:cNvSpPr>
+          <p:nvPr>
+            <p:ph type="title"/>
+          </p:nvPr>
+        </p:nvSpPr>
+        <p:spPr/>
+        <p:txBody>
+          <a:bodyPr/>
+          <a:lstStyle/>
+          <a:p>
+            <a:r>
+              <a:rPr lang="en-US" dirty="0"/>
+              <a:t>Final tableau version-All the states</a:t>
+            </a:r>
+          </a:p>
+        </p:txBody>
+      </p:sp>
+      <p:sp>
+        <p:nvSpPr>
+          <p:cNvPr id="3" name="Content Placeholder 2">
+            <a:extLst>
+              <a:ext uri="{FF2B5EF4-FFF2-40B4-BE49-F238E27FC236}">
+                <a16:creationId xmlns:a16="http://schemas.microsoft.com/office/drawing/2014/main" id="{5AEF6733-1793-41EE-B6B9-F45E972CE094}"/>
+              </a:ext>
+            </a:extLst>
+          </p:cNvPr>
+          <p:cNvSpPr>
+            <a:spLocks noGrp="1"/>
+          </p:cNvSpPr>
+          <p:nvPr>
+            <p:ph idx="1"/>
+          </p:nvPr>
+        </p:nvSpPr>
+        <p:spPr>
+          <a:xfrm>
+            <a:off x="6400800" y="2180496"/>
+            <a:ext cx="5210007" cy="3678303"/>
+          </a:xfrm>
+        </p:spPr>
+        <p:txBody>
+          <a:bodyPr/>
+          <a:lstStyle/>
+          <a:p>
+            <a:r>
+              <a:rPr lang="en-US" dirty="0"/>
+              <a:t>This is the final Tableau view, including all the states</a:t>
+            </a:r>
+          </a:p>
+          <a:p>
+            <a:r>
+              <a:rPr lang="en-US" dirty="0">
+                <a:hlinkClick r:id="rId2"/>
+              </a:rPr>
+              <a:t>https://d.docs.live.net/d651ccd468905d1c/Documents/1FinalP/all%20states_Solar.twbx</a:t>
+            </a:r>
+            <a:endParaRPr lang="en-US" dirty="0"/>
+          </a:p>
+          <a:p>
+            <a:pPr marL="0" indent="0">
+              <a:buNone/>
+            </a:pPr>
+            <a:endParaRPr lang="en-US" dirty="0"/>
+          </a:p>
+          <a:p>
+            <a:pPr marL="0" indent="0">
+              <a:buNone/>
+            </a:pPr>
+            <a:endParaRPr lang="en-US" dirty="0"/>
+          </a:p>
+          <a:p>
+            <a:pPr marL="0" indent="0">
+              <a:buNone/>
+            </a:pPr>
+            <a:r>
+              <a:rPr lang="en-US" dirty="0"/>
+              <a:t>*</a:t>
+            </a:r>
+            <a:r>
+              <a:rPr lang="en-US" dirty="0">
+                <a:hlinkClick r:id="rId3"/>
+              </a:rPr>
+              <a:t>State-By-State Map | SEIA</a:t>
+            </a:r>
+            <a:endParaRPr lang="en-US" dirty="0"/>
+          </a:p>
+        </p:txBody>
+      </p:sp>
+      <p:pic>
+        <p:nvPicPr>
+          <p:cNvPr id="5" name="Picture 4">
+            <a:extLst>
+              <a:ext uri="{FF2B5EF4-FFF2-40B4-BE49-F238E27FC236}">
+                <a16:creationId xmlns:a16="http://schemas.microsoft.com/office/drawing/2014/main" id="{63FB51F3-D7EA-4EAB-9DB7-092075888003}"/>
+              </a:ext>
+            </a:extLst>
+          </p:cNvPr>
+          <p:cNvPicPr>
+            <a:picLocks noChangeAspect="1"/>
+          </p:cNvPicPr>
+          <p:nvPr/>
+        </p:nvPicPr>
+        <p:blipFill>
+          <a:blip r:embed="rId4"/>
+          <a:stretch>
+            <a:fillRect/>
+          </a:stretch>
+        </p:blipFill>
+        <p:spPr>
+          <a:xfrm>
+            <a:off x="612039" y="2247899"/>
+            <a:ext cx="5788761" cy="3819525"/>
+          </a:xfrm>
+          <a:prstGeom prst="rect">
+            <a:avLst/>
+          </a:prstGeom>
+        </p:spPr>
+      </p:pic>
+    </p:spTree>
+    <p:extLst>
+      <p:ext uri="{BB962C8B-B14F-4D97-AF65-F5344CB8AC3E}">
+        <p14:creationId xmlns:p14="http://schemas.microsoft.com/office/powerpoint/2010/main" val="998720530"/>
       </p:ext>
     </p:extLst>
   </p:cSld>
@@ -6506,21 +9031,21 @@
 </file>
 
 <file path=customXml/item1.xml><?xml version="1.0" encoding="utf-8"?>
+<p:properties xmlns:p="http://schemas.microsoft.com/office/2006/metadata/properties" xmlns:xsi="http://www.w3.org/2001/XMLSchema-instance" xmlns:pc="http://schemas.microsoft.com/office/infopath/2007/PartnerControls">
+  <documentManagement>
+    <Status xmlns="71af3243-3dd4-4a8d-8c0d-dd76da1f02a5">Not started</Status>
+    <MediaServiceKeyPoints xmlns="71af3243-3dd4-4a8d-8c0d-dd76da1f02a5" xsi:nil="true"/>
+  </documentManagement>
+</p:properties>
+</file>
+
+<file path=customXml/item2.xml><?xml version="1.0" encoding="utf-8"?>
 <?mso-contentType ?>
 <FormTemplates xmlns="http://schemas.microsoft.com/sharepoint/v3/contenttype/forms">
   <Display>DocumentLibraryForm</Display>
   <Edit>DocumentLibraryForm</Edit>
   <New>DocumentLibraryForm</New>
 </FormTemplates>
-</file>
-
-<file path=customXml/item2.xml><?xml version="1.0" encoding="utf-8"?>
-<p:properties xmlns:p="http://schemas.microsoft.com/office/2006/metadata/properties" xmlns:xsi="http://www.w3.org/2001/XMLSchema-instance" xmlns:pc="http://schemas.microsoft.com/office/infopath/2007/PartnerControls">
-  <documentManagement>
-    <Status xmlns="71af3243-3dd4-4a8d-8c0d-dd76da1f02a5">Not started</Status>
-    <MediaServiceKeyPoints xmlns="71af3243-3dd4-4a8d-8c0d-dd76da1f02a5" xsi:nil="true"/>
-  </documentManagement>
-</p:properties>
 </file>
 
 <file path=customXml/item3.xml><?xml version="1.0" encoding="utf-8"?>
@@ -6745,19 +9270,19 @@
 </file>
 
 <file path=customXml/itemProps1.xml><?xml version="1.0" encoding="utf-8"?>
-<ds:datastoreItem xmlns:ds="http://schemas.openxmlformats.org/officeDocument/2006/customXml" ds:itemID="{3E586370-B0FB-4108-8B4F-329716A22E3A}">
+<ds:datastoreItem xmlns:ds="http://schemas.openxmlformats.org/officeDocument/2006/customXml" ds:itemID="{55B48092-4A2C-4E16-B971-9ACADFFF69E4}">
   <ds:schemaRefs>
-    <ds:schemaRef ds:uri="http://schemas.microsoft.com/sharepoint/v3/contenttype/forms"/>
+    <ds:schemaRef ds:uri="http://schemas.microsoft.com/office/2006/metadata/properties"/>
+    <ds:schemaRef ds:uri="http://schemas.microsoft.com/office/infopath/2007/PartnerControls"/>
+    <ds:schemaRef ds:uri="71af3243-3dd4-4a8d-8c0d-dd76da1f02a5"/>
   </ds:schemaRefs>
 </ds:datastoreItem>
 </file>
 
 <file path=customXml/itemProps2.xml><?xml version="1.0" encoding="utf-8"?>
-<ds:datastoreItem xmlns:ds="http://schemas.openxmlformats.org/officeDocument/2006/customXml" ds:itemID="{55B48092-4A2C-4E16-B971-9ACADFFF69E4}">
+<ds:datastoreItem xmlns:ds="http://schemas.openxmlformats.org/officeDocument/2006/customXml" ds:itemID="{3E586370-B0FB-4108-8B4F-329716A22E3A}">
   <ds:schemaRefs>
-    <ds:schemaRef ds:uri="http://schemas.microsoft.com/office/2006/metadata/properties"/>
-    <ds:schemaRef ds:uri="http://schemas.microsoft.com/office/infopath/2007/PartnerControls"/>
-    <ds:schemaRef ds:uri="71af3243-3dd4-4a8d-8c0d-dd76da1f02a5"/>
+    <ds:schemaRef ds:uri="http://schemas.microsoft.com/sharepoint/v3/contenttype/forms"/>
   </ds:schemaRefs>
 </ds:datastoreItem>
 </file>

--- a/Solar Panels for homes.pptx
+++ b/Solar Panels for homes.pptx
@@ -175,7 +175,7 @@
 <file path=ppt/revisionInfo.xml><?xml version="1.0" encoding="utf-8"?>
 <p1510:revInfo xmlns:a="http://schemas.openxmlformats.org/drawingml/2006/main" xmlns:r="http://schemas.openxmlformats.org/officeDocument/2006/relationships" xmlns:p1510="http://schemas.microsoft.com/office/powerpoint/2015/10/main">
   <p1510:revLst>
-    <p1510:client id="{16183937-D2FC-4507-A4FB-6C155EB271C9}" v="110" dt="2022-01-13T01:11:24.797"/>
+    <p1510:client id="{16183937-D2FC-4507-A4FB-6C155EB271C9}" v="112" dt="2022-01-13T01:36:33.631"/>
   </p1510:revLst>
 </p1510:revInfo>
 </file>
@@ -185,18 +185,18 @@
   <pc:docChgLst>
     <pc:chgData name="Claudia L" userId="d651ccd468905d1c" providerId="LiveId" clId="{16183937-D2FC-4507-A4FB-6C155EB271C9}"/>
     <pc:docChg chg="undo custSel addSld delSld modSld addSection modSection">
-      <pc:chgData name="Claudia L" userId="d651ccd468905d1c" providerId="LiveId" clId="{16183937-D2FC-4507-A4FB-6C155EB271C9}" dt="2022-01-13T01:17:23.748" v="7862" actId="20577"/>
+      <pc:chgData name="Claudia L" userId="d651ccd468905d1c" providerId="LiveId" clId="{16183937-D2FC-4507-A4FB-6C155EB271C9}" dt="2022-01-13T17:52:14.059" v="8358" actId="20577"/>
       <pc:docMkLst>
         <pc:docMk/>
       </pc:docMkLst>
       <pc:sldChg chg="modSp mod">
-        <pc:chgData name="Claudia L" userId="d651ccd468905d1c" providerId="LiveId" clId="{16183937-D2FC-4507-A4FB-6C155EB271C9}" dt="2022-01-12T20:45:08.371" v="1902" actId="20577"/>
+        <pc:chgData name="Claudia L" userId="d651ccd468905d1c" providerId="LiveId" clId="{16183937-D2FC-4507-A4FB-6C155EB271C9}" dt="2022-01-13T01:36:26.919" v="7938" actId="20577"/>
         <pc:sldMkLst>
           <pc:docMk/>
           <pc:sldMk cId="1487700712" sldId="256"/>
         </pc:sldMkLst>
         <pc:spChg chg="mod">
-          <ac:chgData name="Claudia L" userId="d651ccd468905d1c" providerId="LiveId" clId="{16183937-D2FC-4507-A4FB-6C155EB271C9}" dt="2022-01-12T20:45:08.371" v="1902" actId="20577"/>
+          <ac:chgData name="Claudia L" userId="d651ccd468905d1c" providerId="LiveId" clId="{16183937-D2FC-4507-A4FB-6C155EB271C9}" dt="2022-01-13T01:36:26.919" v="7938" actId="20577"/>
           <ac:spMkLst>
             <pc:docMk/>
             <pc:sldMk cId="1487700712" sldId="256"/>
@@ -252,7 +252,7 @@
         </pc:picChg>
       </pc:sldChg>
       <pc:sldChg chg="addSp delSp modSp new mod setBg">
-        <pc:chgData name="Claudia L" userId="d651ccd468905d1c" providerId="LiveId" clId="{16183937-D2FC-4507-A4FB-6C155EB271C9}" dt="2022-01-12T23:27:00.370" v="5126" actId="20577"/>
+        <pc:chgData name="Claudia L" userId="d651ccd468905d1c" providerId="LiveId" clId="{16183937-D2FC-4507-A4FB-6C155EB271C9}" dt="2022-01-13T03:17:56.232" v="7952" actId="20577"/>
         <pc:sldMkLst>
           <pc:docMk/>
           <pc:sldMk cId="2231398592" sldId="258"/>
@@ -266,7 +266,7 @@
           </ac:spMkLst>
         </pc:spChg>
         <pc:spChg chg="mod">
-          <ac:chgData name="Claudia L" userId="d651ccd468905d1c" providerId="LiveId" clId="{16183937-D2FC-4507-A4FB-6C155EB271C9}" dt="2022-01-12T23:27:00.370" v="5126" actId="20577"/>
+          <ac:chgData name="Claudia L" userId="d651ccd468905d1c" providerId="LiveId" clId="{16183937-D2FC-4507-A4FB-6C155EB271C9}" dt="2022-01-13T03:17:56.232" v="7952" actId="20577"/>
           <ac:spMkLst>
             <pc:docMk/>
             <pc:sldMk cId="2231398592" sldId="258"/>
@@ -299,7 +299,7 @@
         </pc:picChg>
       </pc:sldChg>
       <pc:sldChg chg="modSp new mod">
-        <pc:chgData name="Claudia L" userId="d651ccd468905d1c" providerId="LiveId" clId="{16183937-D2FC-4507-A4FB-6C155EB271C9}" dt="2022-01-12T23:29:09.030" v="5269" actId="20577"/>
+        <pc:chgData name="Claudia L" userId="d651ccd468905d1c" providerId="LiveId" clId="{16183937-D2FC-4507-A4FB-6C155EB271C9}" dt="2022-01-13T16:14:18.069" v="8353" actId="20577"/>
         <pc:sldMkLst>
           <pc:docMk/>
           <pc:sldMk cId="1768409953" sldId="259"/>
@@ -313,7 +313,7 @@
           </ac:spMkLst>
         </pc:spChg>
         <pc:spChg chg="mod">
-          <ac:chgData name="Claudia L" userId="d651ccd468905d1c" providerId="LiveId" clId="{16183937-D2FC-4507-A4FB-6C155EB271C9}" dt="2022-01-12T23:29:09.030" v="5269" actId="20577"/>
+          <ac:chgData name="Claudia L" userId="d651ccd468905d1c" providerId="LiveId" clId="{16183937-D2FC-4507-A4FB-6C155EB271C9}" dt="2022-01-13T16:14:18.069" v="8353" actId="20577"/>
           <ac:spMkLst>
             <pc:docMk/>
             <pc:sldMk cId="1768409953" sldId="259"/>
@@ -329,7 +329,7 @@
         </pc:sldMkLst>
       </pc:sldChg>
       <pc:sldChg chg="addSp delSp modSp new mod">
-        <pc:chgData name="Claudia L" userId="d651ccd468905d1c" providerId="LiveId" clId="{16183937-D2FC-4507-A4FB-6C155EB271C9}" dt="2022-01-13T01:03:40.711" v="7323" actId="20577"/>
+        <pc:chgData name="Claudia L" userId="d651ccd468905d1c" providerId="LiveId" clId="{16183937-D2FC-4507-A4FB-6C155EB271C9}" dt="2022-01-13T17:52:14.059" v="8358" actId="20577"/>
         <pc:sldMkLst>
           <pc:docMk/>
           <pc:sldMk cId="2448347216" sldId="260"/>
@@ -351,7 +351,7 @@
           </ac:spMkLst>
         </pc:spChg>
         <pc:spChg chg="add mod">
-          <ac:chgData name="Claudia L" userId="d651ccd468905d1c" providerId="LiveId" clId="{16183937-D2FC-4507-A4FB-6C155EB271C9}" dt="2022-01-13T00:32:29.784" v="6553" actId="20577"/>
+          <ac:chgData name="Claudia L" userId="d651ccd468905d1c" providerId="LiveId" clId="{16183937-D2FC-4507-A4FB-6C155EB271C9}" dt="2022-01-13T17:52:14.059" v="8358" actId="20577"/>
           <ac:spMkLst>
             <pc:docMk/>
             <pc:sldMk cId="2448347216" sldId="260"/>
@@ -375,7 +375,7 @@
         </pc:sldMkLst>
       </pc:sldChg>
       <pc:sldChg chg="modSp new mod">
-        <pc:chgData name="Claudia L" userId="d651ccd468905d1c" providerId="LiveId" clId="{16183937-D2FC-4507-A4FB-6C155EB271C9}" dt="2022-01-12T21:00:19.872" v="2390" actId="313"/>
+        <pc:chgData name="Claudia L" userId="d651ccd468905d1c" providerId="LiveId" clId="{16183937-D2FC-4507-A4FB-6C155EB271C9}" dt="2022-01-13T16:44:57.570" v="8356" actId="20577"/>
         <pc:sldMkLst>
           <pc:docMk/>
           <pc:sldMk cId="2901563619" sldId="261"/>
@@ -389,7 +389,7 @@
           </ac:spMkLst>
         </pc:spChg>
         <pc:spChg chg="mod">
-          <ac:chgData name="Claudia L" userId="d651ccd468905d1c" providerId="LiveId" clId="{16183937-D2FC-4507-A4FB-6C155EB271C9}" dt="2022-01-12T21:00:19.872" v="2390" actId="313"/>
+          <ac:chgData name="Claudia L" userId="d651ccd468905d1c" providerId="LiveId" clId="{16183937-D2FC-4507-A4FB-6C155EB271C9}" dt="2022-01-13T16:44:57.570" v="8356" actId="20577"/>
           <ac:spMkLst>
             <pc:docMk/>
             <pc:sldMk cId="2901563619" sldId="261"/>
@@ -398,7 +398,7 @@
         </pc:spChg>
       </pc:sldChg>
       <pc:sldChg chg="modSp new mod">
-        <pc:chgData name="Claudia L" userId="d651ccd468905d1c" providerId="LiveId" clId="{16183937-D2FC-4507-A4FB-6C155EB271C9}" dt="2022-01-12T21:00:56.246" v="2392" actId="20577"/>
+        <pc:chgData name="Claudia L" userId="d651ccd468905d1c" providerId="LiveId" clId="{16183937-D2FC-4507-A4FB-6C155EB271C9}" dt="2022-01-13T15:21:34.613" v="8037" actId="20577"/>
         <pc:sldMkLst>
           <pc:docMk/>
           <pc:sldMk cId="1842148938" sldId="262"/>
@@ -412,7 +412,7 @@
           </ac:spMkLst>
         </pc:spChg>
         <pc:spChg chg="mod">
-          <ac:chgData name="Claudia L" userId="d651ccd468905d1c" providerId="LiveId" clId="{16183937-D2FC-4507-A4FB-6C155EB271C9}" dt="2022-01-12T21:00:56.246" v="2392" actId="20577"/>
+          <ac:chgData name="Claudia L" userId="d651ccd468905d1c" providerId="LiveId" clId="{16183937-D2FC-4507-A4FB-6C155EB271C9}" dt="2022-01-13T15:21:34.613" v="8037" actId="20577"/>
           <ac:spMkLst>
             <pc:docMk/>
             <pc:sldMk cId="1842148938" sldId="262"/>
@@ -475,7 +475,7 @@
         </pc:spChg>
       </pc:sldChg>
       <pc:sldChg chg="modSp new mod">
-        <pc:chgData name="Claudia L" userId="d651ccd468905d1c" providerId="LiveId" clId="{16183937-D2FC-4507-A4FB-6C155EB271C9}" dt="2022-01-13T00:10:58.506" v="6016"/>
+        <pc:chgData name="Claudia L" userId="d651ccd468905d1c" providerId="LiveId" clId="{16183937-D2FC-4507-A4FB-6C155EB271C9}" dt="2022-01-13T15:56:23.541" v="8077" actId="20577"/>
         <pc:sldMkLst>
           <pc:docMk/>
           <pc:sldMk cId="363542550" sldId="265"/>
@@ -489,7 +489,7 @@
           </ac:spMkLst>
         </pc:spChg>
         <pc:spChg chg="mod">
-          <ac:chgData name="Claudia L" userId="d651ccd468905d1c" providerId="LiveId" clId="{16183937-D2FC-4507-A4FB-6C155EB271C9}" dt="2022-01-13T00:10:58.506" v="6016"/>
+          <ac:chgData name="Claudia L" userId="d651ccd468905d1c" providerId="LiveId" clId="{16183937-D2FC-4507-A4FB-6C155EB271C9}" dt="2022-01-13T15:56:23.541" v="8077" actId="20577"/>
           <ac:spMkLst>
             <pc:docMk/>
             <pc:sldMk cId="363542550" sldId="265"/>
@@ -498,7 +498,7 @@
         </pc:spChg>
       </pc:sldChg>
       <pc:sldChg chg="modSp new mod addCm">
-        <pc:chgData name="Claudia L" userId="d651ccd468905d1c" providerId="LiveId" clId="{16183937-D2FC-4507-A4FB-6C155EB271C9}" dt="2022-01-13T00:33:17.145" v="6575" actId="20577"/>
+        <pc:chgData name="Claudia L" userId="d651ccd468905d1c" providerId="LiveId" clId="{16183937-D2FC-4507-A4FB-6C155EB271C9}" dt="2022-01-13T03:14:34.791" v="7940" actId="20577"/>
         <pc:sldMkLst>
           <pc:docMk/>
           <pc:sldMk cId="1101778282" sldId="266"/>
@@ -512,7 +512,7 @@
           </ac:spMkLst>
         </pc:spChg>
         <pc:spChg chg="mod">
-          <ac:chgData name="Claudia L" userId="d651ccd468905d1c" providerId="LiveId" clId="{16183937-D2FC-4507-A4FB-6C155EB271C9}" dt="2022-01-13T00:10:41.482" v="6015" actId="20577"/>
+          <ac:chgData name="Claudia L" userId="d651ccd468905d1c" providerId="LiveId" clId="{16183937-D2FC-4507-A4FB-6C155EB271C9}" dt="2022-01-13T03:14:34.791" v="7940" actId="20577"/>
           <ac:spMkLst>
             <pc:docMk/>
             <pc:sldMk cId="1101778282" sldId="266"/>
@@ -551,7 +551,7 @@
         </pc:sldMkLst>
       </pc:sldChg>
       <pc:sldChg chg="addSp modSp new mod">
-        <pc:chgData name="Claudia L" userId="d651ccd468905d1c" providerId="LiveId" clId="{16183937-D2FC-4507-A4FB-6C155EB271C9}" dt="2022-01-13T00:29:04.511" v="6349" actId="947"/>
+        <pc:chgData name="Claudia L" userId="d651ccd468905d1c" providerId="LiveId" clId="{16183937-D2FC-4507-A4FB-6C155EB271C9}" dt="2022-01-13T15:59:54.630" v="8146" actId="20577"/>
         <pc:sldMkLst>
           <pc:docMk/>
           <pc:sldMk cId="4042161921" sldId="268"/>
@@ -565,7 +565,7 @@
           </ac:spMkLst>
         </pc:spChg>
         <pc:spChg chg="mod">
-          <ac:chgData name="Claudia L" userId="d651ccd468905d1c" providerId="LiveId" clId="{16183937-D2FC-4507-A4FB-6C155EB271C9}" dt="2022-01-13T00:29:04.511" v="6349" actId="947"/>
+          <ac:chgData name="Claudia L" userId="d651ccd468905d1c" providerId="LiveId" clId="{16183937-D2FC-4507-A4FB-6C155EB271C9}" dt="2022-01-13T15:59:54.630" v="8146" actId="20577"/>
           <ac:spMkLst>
             <pc:docMk/>
             <pc:sldMk cId="4042161921" sldId="268"/>
@@ -590,7 +590,7 @@
         </pc:picChg>
       </pc:sldChg>
       <pc:sldChg chg="addSp delSp modSp new mod setBg">
-        <pc:chgData name="Claudia L" userId="d651ccd468905d1c" providerId="LiveId" clId="{16183937-D2FC-4507-A4FB-6C155EB271C9}" dt="2022-01-13T00:06:19.205" v="5961" actId="20577"/>
+        <pc:chgData name="Claudia L" userId="d651ccd468905d1c" providerId="LiveId" clId="{16183937-D2FC-4507-A4FB-6C155EB271C9}" dt="2022-01-13T16:01:13.885" v="8148" actId="27636"/>
         <pc:sldMkLst>
           <pc:docMk/>
           <pc:sldMk cId="1068130750" sldId="269"/>
@@ -644,7 +644,7 @@
           </ac:spMkLst>
         </pc:spChg>
         <pc:spChg chg="add mod">
-          <ac:chgData name="Claudia L" userId="d651ccd468905d1c" providerId="LiveId" clId="{16183937-D2FC-4507-A4FB-6C155EB271C9}" dt="2022-01-13T00:06:19.205" v="5961" actId="20577"/>
+          <ac:chgData name="Claudia L" userId="d651ccd468905d1c" providerId="LiveId" clId="{16183937-D2FC-4507-A4FB-6C155EB271C9}" dt="2022-01-13T16:01:13.885" v="8148" actId="27636"/>
           <ac:spMkLst>
             <pc:docMk/>
             <pc:sldMk cId="1068130750" sldId="269"/>
@@ -661,7 +661,7 @@
         </pc:picChg>
       </pc:sldChg>
       <pc:sldChg chg="modSp new mod">
-        <pc:chgData name="Claudia L" userId="d651ccd468905d1c" providerId="LiveId" clId="{16183937-D2FC-4507-A4FB-6C155EB271C9}" dt="2022-01-13T01:02:24.738" v="7279" actId="20577"/>
+        <pc:chgData name="Claudia L" userId="d651ccd468905d1c" providerId="LiveId" clId="{16183937-D2FC-4507-A4FB-6C155EB271C9}" dt="2022-01-13T16:06:19.162" v="8298" actId="33524"/>
         <pc:sldMkLst>
           <pc:docMk/>
           <pc:sldMk cId="1394370116" sldId="270"/>
@@ -675,7 +675,7 @@
           </ac:spMkLst>
         </pc:spChg>
         <pc:spChg chg="mod">
-          <ac:chgData name="Claudia L" userId="d651ccd468905d1c" providerId="LiveId" clId="{16183937-D2FC-4507-A4FB-6C155EB271C9}" dt="2022-01-13T01:02:24.738" v="7279" actId="20577"/>
+          <ac:chgData name="Claudia L" userId="d651ccd468905d1c" providerId="LiveId" clId="{16183937-D2FC-4507-A4FB-6C155EB271C9}" dt="2022-01-13T16:06:19.162" v="8298" actId="33524"/>
           <ac:spMkLst>
             <pc:docMk/>
             <pc:sldMk cId="1394370116" sldId="270"/>
@@ -894,7 +894,7 @@
           <a:p>
             <a:fld id="{AF869721-F543-4A6C-BF9D-65D7CC540427}" type="datetimeFigureOut">
               <a:rPr lang="en-US" smtClean="0"/>
-              <a:t>1/12/2022</a:t>
+              <a:t>1/13/2022</a:t>
             </a:fld>
             <a:endParaRPr lang="en-US" dirty="0"/>
           </a:p>
@@ -1071,7 +1071,7 @@
           <a:p>
             <a:fld id="{C732326A-4C88-4AFB-AA5B-5919D81DFF5B}" type="datetimeFigureOut">
               <a:rPr lang="en-US" smtClean="0"/>
-              <a:t>1/12/2022</a:t>
+              <a:t>1/13/2022</a:t>
             </a:fld>
             <a:endParaRPr lang="en-US" dirty="0"/>
           </a:p>
@@ -1668,7 +1668,7 @@
             <a:fld id="{B61BEF0D-F0BB-DE4B-95CE-6DB70DBA9567}" type="datetimeFigureOut">
               <a:rPr lang="en-US" smtClean="0"/>
               <a:pPr/>
-              <a:t>1/12/2022</a:t>
+              <a:t>1/13/2022</a:t>
             </a:fld>
             <a:endParaRPr lang="en-US" dirty="0"/>
           </a:p>
@@ -1932,7 +1932,7 @@
             <a:fld id="{B61BEF0D-F0BB-DE4B-95CE-6DB70DBA9567}" type="datetimeFigureOut">
               <a:rPr lang="en-US" smtClean="0"/>
               <a:pPr/>
-              <a:t>1/12/2022</a:t>
+              <a:t>1/13/2022</a:t>
             </a:fld>
             <a:endParaRPr lang="en-US" dirty="0"/>
           </a:p>
@@ -2169,7 +2169,7 @@
             <a:fld id="{B61BEF0D-F0BB-DE4B-95CE-6DB70DBA9567}" type="datetimeFigureOut">
               <a:rPr lang="en-US" smtClean="0"/>
               <a:pPr/>
-              <a:t>1/12/2022</a:t>
+              <a:t>1/13/2022</a:t>
             </a:fld>
             <a:endParaRPr lang="en-US" dirty="0"/>
           </a:p>
@@ -2411,7 +2411,7 @@
             <a:fld id="{B61BEF0D-F0BB-DE4B-95CE-6DB70DBA9567}" type="datetimeFigureOut">
               <a:rPr lang="en-US" smtClean="0"/>
               <a:pPr/>
-              <a:t>1/12/2022</a:t>
+              <a:t>1/13/2022</a:t>
             </a:fld>
             <a:endParaRPr lang="en-US" dirty="0"/>
           </a:p>
@@ -2720,7 +2720,7 @@
             <a:fld id="{B61BEF0D-F0BB-DE4B-95CE-6DB70DBA9567}" type="datetimeFigureOut">
               <a:rPr lang="en-US" smtClean="0"/>
               <a:pPr/>
-              <a:t>1/12/2022</a:t>
+              <a:t>1/13/2022</a:t>
             </a:fld>
             <a:endParaRPr lang="en-US" dirty="0"/>
           </a:p>
@@ -3024,7 +3024,7 @@
             <a:fld id="{B61BEF0D-F0BB-DE4B-95CE-6DB70DBA9567}" type="datetimeFigureOut">
               <a:rPr lang="en-US" smtClean="0"/>
               <a:pPr/>
-              <a:t>1/12/2022</a:t>
+              <a:t>1/13/2022</a:t>
             </a:fld>
             <a:endParaRPr lang="en-US" dirty="0"/>
           </a:p>
@@ -3448,7 +3448,7 @@
             <a:fld id="{B61BEF0D-F0BB-DE4B-95CE-6DB70DBA9567}" type="datetimeFigureOut">
               <a:rPr lang="en-US" smtClean="0"/>
               <a:pPr/>
-              <a:t>1/12/2022</a:t>
+              <a:t>1/13/2022</a:t>
             </a:fld>
             <a:endParaRPr lang="en-US" dirty="0"/>
           </a:p>
@@ -3545,7 +3545,7 @@
             <a:fld id="{B61BEF0D-F0BB-DE4B-95CE-6DB70DBA9567}" type="datetimeFigureOut">
               <a:rPr lang="en-US" smtClean="0"/>
               <a:pPr/>
-              <a:t>1/12/2022</a:t>
+              <a:t>1/13/2022</a:t>
             </a:fld>
             <a:endParaRPr lang="en-US" dirty="0"/>
           </a:p>
@@ -3709,7 +3709,7 @@
             <a:fld id="{B61BEF0D-F0BB-DE4B-95CE-6DB70DBA9567}" type="datetimeFigureOut">
               <a:rPr lang="en-US" smtClean="0"/>
               <a:pPr/>
-              <a:t>1/12/2022</a:t>
+              <a:t>1/13/2022</a:t>
             </a:fld>
             <a:endParaRPr lang="en-US" dirty="0"/>
           </a:p>
@@ -4089,7 +4089,7 @@
             <a:fld id="{B61BEF0D-F0BB-DE4B-95CE-6DB70DBA9567}" type="datetimeFigureOut">
               <a:rPr lang="en-US" smtClean="0"/>
               <a:pPr/>
-              <a:t>1/12/2022</a:t>
+              <a:t>1/13/2022</a:t>
             </a:fld>
             <a:endParaRPr lang="en-US" dirty="0"/>
           </a:p>
@@ -4379,7 +4379,7 @@
             <a:fld id="{B61BEF0D-F0BB-DE4B-95CE-6DB70DBA9567}" type="datetimeFigureOut">
               <a:rPr lang="en-US" smtClean="0"/>
               <a:pPr/>
-              <a:t>1/12/2022</a:t>
+              <a:t>1/13/2022</a:t>
             </a:fld>
             <a:endParaRPr lang="en-US" dirty="0"/>
           </a:p>
@@ -4592,7 +4592,7 @@
             <a:fld id="{B61BEF0D-F0BB-DE4B-95CE-6DB70DBA9567}" type="datetimeFigureOut">
               <a:rPr lang="en-US" smtClean="0"/>
               <a:pPr/>
-              <a:t>1/12/2022</a:t>
+              <a:t>1/13/2022</a:t>
             </a:fld>
             <a:endParaRPr lang="en-US" dirty="0"/>
           </a:p>
@@ -5604,7 +5604,7 @@
         </p:spPr>
         <p:txBody>
           <a:bodyPr>
-            <a:normAutofit/>
+            <a:normAutofit fontScale="70000" lnSpcReduction="20000"/>
           </a:bodyPr>
           <a:lstStyle/>
           <a:p>
@@ -5614,7 +5614,17 @@
                   <a:srgbClr val="7CEBFF"/>
                 </a:solidFill>
               </a:rPr>
-              <a:t>By Claudia Logrande,  arica mcneal,  michelle chavez</a:t>
+              <a:t>By Claudia Logrande,  arica mcneal,  michelle Chavez</a:t>
+            </a:r>
+          </a:p>
+          <a:p>
+            <a:r>
+              <a:rPr lang="en-US" dirty="0">
+                <a:solidFill>
+                  <a:srgbClr val="7CEBFF"/>
+                </a:solidFill>
+              </a:rPr>
+              <a:t>WozU/ Southern career Institute/ Entity</a:t>
             </a:r>
           </a:p>
         </p:txBody>
@@ -5882,7 +5892,7 @@
           <a:p>
             <a:r>
               <a:rPr lang="en-US" dirty="0"/>
-              <a:t>Money back for selling not used power to energy companies through the grid</a:t>
+              <a:t>Money back for selling the power that is not used, to other energy companies (through the grid).</a:t>
             </a:r>
           </a:p>
           <a:p>
@@ -6022,7 +6032,7 @@
           <a:p>
             <a:r>
               <a:rPr lang="en-US" dirty="0"/>
-              <a:t>Upfront costs to buy of lease solar panels </a:t>
+              <a:t>Upfront costs to buy or lease solar panels </a:t>
             </a:r>
           </a:p>
           <a:p>
@@ -6183,7 +6193,7 @@
           <a:p>
             <a:r>
               <a:rPr lang="en-US" dirty="0"/>
-              <a:t>ITC is expected to decrease from 2023 as the solar panels are expected to decrease instead</a:t>
+              <a:t>Projection of ITC is expected to decrease in 2023, as the solar panels are also expected to decrease.</a:t>
             </a:r>
           </a:p>
           <a:p>
@@ -6477,7 +6487,7 @@
         </p:spPr>
         <p:txBody>
           <a:bodyPr>
-            <a:normAutofit fontScale="92500" lnSpcReduction="10000"/>
+            <a:normAutofit/>
           </a:bodyPr>
           <a:lstStyle/>
           <a:p>
@@ -6491,15 +6501,6 @@
               <a:rPr lang="en-US" dirty="0"/>
               <a:t>Most panels last around 50 years but have 25 years warranty</a:t>
             </a:r>
-          </a:p>
-          <a:p>
-            <a:r>
-              <a:rPr lang="en-US" dirty="0"/>
-              <a:t>Generate power around 30% cheaper then conventional power from the local power companies.</a:t>
-            </a:r>
-          </a:p>
-          <a:p>
-            <a:endParaRPr lang="en-US" dirty="0"/>
           </a:p>
           <a:p>
             <a:endParaRPr lang="en-US" dirty="0"/>
@@ -6897,19 +6898,31 @@
           <a:p>
             <a:r>
               <a:rPr lang="en-US" dirty="0"/>
-              <a:t>Creating tableau was fun and entertaining</a:t>
+              <a:t>Creating tableau was fun and entertaining (interactive maps).</a:t>
             </a:r>
           </a:p>
           <a:p>
             <a:r>
               <a:rPr lang="en-US" dirty="0"/>
-              <a:t>Doing the population sample survey was very useful </a:t>
+              <a:t>Doing the population sample survey was very useful. </a:t>
             </a:r>
           </a:p>
           <a:p>
             <a:r>
               <a:rPr lang="en-US" dirty="0"/>
-              <a:t>The power point presentation is a great way to combine and link everything together</a:t>
+              <a:t>The power point presentation is a great way to combine and link everything together and we had fun with it.</a:t>
+            </a:r>
+          </a:p>
+          <a:p>
+            <a:r>
+              <a:rPr lang="en-US" dirty="0"/>
+              <a:t>This is the end of our presentation; we hope you enjoyed it.</a:t>
+            </a:r>
+          </a:p>
+          <a:p>
+            <a:r>
+              <a:rPr lang="en-US" dirty="0"/>
+              <a:t>Any questions?</a:t>
             </a:r>
           </a:p>
           <a:p>
@@ -7061,7 +7074,7 @@
           <a:p>
             <a:r>
               <a:rPr lang="en-US" dirty="0"/>
-              <a:t>A group of single moms, teamed up to work on this project, helping each other just like we do in life to better ourselves and learning from each other.</a:t>
+              <a:t>A group of single moms, teamed up to work on this project, helping each other just like in life to better ourselves and learning from each other.</a:t>
             </a:r>
           </a:p>
           <a:p>
@@ -7188,19 +7201,19 @@
           <a:p>
             <a:r>
               <a:rPr lang="en-US" dirty="0"/>
-              <a:t>International student.</a:t>
+              <a:t>Originally, I was an International student.</a:t>
             </a:r>
           </a:p>
           <a:p>
             <a:r>
               <a:rPr lang="en-US" dirty="0"/>
-              <a:t>Involved in environmental issues at early age back in Europe.</a:t>
+              <a:t>Involved in environmental issues starting at an early age back in Europe.</a:t>
             </a:r>
           </a:p>
           <a:p>
             <a:r>
               <a:rPr lang="en-US" dirty="0"/>
-              <a:t>Volunteer time for environmental issues and homeless shelters.</a:t>
+              <a:t>I like to Volunteer time for environmental issues and homeless shelters.</a:t>
             </a:r>
           </a:p>
           <a:p>
@@ -7212,7 +7225,13 @@
           <a:p>
             <a:r>
               <a:rPr lang="en-US" dirty="0"/>
-              <a:t>BA in Business Administration, concentration in Finance. Started a totally different program with WOZU to learn more about Data Science. </a:t>
+              <a:t>I am a Derivatives Analyst (Finance).</a:t>
+            </a:r>
+          </a:p>
+          <a:p>
+            <a:r>
+              <a:rPr lang="en-US" dirty="0"/>
+              <a:t>I have a BA in Business Administration, concentration in Finance. Started a totally different program with WOZU to learn more about Data Science. </a:t>
             </a:r>
           </a:p>
         </p:txBody>
@@ -7337,7 +7356,7 @@
                 <a:effectLst/>
                 <a:latin typeface="Slack-Lato"/>
               </a:rPr>
-              <a:t>I currently work for the state of Ohio Bureau of Workers' Compensation as a Claims Service Specialist where I manage worker's compensation clams. </a:t>
+              <a:t>I currently work for the state of Ohio Bureau of Workers' Compensation as a Claims Service Specialist where I manage worker's compensation claims. </a:t>
             </a:r>
           </a:p>
           <a:p>
@@ -7444,6 +7463,24 @@
               </a:rPr>
               <a:t>My name is Michelle Chavez. </a:t>
             </a:r>
+          </a:p>
+          <a:p>
+            <a:r>
+              <a:rPr lang="en-US" dirty="0">
+                <a:solidFill>
+                  <a:srgbClr val="1D1C1D"/>
+                </a:solidFill>
+                <a:latin typeface="Slack-Lato"/>
+              </a:rPr>
+              <a:t>I’m a single mother of four.</a:t>
+            </a:r>
+            <a:endParaRPr lang="en-US" b="0" i="0" dirty="0">
+              <a:solidFill>
+                <a:srgbClr val="1D1C1D"/>
+              </a:solidFill>
+              <a:effectLst/>
+              <a:latin typeface="Slack-Lato"/>
+            </a:endParaRPr>
           </a:p>
           <a:p>
             <a:r>
@@ -7943,7 +7980,15 @@
           <a:p>
             <a:r>
               <a:rPr lang="en-US" dirty="0"/>
-              <a:t> then the data was not enough to get out standard</a:t>
+              <a:t> then the data was not enough to </a:t>
+            </a:r>
+            <a:r>
+              <a:rPr lang="en-US"/>
+              <a:t>get our </a:t>
+            </a:r>
+            <a:r>
+              <a:rPr lang="en-US" dirty="0"/>
+              <a:t>standard</a:t>
             </a:r>
           </a:p>
           <a:p>
@@ -9031,24 +9076,6 @@
 </file>
 
 <file path=customXml/item1.xml><?xml version="1.0" encoding="utf-8"?>
-<p:properties xmlns:p="http://schemas.microsoft.com/office/2006/metadata/properties" xmlns:xsi="http://www.w3.org/2001/XMLSchema-instance" xmlns:pc="http://schemas.microsoft.com/office/infopath/2007/PartnerControls">
-  <documentManagement>
-    <Status xmlns="71af3243-3dd4-4a8d-8c0d-dd76da1f02a5">Not started</Status>
-    <MediaServiceKeyPoints xmlns="71af3243-3dd4-4a8d-8c0d-dd76da1f02a5" xsi:nil="true"/>
-  </documentManagement>
-</p:properties>
-</file>
-
-<file path=customXml/item2.xml><?xml version="1.0" encoding="utf-8"?>
-<?mso-contentType ?>
-<FormTemplates xmlns="http://schemas.microsoft.com/sharepoint/v3/contenttype/forms">
-  <Display>DocumentLibraryForm</Display>
-  <Edit>DocumentLibraryForm</Edit>
-  <New>DocumentLibraryForm</New>
-</FormTemplates>
-</file>
-
-<file path=customXml/item3.xml><?xml version="1.0" encoding="utf-8"?>
 <ct:contentTypeSchema xmlns:ct="http://schemas.microsoft.com/office/2006/metadata/contentType" xmlns:ma="http://schemas.microsoft.com/office/2006/metadata/properties/metaAttributes" ct:_="" ma:_="" ma:contentTypeName="Document" ma:contentTypeID="0x01010079F111ED35F8CC479449609E8A0923A6" ma:contentTypeVersion="12" ma:contentTypeDescription="Create a new document." ma:contentTypeScope="" ma:versionID="93813dd7ca6ad654711aa0ab317e03a3">
   <xsd:schema xmlns:xsd="http://www.w3.org/2001/XMLSchema" xmlns:xs="http://www.w3.org/2001/XMLSchema" xmlns:p="http://schemas.microsoft.com/office/2006/metadata/properties" xmlns:ns2="71af3243-3dd4-4a8d-8c0d-dd76da1f02a5" xmlns:ns3="16c05727-aa75-4e4a-9b5f-8a80a1165891" targetNamespace="http://schemas.microsoft.com/office/2006/metadata/properties" ma:root="true" ma:fieldsID="f11dc0ce689dd3925e84e4e35398c6e7" ns2:_="" ns3:_="">
     <xsd:import namespace="71af3243-3dd4-4a8d-8c0d-dd76da1f02a5"/>
@@ -9269,25 +9296,25 @@
 </ct:contentTypeSchema>
 </file>
 
-<file path=customXml/itemProps1.xml><?xml version="1.0" encoding="utf-8"?>
-<ds:datastoreItem xmlns:ds="http://schemas.openxmlformats.org/officeDocument/2006/customXml" ds:itemID="{55B48092-4A2C-4E16-B971-9ACADFFF69E4}">
-  <ds:schemaRefs>
-    <ds:schemaRef ds:uri="http://schemas.microsoft.com/office/2006/metadata/properties"/>
-    <ds:schemaRef ds:uri="http://schemas.microsoft.com/office/infopath/2007/PartnerControls"/>
-    <ds:schemaRef ds:uri="71af3243-3dd4-4a8d-8c0d-dd76da1f02a5"/>
-  </ds:schemaRefs>
-</ds:datastoreItem>
+<file path=customXml/item2.xml><?xml version="1.0" encoding="utf-8"?>
+<?mso-contentType ?>
+<FormTemplates xmlns="http://schemas.microsoft.com/sharepoint/v3/contenttype/forms">
+  <Display>DocumentLibraryForm</Display>
+  <Edit>DocumentLibraryForm</Edit>
+  <New>DocumentLibraryForm</New>
+</FormTemplates>
 </file>
 
-<file path=customXml/itemProps2.xml><?xml version="1.0" encoding="utf-8"?>
-<ds:datastoreItem xmlns:ds="http://schemas.openxmlformats.org/officeDocument/2006/customXml" ds:itemID="{3E586370-B0FB-4108-8B4F-329716A22E3A}">
-  <ds:schemaRefs>
-    <ds:schemaRef ds:uri="http://schemas.microsoft.com/sharepoint/v3/contenttype/forms"/>
-  </ds:schemaRefs>
-</ds:datastoreItem>
+<file path=customXml/item3.xml><?xml version="1.0" encoding="utf-8"?>
+<p:properties xmlns:p="http://schemas.microsoft.com/office/2006/metadata/properties" xmlns:xsi="http://www.w3.org/2001/XMLSchema-instance" xmlns:pc="http://schemas.microsoft.com/office/infopath/2007/PartnerControls">
+  <documentManagement>
+    <Status xmlns="71af3243-3dd4-4a8d-8c0d-dd76da1f02a5">Not started</Status>
+    <MediaServiceKeyPoints xmlns="71af3243-3dd4-4a8d-8c0d-dd76da1f02a5" xsi:nil="true"/>
+  </documentManagement>
+</p:properties>
 </file>
 
-<file path=customXml/itemProps3.xml><?xml version="1.0" encoding="utf-8"?>
+<file path=customXml/itemProps1.xml><?xml version="1.0" encoding="utf-8"?>
 <ds:datastoreItem xmlns:ds="http://schemas.openxmlformats.org/officeDocument/2006/customXml" ds:itemID="{E503B719-B9A6-4DC9-AA9D-06F16B758BCB}">
   <ds:schemaRefs>
     <ds:schemaRef ds:uri="http://schemas.microsoft.com/office/2006/metadata/contentType"/>
@@ -9304,4 +9331,22 @@
     <ds:schemaRef ds:uri="http://schemas.microsoft.com/internal/obd"/>
   </ds:schemaRefs>
 </ds:datastoreItem>
+</file>
+
+<file path=customXml/itemProps2.xml><?xml version="1.0" encoding="utf-8"?>
+<ds:datastoreItem xmlns:ds="http://schemas.openxmlformats.org/officeDocument/2006/customXml" ds:itemID="{3E586370-B0FB-4108-8B4F-329716A22E3A}">
+  <ds:schemaRefs>
+    <ds:schemaRef ds:uri="http://schemas.microsoft.com/sharepoint/v3/contenttype/forms"/>
+  </ds:schemaRefs>
+</ds:datastoreItem>
+</file>
+
+<file path=customXml/itemProps3.xml><?xml version="1.0" encoding="utf-8"?>
+<ds:datastoreItem xmlns:ds="http://schemas.openxmlformats.org/officeDocument/2006/customXml" ds:itemID="{55B48092-4A2C-4E16-B971-9ACADFFF69E4}">
+  <ds:schemaRefs>
+    <ds:schemaRef ds:uri="http://schemas.microsoft.com/office/2006/metadata/properties"/>
+    <ds:schemaRef ds:uri="http://schemas.microsoft.com/office/infopath/2007/PartnerControls"/>
+    <ds:schemaRef ds:uri="71af3243-3dd4-4a8d-8c0d-dd76da1f02a5"/>
+  </ds:schemaRefs>
+</ds:datastoreItem>
 </file>